--- a/doc/Abschluss/EasyDiet.pptx
+++ b/doc/Abschluss/EasyDiet.pptx
@@ -5,24 +5,35 @@
     <p:sldMasterId id="2147483648" r:id="rId1"/>
   </p:sldMasterIdLst>
   <p:notesMasterIdLst>
-    <p:notesMasterId r:id="rId17"/>
+    <p:notesMasterId r:id="rId28"/>
   </p:notesMasterIdLst>
   <p:sldIdLst>
     <p:sldId id="256" r:id="rId2"/>
     <p:sldId id="258" r:id="rId3"/>
-    <p:sldId id="262" r:id="rId4"/>
-    <p:sldId id="257" r:id="rId5"/>
-    <p:sldId id="259" r:id="rId6"/>
-    <p:sldId id="260" r:id="rId7"/>
+    <p:sldId id="257" r:id="rId4"/>
+    <p:sldId id="259" r:id="rId5"/>
+    <p:sldId id="260" r:id="rId6"/>
+    <p:sldId id="278" r:id="rId7"/>
     <p:sldId id="261" r:id="rId8"/>
-    <p:sldId id="264" r:id="rId9"/>
-    <p:sldId id="271" r:id="rId10"/>
-    <p:sldId id="265" r:id="rId11"/>
-    <p:sldId id="266" r:id="rId12"/>
-    <p:sldId id="267" r:id="rId13"/>
-    <p:sldId id="268" r:id="rId14"/>
-    <p:sldId id="269" r:id="rId15"/>
+    <p:sldId id="277" r:id="rId9"/>
+    <p:sldId id="262" r:id="rId10"/>
+    <p:sldId id="273" r:id="rId11"/>
+    <p:sldId id="274" r:id="rId12"/>
+    <p:sldId id="264" r:id="rId13"/>
+    <p:sldId id="271" r:id="rId14"/>
+    <p:sldId id="265" r:id="rId15"/>
     <p:sldId id="270" r:id="rId16"/>
+    <p:sldId id="282" r:id="rId17"/>
+    <p:sldId id="266" r:id="rId18"/>
+    <p:sldId id="280" r:id="rId19"/>
+    <p:sldId id="267" r:id="rId20"/>
+    <p:sldId id="279" r:id="rId21"/>
+    <p:sldId id="269" r:id="rId22"/>
+    <p:sldId id="283" r:id="rId23"/>
+    <p:sldId id="275" r:id="rId24"/>
+    <p:sldId id="276" r:id="rId25"/>
+    <p:sldId id="268" r:id="rId26"/>
+    <p:sldId id="281" r:id="rId27"/>
   </p:sldIdLst>
   <p:sldSz cx="9144000" cy="6858000" type="screen4x3"/>
   <p:notesSz cx="6858000" cy="9144000"/>
@@ -206,7 +217,7 @@
           <a:p>
             <a:fld id="{F7FC2DEE-D397-472A-A20C-7F02F2E59EC9}" type="datetimeFigureOut">
               <a:rPr lang="de-AT" smtClean="0"/>
-              <a:t>06.06.2011</a:t>
+              <a:t>08.06.2011</a:t>
             </a:fld>
             <a:endParaRPr lang="de-AT"/>
           </a:p>
@@ -3706,29 +3717,48 @@
           <a:lstStyle/>
           <a:p>
             <a:r>
-              <a:rPr lang="de-AT" dirty="0" smtClean="0"/>
-              <a:t>DB Modell</a:t>
-            </a:r>
+              <a:rPr lang="de-AT" dirty="0"/>
+              <a:t>Showcase - Szenario</a:t>
+            </a:r>
+          </a:p>
+        </p:txBody>
+      </p:sp>
+      <p:sp>
+        <p:nvSpPr>
+          <p:cNvPr id="3" name="Inhaltsplatzhalter 2"/>
+          <p:cNvSpPr>
+            <a:spLocks noGrp="1"/>
+          </p:cNvSpPr>
+          <p:nvPr>
+            <p:ph idx="1"/>
+          </p:nvPr>
+        </p:nvSpPr>
+        <p:spPr/>
+        <p:txBody>
+          <a:bodyPr/>
+          <a:lstStyle/>
+          <a:p>
+            <a:r>
+              <a:rPr lang="de-AT" dirty="0"/>
+              <a:t>Die Diätassistentin öffnet den neu angelegten Patienten und erstellt einen neuen Diätplan für </a:t>
+            </a:r>
+            <a:r>
+              <a:rPr lang="de-AT" dirty="0" smtClean="0"/>
+              <a:t>ihn mit dem zuvor angelegten Rezept.</a:t>
+            </a:r>
+          </a:p>
+          <a:p>
             <a:endParaRPr lang="de-AT" dirty="0"/>
           </a:p>
-        </p:txBody>
-      </p:sp>
-      <p:sp>
-        <p:nvSpPr>
-          <p:cNvPr id="3" name="Inhaltsplatzhalter 2"/>
-          <p:cNvSpPr>
-            <a:spLocks noGrp="1"/>
-          </p:cNvSpPr>
-          <p:nvPr>
-            <p:ph idx="1"/>
-          </p:nvPr>
-        </p:nvSpPr>
-        <p:spPr/>
-        <p:txBody>
-          <a:bodyPr/>
-          <a:lstStyle/>
-          <a:p>
-            <a:endParaRPr lang="de-AT"/>
+          <a:p>
+            <a:r>
+              <a:rPr lang="de-AT" dirty="0" smtClean="0"/>
+              <a:t>Der Patient geht nach Hause und trägt sein Ernährungsprotokoll ein</a:t>
+            </a:r>
+            <a:endParaRPr lang="de-AT" dirty="0"/>
+          </a:p>
+          <a:p>
+            <a:endParaRPr lang="de-AT" dirty="0"/>
           </a:p>
         </p:txBody>
       </p:sp>
@@ -3804,7 +3834,7 @@
     </p:spTree>
     <p:extLst>
       <p:ext uri="{BB962C8B-B14F-4D97-AF65-F5344CB8AC3E}">
-        <p14:creationId xmlns:p14="http://schemas.microsoft.com/office/powerpoint/2010/main" val="3074831565"/>
+        <p14:creationId xmlns:p14="http://schemas.microsoft.com/office/powerpoint/2010/main" val="1275319372"/>
       </p:ext>
     </p:extLst>
   </p:cSld>
@@ -3854,29 +3884,38 @@
           <a:lstStyle/>
           <a:p>
             <a:r>
-              <a:rPr lang="de-AT" dirty="0" smtClean="0"/>
-              <a:t>Schichtenarchitektur</a:t>
+              <a:rPr lang="de-AT" dirty="0"/>
+              <a:t>Showcase - Szenario</a:t>
+            </a:r>
+          </a:p>
+        </p:txBody>
+      </p:sp>
+      <p:sp>
+        <p:nvSpPr>
+          <p:cNvPr id="3" name="Inhaltsplatzhalter 2"/>
+          <p:cNvSpPr>
+            <a:spLocks noGrp="1"/>
+          </p:cNvSpPr>
+          <p:nvPr>
+            <p:ph idx="1"/>
+          </p:nvPr>
+        </p:nvSpPr>
+        <p:spPr/>
+        <p:txBody>
+          <a:bodyPr/>
+          <a:lstStyle/>
+          <a:p>
+            <a:r>
+              <a:rPr lang="de-AT" dirty="0" smtClean="0"/>
+              <a:t>Der Patient kommt wieder zur Diätassistentin.</a:t>
+            </a:r>
+          </a:p>
+          <a:p>
+            <a:r>
+              <a:rPr lang="de-AT" dirty="0" smtClean="0"/>
+              <a:t>Die Diätassistentin legt einen neuen Patientenstatus an.</a:t>
             </a:r>
             <a:endParaRPr lang="de-AT" dirty="0"/>
-          </a:p>
-        </p:txBody>
-      </p:sp>
-      <p:sp>
-        <p:nvSpPr>
-          <p:cNvPr id="3" name="Inhaltsplatzhalter 2"/>
-          <p:cNvSpPr>
-            <a:spLocks noGrp="1"/>
-          </p:cNvSpPr>
-          <p:nvPr>
-            <p:ph idx="1"/>
-          </p:nvPr>
-        </p:nvSpPr>
-        <p:spPr/>
-        <p:txBody>
-          <a:bodyPr/>
-          <a:lstStyle/>
-          <a:p>
-            <a:endParaRPr lang="de-AT"/>
           </a:p>
         </p:txBody>
       </p:sp>
@@ -3952,7 +3991,7 @@
     </p:spTree>
     <p:extLst>
       <p:ext uri="{BB962C8B-B14F-4D97-AF65-F5344CB8AC3E}">
-        <p14:creationId xmlns:p14="http://schemas.microsoft.com/office/powerpoint/2010/main" val="1294282150"/>
+        <p14:creationId xmlns:p14="http://schemas.microsoft.com/office/powerpoint/2010/main" val="2141006577"/>
       </p:ext>
     </p:extLst>
   </p:cSld>
@@ -3993,25 +4032,28 @@
             <a:spLocks noGrp="1"/>
           </p:cNvSpPr>
           <p:nvPr>
-            <p:ph type="title"/>
-          </p:nvPr>
-        </p:nvSpPr>
-        <p:spPr/>
-        <p:txBody>
-          <a:bodyPr/>
-          <a:lstStyle/>
-          <a:p>
-            <a:r>
-              <a:rPr lang="de-AT" dirty="0" smtClean="0"/>
-              <a:t>Integration </a:t>
-            </a:r>
+            <p:ph type="ctrTitle"/>
+          </p:nvPr>
+        </p:nvSpPr>
+        <p:spPr/>
+        <p:txBody>
+          <a:bodyPr/>
+          <a:lstStyle/>
+          <a:p>
             <a:r>
               <a:rPr lang="de-AT" dirty="0" err="1" smtClean="0"/>
-              <a:t>Timebox</a:t>
-            </a:r>
-            <a:r>
-              <a:rPr lang="de-AT" dirty="0" smtClean="0"/>
-              <a:t> 2</a:t>
+              <a:t>EasyDiet</a:t>
+            </a:r>
+            <a:r>
+              <a:rPr lang="de-AT" dirty="0" smtClean="0"/>
+              <a:t/>
+            </a:r>
+            <a:br>
+              <a:rPr lang="de-AT" dirty="0" smtClean="0"/>
+            </a:br>
+            <a:r>
+              <a:rPr lang="de-AT" dirty="0" smtClean="0"/>
+              <a:t>Technische Dokumentation</a:t>
             </a:r>
             <a:endParaRPr lang="de-AT" dirty="0"/>
           </a:p>
@@ -4019,20 +4061,30 @@
       </p:sp>
       <p:sp>
         <p:nvSpPr>
-          <p:cNvPr id="3" name="Inhaltsplatzhalter 2"/>
-          <p:cNvSpPr>
-            <a:spLocks noGrp="1"/>
-          </p:cNvSpPr>
-          <p:nvPr>
-            <p:ph idx="1"/>
-          </p:nvPr>
-        </p:nvSpPr>
-        <p:spPr/>
-        <p:txBody>
-          <a:bodyPr/>
-          <a:lstStyle/>
-          <a:p>
-            <a:endParaRPr lang="de-AT"/>
+          <p:cNvPr id="3" name="Untertitel 2"/>
+          <p:cNvSpPr>
+            <a:spLocks noGrp="1"/>
+          </p:cNvSpPr>
+          <p:nvPr>
+            <p:ph type="subTitle" idx="1"/>
+          </p:nvPr>
+        </p:nvSpPr>
+        <p:spPr/>
+        <p:txBody>
+          <a:bodyPr/>
+          <a:lstStyle/>
+          <a:p>
+            <a:r>
+              <a:rPr lang="de-AT" dirty="0" smtClean="0"/>
+              <a:t>Team C</a:t>
+            </a:r>
+          </a:p>
+          <a:p>
+            <a:r>
+              <a:rPr lang="de-AT" dirty="0" smtClean="0"/>
+              <a:t>10.06.2011</a:t>
+            </a:r>
+            <a:endParaRPr lang="de-AT" dirty="0"/>
           </a:p>
         </p:txBody>
       </p:sp>
@@ -4101,14 +4153,14 @@
               <a:rPr lang="de-AT" smtClean="0"/>
               <a:t>12</a:t>
             </a:fld>
-            <a:endParaRPr lang="de-AT"/>
+            <a:endParaRPr lang="de-AT" dirty="0"/>
           </a:p>
         </p:txBody>
       </p:sp>
     </p:spTree>
     <p:extLst>
       <p:ext uri="{BB962C8B-B14F-4D97-AF65-F5344CB8AC3E}">
-        <p14:creationId xmlns:p14="http://schemas.microsoft.com/office/powerpoint/2010/main" val="4096138688"/>
+        <p14:creationId xmlns:p14="http://schemas.microsoft.com/office/powerpoint/2010/main" val="3869900920"/>
       </p:ext>
     </p:extLst>
   </p:cSld>
@@ -4159,7 +4211,7 @@
           <a:p>
             <a:r>
               <a:rPr lang="de-AT" dirty="0" smtClean="0"/>
-              <a:t>Verwendete Bibliotheken</a:t>
+              <a:t>Agenda</a:t>
             </a:r>
             <a:endParaRPr lang="de-AT" dirty="0"/>
           </a:p>
@@ -4180,7 +4232,67 @@
           <a:bodyPr/>
           <a:lstStyle/>
           <a:p>
-            <a:endParaRPr lang="de-AT"/>
+            <a:r>
+              <a:rPr lang="de-AT" dirty="0" smtClean="0"/>
+              <a:t>DB </a:t>
+            </a:r>
+            <a:r>
+              <a:rPr lang="de-AT" dirty="0" smtClean="0"/>
+              <a:t>Modell</a:t>
+            </a:r>
+          </a:p>
+          <a:p>
+            <a:r>
+              <a:rPr lang="de-AT" dirty="0"/>
+              <a:t>Allgemeine </a:t>
+            </a:r>
+            <a:r>
+              <a:rPr lang="de-AT" dirty="0" smtClean="0"/>
+              <a:t>Designentscheidungen</a:t>
+            </a:r>
+            <a:endParaRPr lang="de-AT" dirty="0" smtClean="0"/>
+          </a:p>
+          <a:p>
+            <a:r>
+              <a:rPr lang="de-AT" dirty="0" smtClean="0"/>
+              <a:t>Schichtenarchitektur</a:t>
+            </a:r>
+          </a:p>
+          <a:p>
+            <a:r>
+              <a:rPr lang="de-AT" dirty="0" smtClean="0"/>
+              <a:t>Integration </a:t>
+            </a:r>
+            <a:r>
+              <a:rPr lang="de-AT" dirty="0" err="1" smtClean="0"/>
+              <a:t>Timebox</a:t>
+            </a:r>
+            <a:r>
+              <a:rPr lang="de-AT" dirty="0" smtClean="0"/>
+              <a:t> </a:t>
+            </a:r>
+            <a:r>
+              <a:rPr lang="de-AT" dirty="0" smtClean="0"/>
+              <a:t>2</a:t>
+            </a:r>
+          </a:p>
+          <a:p>
+            <a:r>
+              <a:rPr lang="de-AT" dirty="0" smtClean="0"/>
+              <a:t>Webarchitektur</a:t>
+            </a:r>
+            <a:endParaRPr lang="de-AT" dirty="0" smtClean="0"/>
+          </a:p>
+          <a:p>
+            <a:r>
+              <a:rPr lang="de-AT" dirty="0" smtClean="0"/>
+              <a:t>Verwendete </a:t>
+            </a:r>
+            <a:r>
+              <a:rPr lang="de-AT" dirty="0" smtClean="0"/>
+              <a:t>Bibliotheken</a:t>
+            </a:r>
+            <a:endParaRPr lang="de-AT" dirty="0" smtClean="0"/>
           </a:p>
         </p:txBody>
       </p:sp>
@@ -4256,7 +4368,7 @@
     </p:spTree>
     <p:extLst>
       <p:ext uri="{BB962C8B-B14F-4D97-AF65-F5344CB8AC3E}">
-        <p14:creationId xmlns:p14="http://schemas.microsoft.com/office/powerpoint/2010/main" val="281736455"/>
+        <p14:creationId xmlns:p14="http://schemas.microsoft.com/office/powerpoint/2010/main" val="3512179570"/>
       </p:ext>
     </p:extLst>
   </p:cSld>
@@ -4300,35 +4412,23 @@
             <p:ph type="title"/>
           </p:nvPr>
         </p:nvSpPr>
-        <p:spPr/>
-        <p:txBody>
-          <a:bodyPr/>
-          <a:lstStyle/>
-          <a:p>
-            <a:r>
-              <a:rPr lang="de-AT" dirty="0" smtClean="0"/>
-              <a:t>Webarchitektur</a:t>
+        <p:spPr>
+          <a:xfrm>
+            <a:off x="395536" y="332656"/>
+            <a:ext cx="8229600" cy="634082"/>
+          </a:xfrm>
+        </p:spPr>
+        <p:txBody>
+          <a:bodyPr>
+            <a:normAutofit fontScale="90000"/>
+          </a:bodyPr>
+          <a:lstStyle/>
+          <a:p>
+            <a:r>
+              <a:rPr lang="de-AT" dirty="0" smtClean="0"/>
+              <a:t>DB Modell</a:t>
             </a:r>
             <a:endParaRPr lang="de-AT" dirty="0"/>
-          </a:p>
-        </p:txBody>
-      </p:sp>
-      <p:sp>
-        <p:nvSpPr>
-          <p:cNvPr id="3" name="Inhaltsplatzhalter 2"/>
-          <p:cNvSpPr>
-            <a:spLocks noGrp="1"/>
-          </p:cNvSpPr>
-          <p:nvPr>
-            <p:ph idx="1"/>
-          </p:nvPr>
-        </p:nvSpPr>
-        <p:spPr/>
-        <p:txBody>
-          <a:bodyPr/>
-          <a:lstStyle/>
-          <a:p>
-            <a:endParaRPr lang="de-AT"/>
           </a:p>
         </p:txBody>
       </p:sp>
@@ -4398,13 +4498,64 @@
               <a:t>14</a:t>
             </a:fld>
             <a:endParaRPr lang="de-AT"/>
+          </a:p>
+        </p:txBody>
+      </p:sp>
+      <p:sp>
+        <p:nvSpPr>
+          <p:cNvPr id="10" name="Inhaltsplatzhalter 9"/>
+          <p:cNvSpPr>
+            <a:spLocks noGrp="1"/>
+          </p:cNvSpPr>
+          <p:nvPr>
+            <p:ph idx="1"/>
+          </p:nvPr>
+        </p:nvSpPr>
+        <p:spPr>
+          <a:xfrm>
+            <a:off x="395536" y="1268760"/>
+            <a:ext cx="8291264" cy="4857403"/>
+          </a:xfrm>
+        </p:spPr>
+        <p:txBody>
+          <a:bodyPr/>
+          <a:lstStyle/>
+          <a:p>
+            <a:pPr marL="0" indent="0" algn="ctr">
+              <a:buNone/>
+            </a:pPr>
+            <a:endParaRPr lang="de-AT" dirty="0"/>
+          </a:p>
+          <a:p>
+            <a:pPr marL="0" indent="0" algn="ctr">
+              <a:buNone/>
+            </a:pPr>
+            <a:endParaRPr lang="de-AT" dirty="0" smtClean="0"/>
+          </a:p>
+          <a:p>
+            <a:pPr marL="0" indent="0" algn="ctr">
+              <a:buNone/>
+            </a:pPr>
+            <a:r>
+              <a:rPr lang="de-AT" dirty="0" smtClean="0">
+                <a:hlinkClick r:id="rId2" action="ppaction://hlinkfile"/>
+              </a:rPr>
+              <a:t>öffnen</a:t>
+            </a:r>
+            <a:endParaRPr lang="de-AT" dirty="0"/>
+          </a:p>
+          <a:p>
+            <a:pPr marL="0" indent="0" algn="ctr">
+              <a:buNone/>
+            </a:pPr>
+            <a:endParaRPr lang="de-AT" dirty="0"/>
           </a:p>
         </p:txBody>
       </p:sp>
     </p:spTree>
     <p:extLst>
       <p:ext uri="{BB962C8B-B14F-4D97-AF65-F5344CB8AC3E}">
-        <p14:creationId xmlns:p14="http://schemas.microsoft.com/office/powerpoint/2010/main" val="3258577172"/>
+        <p14:creationId xmlns:p14="http://schemas.microsoft.com/office/powerpoint/2010/main" val="3074831565"/>
       </p:ext>
     </p:extLst>
   </p:cSld>
@@ -4476,7 +4627,72 @@
           <a:bodyPr/>
           <a:lstStyle/>
           <a:p>
-            <a:endParaRPr lang="de-AT"/>
+            <a:r>
+              <a:rPr lang="de-AT" dirty="0" err="1" smtClean="0"/>
+              <a:t>BusinessLogicDelegationController</a:t>
+            </a:r>
+            <a:endParaRPr lang="de-AT" dirty="0" smtClean="0"/>
+          </a:p>
+          <a:p>
+            <a:pPr lvl="1"/>
+            <a:r>
+              <a:rPr lang="de-AT" dirty="0" smtClean="0"/>
+              <a:t>Als „Zwischencontroller“ um asynchrone zu realisieren</a:t>
+            </a:r>
+          </a:p>
+          <a:p>
+            <a:pPr lvl="1"/>
+            <a:r>
+              <a:rPr lang="de-AT" dirty="0" smtClean="0"/>
+              <a:t>Umwandeln der Domain Objects zu GUI Objects</a:t>
+            </a:r>
+          </a:p>
+          <a:p>
+            <a:r>
+              <a:rPr lang="de-AT" dirty="0" smtClean="0"/>
+              <a:t>Konvertieren von Java </a:t>
+            </a:r>
+            <a:r>
+              <a:rPr lang="de-AT" dirty="0" err="1" smtClean="0"/>
+              <a:t>lists</a:t>
+            </a:r>
+            <a:r>
+              <a:rPr lang="de-AT" dirty="0" smtClean="0"/>
+              <a:t> zu Pivot </a:t>
+            </a:r>
+            <a:r>
+              <a:rPr lang="de-AT" dirty="0" err="1" smtClean="0"/>
+              <a:t>lists</a:t>
+            </a:r>
+            <a:endParaRPr lang="de-AT" dirty="0" smtClean="0"/>
+          </a:p>
+          <a:p>
+            <a:pPr lvl="1"/>
+            <a:r>
+              <a:rPr lang="de-AT" dirty="0" smtClean="0"/>
+              <a:t>Wegen </a:t>
+            </a:r>
+            <a:r>
+              <a:rPr lang="de-AT" dirty="0" err="1" smtClean="0"/>
+              <a:t>Databinding</a:t>
+            </a:r>
+            <a:endParaRPr lang="de-AT" dirty="0" smtClean="0"/>
+          </a:p>
+          <a:p>
+            <a:pPr lvl="1"/>
+            <a:r>
+              <a:rPr lang="de-AT" dirty="0" smtClean="0"/>
+              <a:t>Pivot </a:t>
+            </a:r>
+            <a:r>
+              <a:rPr lang="de-AT" dirty="0" err="1" smtClean="0"/>
+              <a:t>lists</a:t>
+            </a:r>
+            <a:r>
+              <a:rPr lang="de-AT" dirty="0" smtClean="0"/>
+              <a:t> informieren Observer über Änderungen -&gt; Pivot Komponente wird neue gerendert</a:t>
+            </a:r>
+            <a:endParaRPr lang="de-AT" dirty="0"/>
           </a:p>
         </p:txBody>
       </p:sp>
@@ -4553,6 +4769,860 @@
     <p:extLst>
       <p:ext uri="{BB962C8B-B14F-4D97-AF65-F5344CB8AC3E}">
         <p14:creationId xmlns:p14="http://schemas.microsoft.com/office/powerpoint/2010/main" val="177768872"/>
+      </p:ext>
+    </p:extLst>
+  </p:cSld>
+  <p:clrMapOvr>
+    <a:masterClrMapping/>
+  </p:clrMapOvr>
+  <p:timing>
+    <p:tnLst>
+      <p:par>
+        <p:cTn id="1" dur="indefinite" restart="never" nodeType="tmRoot"/>
+      </p:par>
+    </p:tnLst>
+  </p:timing>
+</p:sld>
+</file>
+
+<file path=ppt/slides/slide16.xml><?xml version="1.0" encoding="utf-8"?>
+<p:sld xmlns:a="http://schemas.openxmlformats.org/drawingml/2006/main" xmlns:r="http://schemas.openxmlformats.org/officeDocument/2006/relationships" xmlns:p="http://schemas.openxmlformats.org/presentationml/2006/main">
+  <p:cSld>
+    <p:spTree>
+      <p:nvGrpSpPr>
+        <p:cNvPr id="1" name=""/>
+        <p:cNvGrpSpPr/>
+        <p:nvPr/>
+      </p:nvGrpSpPr>
+      <p:grpSpPr>
+        <a:xfrm>
+          <a:off x="0" y="0"/>
+          <a:ext cx="0" cy="0"/>
+          <a:chOff x="0" y="0"/>
+          <a:chExt cx="0" cy="0"/>
+        </a:xfrm>
+      </p:grpSpPr>
+      <p:sp>
+        <p:nvSpPr>
+          <p:cNvPr id="2" name="Titel 1"/>
+          <p:cNvSpPr>
+            <a:spLocks noGrp="1"/>
+          </p:cNvSpPr>
+          <p:nvPr>
+            <p:ph type="title"/>
+          </p:nvPr>
+        </p:nvSpPr>
+        <p:spPr/>
+        <p:txBody>
+          <a:bodyPr/>
+          <a:lstStyle/>
+          <a:p>
+            <a:r>
+              <a:rPr lang="de-AT" dirty="0"/>
+              <a:t>Allgemeine Designentscheidungen</a:t>
+            </a:r>
+          </a:p>
+        </p:txBody>
+      </p:sp>
+      <p:sp>
+        <p:nvSpPr>
+          <p:cNvPr id="3" name="Inhaltsplatzhalter 2"/>
+          <p:cNvSpPr>
+            <a:spLocks noGrp="1"/>
+          </p:cNvSpPr>
+          <p:nvPr>
+            <p:ph idx="1"/>
+          </p:nvPr>
+        </p:nvSpPr>
+        <p:spPr/>
+        <p:txBody>
+          <a:bodyPr/>
+          <a:lstStyle/>
+          <a:p>
+            <a:r>
+              <a:rPr lang="de-AT" dirty="0" smtClean="0"/>
+              <a:t>Einführen von </a:t>
+            </a:r>
+            <a:r>
+              <a:rPr lang="de-AT" dirty="0" err="1" smtClean="0"/>
+              <a:t>BusinessObjects</a:t>
+            </a:r>
+            <a:endParaRPr lang="de-AT" dirty="0" smtClean="0"/>
+          </a:p>
+          <a:p>
+            <a:pPr lvl="1"/>
+            <a:r>
+              <a:rPr lang="de-AT" dirty="0" smtClean="0"/>
+              <a:t>Kapselung der POJOs der Datenbank</a:t>
+            </a:r>
+          </a:p>
+          <a:p>
+            <a:pPr lvl="1"/>
+            <a:r>
+              <a:rPr lang="de-AT" dirty="0" smtClean="0"/>
+              <a:t>Können Businesslogik enthalten</a:t>
+            </a:r>
+          </a:p>
+          <a:p>
+            <a:r>
+              <a:rPr lang="de-AT" dirty="0" smtClean="0"/>
+              <a:t>GUI erhält nur Data Interfaces</a:t>
+            </a:r>
+          </a:p>
+          <a:p>
+            <a:pPr lvl="1"/>
+            <a:r>
+              <a:rPr lang="de-AT" dirty="0" smtClean="0"/>
+              <a:t>Nur </a:t>
+            </a:r>
+            <a:r>
+              <a:rPr lang="de-AT" dirty="0" err="1" smtClean="0"/>
+              <a:t>getter</a:t>
+            </a:r>
+            <a:endParaRPr lang="de-AT" dirty="0" smtClean="0"/>
+          </a:p>
+        </p:txBody>
+      </p:sp>
+      <p:sp>
+        <p:nvSpPr>
+          <p:cNvPr id="4" name="Datumsplatzhalter 3"/>
+          <p:cNvSpPr>
+            <a:spLocks noGrp="1"/>
+          </p:cNvSpPr>
+          <p:nvPr>
+            <p:ph type="dt" sz="half" idx="10"/>
+          </p:nvPr>
+        </p:nvSpPr>
+        <p:spPr/>
+        <p:txBody>
+          <a:bodyPr/>
+          <a:lstStyle/>
+          <a:p>
+            <a:r>
+              <a:rPr lang="de-AT" smtClean="0"/>
+              <a:t>10.06.2011</a:t>
+            </a:r>
+            <a:endParaRPr lang="de-AT"/>
+          </a:p>
+        </p:txBody>
+      </p:sp>
+      <p:sp>
+        <p:nvSpPr>
+          <p:cNvPr id="5" name="Fußzeilenplatzhalter 4"/>
+          <p:cNvSpPr>
+            <a:spLocks noGrp="1"/>
+          </p:cNvSpPr>
+          <p:nvPr>
+            <p:ph type="ftr" sz="quarter" idx="11"/>
+          </p:nvPr>
+        </p:nvSpPr>
+        <p:spPr/>
+        <p:txBody>
+          <a:bodyPr/>
+          <a:lstStyle/>
+          <a:p>
+            <a:r>
+              <a:rPr lang="de-AT" smtClean="0"/>
+              <a:t>Team C</a:t>
+            </a:r>
+            <a:endParaRPr lang="de-AT"/>
+          </a:p>
+        </p:txBody>
+      </p:sp>
+      <p:sp>
+        <p:nvSpPr>
+          <p:cNvPr id="6" name="Foliennummernplatzhalter 5"/>
+          <p:cNvSpPr>
+            <a:spLocks noGrp="1"/>
+          </p:cNvSpPr>
+          <p:nvPr>
+            <p:ph type="sldNum" sz="quarter" idx="12"/>
+          </p:nvPr>
+        </p:nvSpPr>
+        <p:spPr/>
+        <p:txBody>
+          <a:bodyPr/>
+          <a:lstStyle/>
+          <a:p>
+            <a:fld id="{D9B8EEEF-0262-404B-8336-1D8EA86285D0}" type="slidenum">
+              <a:rPr lang="de-AT" smtClean="0"/>
+              <a:t>16</a:t>
+            </a:fld>
+            <a:endParaRPr lang="de-AT"/>
+          </a:p>
+        </p:txBody>
+      </p:sp>
+    </p:spTree>
+    <p:extLst>
+      <p:ext uri="{BB962C8B-B14F-4D97-AF65-F5344CB8AC3E}">
+        <p14:creationId xmlns:p14="http://schemas.microsoft.com/office/powerpoint/2010/main" val="3115238746"/>
+      </p:ext>
+    </p:extLst>
+  </p:cSld>
+  <p:clrMapOvr>
+    <a:masterClrMapping/>
+  </p:clrMapOvr>
+  <p:timing>
+    <p:tnLst>
+      <p:par>
+        <p:cTn id="1" dur="indefinite" restart="never" nodeType="tmRoot"/>
+      </p:par>
+    </p:tnLst>
+  </p:timing>
+</p:sld>
+</file>
+
+<file path=ppt/slides/slide17.xml><?xml version="1.0" encoding="utf-8"?>
+<p:sld xmlns:a="http://schemas.openxmlformats.org/drawingml/2006/main" xmlns:r="http://schemas.openxmlformats.org/officeDocument/2006/relationships" xmlns:p="http://schemas.openxmlformats.org/presentationml/2006/main">
+  <p:cSld>
+    <p:spTree>
+      <p:nvGrpSpPr>
+        <p:cNvPr id="1" name=""/>
+        <p:cNvGrpSpPr/>
+        <p:nvPr/>
+      </p:nvGrpSpPr>
+      <p:grpSpPr>
+        <a:xfrm>
+          <a:off x="0" y="0"/>
+          <a:ext cx="0" cy="0"/>
+          <a:chOff x="0" y="0"/>
+          <a:chExt cx="0" cy="0"/>
+        </a:xfrm>
+      </p:grpSpPr>
+      <p:sp>
+        <p:nvSpPr>
+          <p:cNvPr id="2" name="Titel 1"/>
+          <p:cNvSpPr>
+            <a:spLocks noGrp="1"/>
+          </p:cNvSpPr>
+          <p:nvPr>
+            <p:ph type="title"/>
+          </p:nvPr>
+        </p:nvSpPr>
+        <p:spPr>
+          <a:xfrm>
+            <a:off x="467544" y="-18256"/>
+            <a:ext cx="8229600" cy="782960"/>
+          </a:xfrm>
+        </p:spPr>
+        <p:txBody>
+          <a:bodyPr/>
+          <a:lstStyle/>
+          <a:p>
+            <a:r>
+              <a:rPr lang="de-AT" dirty="0" smtClean="0"/>
+              <a:t>Schichtenarchitektur</a:t>
+            </a:r>
+            <a:endParaRPr lang="de-AT" dirty="0"/>
+          </a:p>
+        </p:txBody>
+      </p:sp>
+      <p:sp>
+        <p:nvSpPr>
+          <p:cNvPr id="4" name="Datumsplatzhalter 3"/>
+          <p:cNvSpPr>
+            <a:spLocks noGrp="1"/>
+          </p:cNvSpPr>
+          <p:nvPr>
+            <p:ph type="dt" sz="half" idx="10"/>
+          </p:nvPr>
+        </p:nvSpPr>
+        <p:spPr/>
+        <p:txBody>
+          <a:bodyPr/>
+          <a:lstStyle/>
+          <a:p>
+            <a:r>
+              <a:rPr lang="de-AT" smtClean="0"/>
+              <a:t>10.06.2011</a:t>
+            </a:r>
+            <a:endParaRPr lang="de-AT"/>
+          </a:p>
+        </p:txBody>
+      </p:sp>
+      <p:sp>
+        <p:nvSpPr>
+          <p:cNvPr id="5" name="Fußzeilenplatzhalter 4"/>
+          <p:cNvSpPr>
+            <a:spLocks noGrp="1"/>
+          </p:cNvSpPr>
+          <p:nvPr>
+            <p:ph type="ftr" sz="quarter" idx="11"/>
+          </p:nvPr>
+        </p:nvSpPr>
+        <p:spPr/>
+        <p:txBody>
+          <a:bodyPr/>
+          <a:lstStyle/>
+          <a:p>
+            <a:r>
+              <a:rPr lang="de-AT" smtClean="0"/>
+              <a:t>Team C</a:t>
+            </a:r>
+            <a:endParaRPr lang="de-AT"/>
+          </a:p>
+        </p:txBody>
+      </p:sp>
+      <p:sp>
+        <p:nvSpPr>
+          <p:cNvPr id="6" name="Foliennummernplatzhalter 5"/>
+          <p:cNvSpPr>
+            <a:spLocks noGrp="1"/>
+          </p:cNvSpPr>
+          <p:nvPr>
+            <p:ph type="sldNum" sz="quarter" idx="12"/>
+          </p:nvPr>
+        </p:nvSpPr>
+        <p:spPr/>
+        <p:txBody>
+          <a:bodyPr/>
+          <a:lstStyle/>
+          <a:p>
+            <a:fld id="{D9B8EEEF-0262-404B-8336-1D8EA86285D0}" type="slidenum">
+              <a:rPr lang="de-AT" smtClean="0"/>
+              <a:t>17</a:t>
+            </a:fld>
+            <a:endParaRPr lang="de-AT"/>
+          </a:p>
+        </p:txBody>
+      </p:sp>
+      <p:pic>
+        <p:nvPicPr>
+          <p:cNvPr id="9" name="Inhaltsplatzhalter 8"/>
+          <p:cNvPicPr>
+            <a:picLocks noGrp="1" noChangeAspect="1"/>
+          </p:cNvPicPr>
+          <p:nvPr>
+            <p:ph idx="1"/>
+          </p:nvPr>
+        </p:nvPicPr>
+        <p:blipFill rotWithShape="1">
+          <a:blip r:embed="rId2" cstate="print">
+            <a:extLst>
+              <a:ext uri="{28A0092B-C50C-407E-A947-70E740481C1C}">
+                <a14:useLocalDpi xmlns:a14="http://schemas.microsoft.com/office/drawing/2010/main" val="0"/>
+              </a:ext>
+            </a:extLst>
+          </a:blip>
+          <a:srcRect l="8731" t="3675" r="17562" b="3486"/>
+          <a:stretch/>
+        </p:blipFill>
+        <p:spPr>
+          <a:xfrm>
+            <a:off x="6974006" y="859809"/>
+            <a:ext cx="1433015" cy="2402006"/>
+          </a:xfrm>
+        </p:spPr>
+      </p:pic>
+      <p:pic>
+        <p:nvPicPr>
+          <p:cNvPr id="10" name="Inhaltsplatzhalter 8"/>
+          <p:cNvPicPr>
+            <a:picLocks noChangeAspect="1"/>
+          </p:cNvPicPr>
+          <p:nvPr/>
+        </p:nvPicPr>
+        <p:blipFill rotWithShape="1">
+          <a:blip r:embed="rId3" cstate="print">
+            <a:extLst>
+              <a:ext uri="{28A0092B-C50C-407E-A947-70E740481C1C}">
+                <a14:useLocalDpi xmlns:a14="http://schemas.microsoft.com/office/drawing/2010/main" val="0"/>
+              </a:ext>
+            </a:extLst>
+          </a:blip>
+          <a:srcRect l="8917" t="3965" r="18027" b="42691"/>
+          <a:stretch/>
+        </p:blipFill>
+        <p:spPr>
+          <a:xfrm>
+            <a:off x="179512" y="575852"/>
+            <a:ext cx="6048672" cy="5877484"/>
+          </a:xfrm>
+          <a:prstGeom prst="rect">
+            <a:avLst/>
+          </a:prstGeom>
+        </p:spPr>
+      </p:pic>
+      <p:sp>
+        <p:nvSpPr>
+          <p:cNvPr id="11" name="Rechteck 10"/>
+          <p:cNvSpPr/>
+          <p:nvPr/>
+        </p:nvSpPr>
+        <p:spPr>
+          <a:xfrm>
+            <a:off x="7020272" y="836712"/>
+            <a:ext cx="1368152" cy="1368152"/>
+          </a:xfrm>
+          <a:prstGeom prst="rect">
+            <a:avLst/>
+          </a:prstGeom>
+          <a:noFill/>
+          <a:ln w="38100">
+            <a:solidFill>
+              <a:srgbClr val="FF0000"/>
+            </a:solidFill>
+          </a:ln>
+        </p:spPr>
+        <p:style>
+          <a:lnRef idx="2">
+            <a:schemeClr val="accent6"/>
+          </a:lnRef>
+          <a:fillRef idx="1">
+            <a:schemeClr val="lt1"/>
+          </a:fillRef>
+          <a:effectRef idx="0">
+            <a:schemeClr val="accent6"/>
+          </a:effectRef>
+          <a:fontRef idx="minor">
+            <a:schemeClr val="dk1"/>
+          </a:fontRef>
+        </p:style>
+        <p:txBody>
+          <a:bodyPr rtlCol="0" anchor="ctr"/>
+          <a:lstStyle/>
+          <a:p>
+            <a:pPr algn="ctr"/>
+            <a:endParaRPr lang="de-AT"/>
+          </a:p>
+        </p:txBody>
+      </p:sp>
+    </p:spTree>
+    <p:extLst>
+      <p:ext uri="{BB962C8B-B14F-4D97-AF65-F5344CB8AC3E}">
+        <p14:creationId xmlns:p14="http://schemas.microsoft.com/office/powerpoint/2010/main" val="1294282150"/>
+      </p:ext>
+    </p:extLst>
+  </p:cSld>
+  <p:clrMapOvr>
+    <a:masterClrMapping/>
+  </p:clrMapOvr>
+  <p:timing>
+    <p:tnLst>
+      <p:par>
+        <p:cTn id="1" dur="indefinite" restart="never" nodeType="tmRoot"/>
+      </p:par>
+    </p:tnLst>
+  </p:timing>
+</p:sld>
+</file>
+
+<file path=ppt/slides/slide18.xml><?xml version="1.0" encoding="utf-8"?>
+<p:sld xmlns:a="http://schemas.openxmlformats.org/drawingml/2006/main" xmlns:r="http://schemas.openxmlformats.org/officeDocument/2006/relationships" xmlns:p="http://schemas.openxmlformats.org/presentationml/2006/main">
+  <p:cSld>
+    <p:spTree>
+      <p:nvGrpSpPr>
+        <p:cNvPr id="1" name=""/>
+        <p:cNvGrpSpPr/>
+        <p:nvPr/>
+      </p:nvGrpSpPr>
+      <p:grpSpPr>
+        <a:xfrm>
+          <a:off x="0" y="0"/>
+          <a:ext cx="0" cy="0"/>
+          <a:chOff x="0" y="0"/>
+          <a:chExt cx="0" cy="0"/>
+        </a:xfrm>
+      </p:grpSpPr>
+      <p:sp>
+        <p:nvSpPr>
+          <p:cNvPr id="2" name="Titel 1"/>
+          <p:cNvSpPr>
+            <a:spLocks noGrp="1"/>
+          </p:cNvSpPr>
+          <p:nvPr>
+            <p:ph type="title"/>
+          </p:nvPr>
+        </p:nvSpPr>
+        <p:spPr/>
+        <p:txBody>
+          <a:bodyPr/>
+          <a:lstStyle/>
+          <a:p>
+            <a:r>
+              <a:rPr lang="de-AT" dirty="0"/>
+              <a:t>Schichtenarchitektur</a:t>
+            </a:r>
+          </a:p>
+        </p:txBody>
+      </p:sp>
+      <p:sp>
+        <p:nvSpPr>
+          <p:cNvPr id="4" name="Datumsplatzhalter 3"/>
+          <p:cNvSpPr>
+            <a:spLocks noGrp="1"/>
+          </p:cNvSpPr>
+          <p:nvPr>
+            <p:ph type="dt" sz="half" idx="10"/>
+          </p:nvPr>
+        </p:nvSpPr>
+        <p:spPr/>
+        <p:txBody>
+          <a:bodyPr/>
+          <a:lstStyle/>
+          <a:p>
+            <a:r>
+              <a:rPr lang="de-AT" smtClean="0"/>
+              <a:t>10.06.2011</a:t>
+            </a:r>
+            <a:endParaRPr lang="de-AT"/>
+          </a:p>
+        </p:txBody>
+      </p:sp>
+      <p:sp>
+        <p:nvSpPr>
+          <p:cNvPr id="5" name="Fußzeilenplatzhalter 4"/>
+          <p:cNvSpPr>
+            <a:spLocks noGrp="1"/>
+          </p:cNvSpPr>
+          <p:nvPr>
+            <p:ph type="ftr" sz="quarter" idx="11"/>
+          </p:nvPr>
+        </p:nvSpPr>
+        <p:spPr/>
+        <p:txBody>
+          <a:bodyPr/>
+          <a:lstStyle/>
+          <a:p>
+            <a:r>
+              <a:rPr lang="de-AT" smtClean="0"/>
+              <a:t>Team C</a:t>
+            </a:r>
+            <a:endParaRPr lang="de-AT"/>
+          </a:p>
+        </p:txBody>
+      </p:sp>
+      <p:sp>
+        <p:nvSpPr>
+          <p:cNvPr id="6" name="Foliennummernplatzhalter 5"/>
+          <p:cNvSpPr>
+            <a:spLocks noGrp="1"/>
+          </p:cNvSpPr>
+          <p:nvPr>
+            <p:ph type="sldNum" sz="quarter" idx="12"/>
+          </p:nvPr>
+        </p:nvSpPr>
+        <p:spPr/>
+        <p:txBody>
+          <a:bodyPr/>
+          <a:lstStyle/>
+          <a:p>
+            <a:fld id="{D9B8EEEF-0262-404B-8336-1D8EA86285D0}" type="slidenum">
+              <a:rPr lang="de-AT" smtClean="0"/>
+              <a:t>18</a:t>
+            </a:fld>
+            <a:endParaRPr lang="de-AT"/>
+          </a:p>
+        </p:txBody>
+      </p:sp>
+      <p:pic>
+        <p:nvPicPr>
+          <p:cNvPr id="7" name="Inhaltsplatzhalter 8"/>
+          <p:cNvPicPr>
+            <a:picLocks noChangeAspect="1"/>
+          </p:cNvPicPr>
+          <p:nvPr/>
+        </p:nvPicPr>
+        <p:blipFill rotWithShape="1">
+          <a:blip r:embed="rId2" cstate="print">
+            <a:extLst>
+              <a:ext uri="{28A0092B-C50C-407E-A947-70E740481C1C}">
+                <a14:useLocalDpi xmlns:a14="http://schemas.microsoft.com/office/drawing/2010/main" val="0"/>
+              </a:ext>
+            </a:extLst>
+          </a:blip>
+          <a:srcRect l="9605" t="57050" r="18027" b="3589"/>
+          <a:stretch/>
+        </p:blipFill>
+        <p:spPr>
+          <a:xfrm>
+            <a:off x="539552" y="1217974"/>
+            <a:ext cx="5969082" cy="4320480"/>
+          </a:xfrm>
+          <a:prstGeom prst="rect">
+            <a:avLst/>
+          </a:prstGeom>
+        </p:spPr>
+      </p:pic>
+      <p:pic>
+        <p:nvPicPr>
+          <p:cNvPr id="8" name="Inhaltsplatzhalter 8"/>
+          <p:cNvPicPr>
+            <a:picLocks noGrp="1" noChangeAspect="1"/>
+          </p:cNvPicPr>
+          <p:nvPr>
+            <p:ph idx="1"/>
+          </p:nvPr>
+        </p:nvPicPr>
+        <p:blipFill rotWithShape="1">
+          <a:blip r:embed="rId3" cstate="print">
+            <a:extLst>
+              <a:ext uri="{28A0092B-C50C-407E-A947-70E740481C1C}">
+                <a14:useLocalDpi xmlns:a14="http://schemas.microsoft.com/office/drawing/2010/main" val="0"/>
+              </a:ext>
+            </a:extLst>
+          </a:blip>
+          <a:srcRect l="8731" t="3675" r="17562" b="3486"/>
+          <a:stretch/>
+        </p:blipFill>
+        <p:spPr>
+          <a:xfrm>
+            <a:off x="7236296" y="1196751"/>
+            <a:ext cx="1433015" cy="2402006"/>
+          </a:xfrm>
+        </p:spPr>
+      </p:pic>
+      <p:sp>
+        <p:nvSpPr>
+          <p:cNvPr id="9" name="Rechteck 8"/>
+          <p:cNvSpPr/>
+          <p:nvPr/>
+        </p:nvSpPr>
+        <p:spPr>
+          <a:xfrm>
+            <a:off x="7282562" y="2558776"/>
+            <a:ext cx="1368152" cy="1014240"/>
+          </a:xfrm>
+          <a:prstGeom prst="rect">
+            <a:avLst/>
+          </a:prstGeom>
+          <a:noFill/>
+          <a:ln w="38100">
+            <a:solidFill>
+              <a:srgbClr val="FF0000"/>
+            </a:solidFill>
+          </a:ln>
+        </p:spPr>
+        <p:style>
+          <a:lnRef idx="2">
+            <a:schemeClr val="accent6"/>
+          </a:lnRef>
+          <a:fillRef idx="1">
+            <a:schemeClr val="lt1"/>
+          </a:fillRef>
+          <a:effectRef idx="0">
+            <a:schemeClr val="accent6"/>
+          </a:effectRef>
+          <a:fontRef idx="minor">
+            <a:schemeClr val="dk1"/>
+          </a:fontRef>
+        </p:style>
+        <p:txBody>
+          <a:bodyPr rtlCol="0" anchor="ctr"/>
+          <a:lstStyle/>
+          <a:p>
+            <a:pPr algn="ctr"/>
+            <a:endParaRPr lang="de-AT"/>
+          </a:p>
+        </p:txBody>
+      </p:sp>
+    </p:spTree>
+    <p:extLst>
+      <p:ext uri="{BB962C8B-B14F-4D97-AF65-F5344CB8AC3E}">
+        <p14:creationId xmlns:p14="http://schemas.microsoft.com/office/powerpoint/2010/main" val="3704971952"/>
+      </p:ext>
+    </p:extLst>
+  </p:cSld>
+  <p:clrMapOvr>
+    <a:masterClrMapping/>
+  </p:clrMapOvr>
+  <p:timing>
+    <p:tnLst>
+      <p:par>
+        <p:cTn id="1" dur="indefinite" restart="never" nodeType="tmRoot"/>
+      </p:par>
+    </p:tnLst>
+  </p:timing>
+</p:sld>
+</file>
+
+<file path=ppt/slides/slide19.xml><?xml version="1.0" encoding="utf-8"?>
+<p:sld xmlns:a="http://schemas.openxmlformats.org/drawingml/2006/main" xmlns:r="http://schemas.openxmlformats.org/officeDocument/2006/relationships" xmlns:p="http://schemas.openxmlformats.org/presentationml/2006/main">
+  <p:cSld>
+    <p:spTree>
+      <p:nvGrpSpPr>
+        <p:cNvPr id="1" name=""/>
+        <p:cNvGrpSpPr/>
+        <p:nvPr/>
+      </p:nvGrpSpPr>
+      <p:grpSpPr>
+        <a:xfrm>
+          <a:off x="0" y="0"/>
+          <a:ext cx="0" cy="0"/>
+          <a:chOff x="0" y="0"/>
+          <a:chExt cx="0" cy="0"/>
+        </a:xfrm>
+      </p:grpSpPr>
+      <p:sp>
+        <p:nvSpPr>
+          <p:cNvPr id="2" name="Titel 1"/>
+          <p:cNvSpPr>
+            <a:spLocks noGrp="1"/>
+          </p:cNvSpPr>
+          <p:nvPr>
+            <p:ph type="title"/>
+          </p:nvPr>
+        </p:nvSpPr>
+        <p:spPr/>
+        <p:txBody>
+          <a:bodyPr/>
+          <a:lstStyle/>
+          <a:p>
+            <a:r>
+              <a:rPr lang="de-AT" dirty="0" smtClean="0"/>
+              <a:t>Integration </a:t>
+            </a:r>
+            <a:r>
+              <a:rPr lang="de-AT" dirty="0" err="1" smtClean="0"/>
+              <a:t>Timebox</a:t>
+            </a:r>
+            <a:r>
+              <a:rPr lang="de-AT" dirty="0" smtClean="0"/>
+              <a:t> 2</a:t>
+            </a:r>
+            <a:endParaRPr lang="de-AT" dirty="0"/>
+          </a:p>
+        </p:txBody>
+      </p:sp>
+      <p:sp>
+        <p:nvSpPr>
+          <p:cNvPr id="3" name="Inhaltsplatzhalter 2"/>
+          <p:cNvSpPr>
+            <a:spLocks noGrp="1"/>
+          </p:cNvSpPr>
+          <p:nvPr>
+            <p:ph idx="1"/>
+          </p:nvPr>
+        </p:nvSpPr>
+        <p:spPr/>
+        <p:txBody>
+          <a:bodyPr/>
+          <a:lstStyle/>
+          <a:p>
+            <a:endParaRPr lang="de-AT" dirty="0" smtClean="0"/>
+          </a:p>
+          <a:p>
+            <a:r>
+              <a:rPr lang="de-AT" dirty="0" smtClean="0"/>
+              <a:t>Integration der </a:t>
+            </a:r>
+            <a:r>
+              <a:rPr lang="de-AT" dirty="0" err="1" smtClean="0"/>
+              <a:t>UseCases</a:t>
+            </a:r>
+            <a:r>
+              <a:rPr lang="de-AT" dirty="0" smtClean="0"/>
+              <a:t> von </a:t>
+            </a:r>
+            <a:r>
+              <a:rPr lang="de-AT" dirty="0" err="1" smtClean="0"/>
+              <a:t>TeamB</a:t>
+            </a:r>
+            <a:r>
+              <a:rPr lang="de-AT" dirty="0" smtClean="0"/>
+              <a:t>:</a:t>
+            </a:r>
+          </a:p>
+          <a:p>
+            <a:endParaRPr lang="de-AT" dirty="0" smtClean="0"/>
+          </a:p>
+          <a:p>
+            <a:pPr lvl="1"/>
+            <a:r>
+              <a:rPr lang="de-AT" dirty="0" smtClean="0"/>
+              <a:t>Neuen Patient anlegen</a:t>
+            </a:r>
+          </a:p>
+          <a:p>
+            <a:pPr lvl="1"/>
+            <a:r>
+              <a:rPr lang="de-AT" dirty="0" smtClean="0"/>
+              <a:t>Patientenstatus anlegen</a:t>
+            </a:r>
+          </a:p>
+          <a:p>
+            <a:pPr lvl="1"/>
+            <a:r>
+              <a:rPr lang="de-AT" dirty="0" smtClean="0"/>
+              <a:t>Laborparameter hinzufügen</a:t>
+            </a:r>
+            <a:endParaRPr lang="de-AT" dirty="0"/>
+          </a:p>
+        </p:txBody>
+      </p:sp>
+      <p:sp>
+        <p:nvSpPr>
+          <p:cNvPr id="4" name="Datumsplatzhalter 3"/>
+          <p:cNvSpPr>
+            <a:spLocks noGrp="1"/>
+          </p:cNvSpPr>
+          <p:nvPr>
+            <p:ph type="dt" sz="half" idx="10"/>
+          </p:nvPr>
+        </p:nvSpPr>
+        <p:spPr/>
+        <p:txBody>
+          <a:bodyPr/>
+          <a:lstStyle/>
+          <a:p>
+            <a:r>
+              <a:rPr lang="de-AT" smtClean="0"/>
+              <a:t>10.06.2011</a:t>
+            </a:r>
+            <a:endParaRPr lang="de-AT"/>
+          </a:p>
+        </p:txBody>
+      </p:sp>
+      <p:sp>
+        <p:nvSpPr>
+          <p:cNvPr id="5" name="Fußzeilenplatzhalter 4"/>
+          <p:cNvSpPr>
+            <a:spLocks noGrp="1"/>
+          </p:cNvSpPr>
+          <p:nvPr>
+            <p:ph type="ftr" sz="quarter" idx="11"/>
+          </p:nvPr>
+        </p:nvSpPr>
+        <p:spPr/>
+        <p:txBody>
+          <a:bodyPr/>
+          <a:lstStyle/>
+          <a:p>
+            <a:r>
+              <a:rPr lang="de-AT" smtClean="0"/>
+              <a:t>Team C</a:t>
+            </a:r>
+            <a:endParaRPr lang="de-AT"/>
+          </a:p>
+        </p:txBody>
+      </p:sp>
+      <p:sp>
+        <p:nvSpPr>
+          <p:cNvPr id="6" name="Foliennummernplatzhalter 5"/>
+          <p:cNvSpPr>
+            <a:spLocks noGrp="1"/>
+          </p:cNvSpPr>
+          <p:nvPr>
+            <p:ph type="sldNum" sz="quarter" idx="12"/>
+          </p:nvPr>
+        </p:nvSpPr>
+        <p:spPr/>
+        <p:txBody>
+          <a:bodyPr/>
+          <a:lstStyle/>
+          <a:p>
+            <a:fld id="{D9B8EEEF-0262-404B-8336-1D8EA86285D0}" type="slidenum">
+              <a:rPr lang="de-AT" smtClean="0"/>
+              <a:t>19</a:t>
+            </a:fld>
+            <a:endParaRPr lang="de-AT"/>
+          </a:p>
+        </p:txBody>
+      </p:sp>
+    </p:spTree>
+    <p:extLst>
+      <p:ext uri="{BB962C8B-B14F-4D97-AF65-F5344CB8AC3E}">
+        <p14:creationId xmlns:p14="http://schemas.microsoft.com/office/powerpoint/2010/main" val="4096138688"/>
       </p:ext>
     </p:extLst>
   </p:cSld>
@@ -4650,11 +5720,7 @@
           <a:p>
             <a:r>
               <a:rPr lang="de-AT" dirty="0" smtClean="0"/>
-              <a:t>Vorführung </a:t>
-            </a:r>
-            <a:r>
-              <a:rPr lang="de-AT" dirty="0" err="1" smtClean="0"/>
-              <a:t>EasyDiet</a:t>
+              <a:t>Showcase</a:t>
             </a:r>
             <a:endParaRPr lang="de-AT" dirty="0"/>
           </a:p>
@@ -4733,6 +5799,1468 @@
     <p:extLst>
       <p:ext uri="{BB962C8B-B14F-4D97-AF65-F5344CB8AC3E}">
         <p14:creationId xmlns:p14="http://schemas.microsoft.com/office/powerpoint/2010/main" val="3202374599"/>
+      </p:ext>
+    </p:extLst>
+  </p:cSld>
+  <p:clrMapOvr>
+    <a:masterClrMapping/>
+  </p:clrMapOvr>
+  <p:timing>
+    <p:tnLst>
+      <p:par>
+        <p:cTn id="1" dur="indefinite" restart="never" nodeType="tmRoot"/>
+      </p:par>
+    </p:tnLst>
+  </p:timing>
+</p:sld>
+</file>
+
+<file path=ppt/slides/slide20.xml><?xml version="1.0" encoding="utf-8"?>
+<p:sld xmlns:a="http://schemas.openxmlformats.org/drawingml/2006/main" xmlns:r="http://schemas.openxmlformats.org/officeDocument/2006/relationships" xmlns:p="http://schemas.openxmlformats.org/presentationml/2006/main">
+  <p:cSld>
+    <p:spTree>
+      <p:nvGrpSpPr>
+        <p:cNvPr id="1" name=""/>
+        <p:cNvGrpSpPr/>
+        <p:nvPr/>
+      </p:nvGrpSpPr>
+      <p:grpSpPr>
+        <a:xfrm>
+          <a:off x="0" y="0"/>
+          <a:ext cx="0" cy="0"/>
+          <a:chOff x="0" y="0"/>
+          <a:chExt cx="0" cy="0"/>
+        </a:xfrm>
+      </p:grpSpPr>
+      <p:sp>
+        <p:nvSpPr>
+          <p:cNvPr id="2" name="Titel 1"/>
+          <p:cNvSpPr>
+            <a:spLocks noGrp="1"/>
+          </p:cNvSpPr>
+          <p:nvPr>
+            <p:ph type="title"/>
+          </p:nvPr>
+        </p:nvSpPr>
+        <p:spPr/>
+        <p:txBody>
+          <a:bodyPr/>
+          <a:lstStyle/>
+          <a:p>
+            <a:r>
+              <a:rPr lang="de-AT" dirty="0"/>
+              <a:t>Integration </a:t>
+            </a:r>
+            <a:r>
+              <a:rPr lang="de-AT" dirty="0" err="1"/>
+              <a:t>Timebox</a:t>
+            </a:r>
+            <a:r>
+              <a:rPr lang="de-AT" dirty="0"/>
+              <a:t> 2</a:t>
+            </a:r>
+          </a:p>
+        </p:txBody>
+      </p:sp>
+      <p:sp>
+        <p:nvSpPr>
+          <p:cNvPr id="3" name="Inhaltsplatzhalter 2"/>
+          <p:cNvSpPr>
+            <a:spLocks noGrp="1"/>
+          </p:cNvSpPr>
+          <p:nvPr>
+            <p:ph idx="1"/>
+          </p:nvPr>
+        </p:nvSpPr>
+        <p:spPr/>
+        <p:txBody>
+          <a:bodyPr/>
+          <a:lstStyle/>
+          <a:p>
+            <a:r>
+              <a:rPr lang="de-AT" dirty="0" smtClean="0"/>
+              <a:t>GUI XML in unsere GUI integriert</a:t>
+            </a:r>
+          </a:p>
+          <a:p>
+            <a:r>
+              <a:rPr lang="de-AT" dirty="0" smtClean="0"/>
+              <a:t>Systemuser und der aktive Patient über Adapter übergeben</a:t>
+            </a:r>
+          </a:p>
+          <a:p>
+            <a:endParaRPr lang="de-AT" dirty="0"/>
+          </a:p>
+          <a:p>
+            <a:endParaRPr lang="de-AT" dirty="0"/>
+          </a:p>
+        </p:txBody>
+      </p:sp>
+      <p:sp>
+        <p:nvSpPr>
+          <p:cNvPr id="4" name="Datumsplatzhalter 3"/>
+          <p:cNvSpPr>
+            <a:spLocks noGrp="1"/>
+          </p:cNvSpPr>
+          <p:nvPr>
+            <p:ph type="dt" sz="half" idx="10"/>
+          </p:nvPr>
+        </p:nvSpPr>
+        <p:spPr/>
+        <p:txBody>
+          <a:bodyPr/>
+          <a:lstStyle/>
+          <a:p>
+            <a:r>
+              <a:rPr lang="de-AT" smtClean="0"/>
+              <a:t>10.06.2011</a:t>
+            </a:r>
+            <a:endParaRPr lang="de-AT"/>
+          </a:p>
+        </p:txBody>
+      </p:sp>
+      <p:sp>
+        <p:nvSpPr>
+          <p:cNvPr id="5" name="Fußzeilenplatzhalter 4"/>
+          <p:cNvSpPr>
+            <a:spLocks noGrp="1"/>
+          </p:cNvSpPr>
+          <p:nvPr>
+            <p:ph type="ftr" sz="quarter" idx="11"/>
+          </p:nvPr>
+        </p:nvSpPr>
+        <p:spPr/>
+        <p:txBody>
+          <a:bodyPr/>
+          <a:lstStyle/>
+          <a:p>
+            <a:r>
+              <a:rPr lang="de-AT" smtClean="0"/>
+              <a:t>Team C</a:t>
+            </a:r>
+            <a:endParaRPr lang="de-AT"/>
+          </a:p>
+        </p:txBody>
+      </p:sp>
+      <p:sp>
+        <p:nvSpPr>
+          <p:cNvPr id="6" name="Foliennummernplatzhalter 5"/>
+          <p:cNvSpPr>
+            <a:spLocks noGrp="1"/>
+          </p:cNvSpPr>
+          <p:nvPr>
+            <p:ph type="sldNum" sz="quarter" idx="12"/>
+          </p:nvPr>
+        </p:nvSpPr>
+        <p:spPr/>
+        <p:txBody>
+          <a:bodyPr/>
+          <a:lstStyle/>
+          <a:p>
+            <a:fld id="{D9B8EEEF-0262-404B-8336-1D8EA86285D0}" type="slidenum">
+              <a:rPr lang="de-AT" smtClean="0"/>
+              <a:t>20</a:t>
+            </a:fld>
+            <a:endParaRPr lang="de-AT"/>
+          </a:p>
+        </p:txBody>
+      </p:sp>
+      <p:pic>
+        <p:nvPicPr>
+          <p:cNvPr id="3074" name="Picture 2"/>
+          <p:cNvPicPr>
+            <a:picLocks noChangeAspect="1" noChangeArrowheads="1"/>
+          </p:cNvPicPr>
+          <p:nvPr/>
+        </p:nvPicPr>
+        <p:blipFill>
+          <a:blip r:embed="rId2">
+            <a:extLst>
+              <a:ext uri="{28A0092B-C50C-407E-A947-70E740481C1C}">
+                <a14:useLocalDpi xmlns:a14="http://schemas.microsoft.com/office/drawing/2010/main" val="0"/>
+              </a:ext>
+            </a:extLst>
+          </a:blip>
+          <a:srcRect/>
+          <a:stretch>
+            <a:fillRect/>
+          </a:stretch>
+        </p:blipFill>
+        <p:spPr bwMode="auto">
+          <a:xfrm>
+            <a:off x="1979712" y="3284984"/>
+            <a:ext cx="5256584" cy="3058153"/>
+          </a:xfrm>
+          <a:prstGeom prst="rect">
+            <a:avLst/>
+          </a:prstGeom>
+          <a:noFill/>
+          <a:ln>
+            <a:noFill/>
+          </a:ln>
+          <a:effectLst/>
+          <a:extLst>
+            <a:ext uri="{909E8E84-426E-40DD-AFC4-6F175D3DCCD1}">
+              <a14:hiddenFill xmlns:a14="http://schemas.microsoft.com/office/drawing/2010/main">
+                <a:solidFill>
+                  <a:schemeClr val="accent1"/>
+                </a:solidFill>
+              </a14:hiddenFill>
+            </a:ext>
+            <a:ext uri="{91240B29-F687-4F45-9708-019B960494DF}">
+              <a14:hiddenLine xmlns:a14="http://schemas.microsoft.com/office/drawing/2010/main" w="9525">
+                <a:solidFill>
+                  <a:schemeClr val="tx1"/>
+                </a:solidFill>
+                <a:miter lim="800000"/>
+                <a:headEnd/>
+                <a:tailEnd/>
+              </a14:hiddenLine>
+            </a:ext>
+            <a:ext uri="{AF507438-7753-43E0-B8FC-AC1667EBCBE1}">
+              <a14:hiddenEffects xmlns:a14="http://schemas.microsoft.com/office/drawing/2010/main">
+                <a:effectLst>
+                  <a:outerShdw dist="35921" dir="2700000" algn="ctr" rotWithShape="0">
+                    <a:schemeClr val="bg2"/>
+                  </a:outerShdw>
+                </a:effectLst>
+              </a14:hiddenEffects>
+            </a:ext>
+          </a:extLst>
+        </p:spPr>
+      </p:pic>
+    </p:spTree>
+    <p:extLst>
+      <p:ext uri="{BB962C8B-B14F-4D97-AF65-F5344CB8AC3E}">
+        <p14:creationId xmlns:p14="http://schemas.microsoft.com/office/powerpoint/2010/main" val="2011316899"/>
+      </p:ext>
+    </p:extLst>
+  </p:cSld>
+  <p:clrMapOvr>
+    <a:masterClrMapping/>
+  </p:clrMapOvr>
+  <p:timing>
+    <p:tnLst>
+      <p:par>
+        <p:cTn id="1" dur="indefinite" restart="never" nodeType="tmRoot"/>
+      </p:par>
+    </p:tnLst>
+  </p:timing>
+</p:sld>
+</file>
+
+<file path=ppt/slides/slide21.xml><?xml version="1.0" encoding="utf-8"?>
+<p:sld xmlns:a="http://schemas.openxmlformats.org/drawingml/2006/main" xmlns:r="http://schemas.openxmlformats.org/officeDocument/2006/relationships" xmlns:p="http://schemas.openxmlformats.org/presentationml/2006/main">
+  <p:cSld>
+    <p:spTree>
+      <p:nvGrpSpPr>
+        <p:cNvPr id="1" name=""/>
+        <p:cNvGrpSpPr/>
+        <p:nvPr/>
+      </p:nvGrpSpPr>
+      <p:grpSpPr>
+        <a:xfrm>
+          <a:off x="0" y="0"/>
+          <a:ext cx="0" cy="0"/>
+          <a:chOff x="0" y="0"/>
+          <a:chExt cx="0" cy="0"/>
+        </a:xfrm>
+      </p:grpSpPr>
+      <p:sp>
+        <p:nvSpPr>
+          <p:cNvPr id="2" name="Titel 1"/>
+          <p:cNvSpPr>
+            <a:spLocks noGrp="1"/>
+          </p:cNvSpPr>
+          <p:nvPr>
+            <p:ph type="title"/>
+          </p:nvPr>
+        </p:nvSpPr>
+        <p:spPr/>
+        <p:txBody>
+          <a:bodyPr/>
+          <a:lstStyle/>
+          <a:p>
+            <a:r>
+              <a:rPr lang="de-AT" dirty="0" smtClean="0"/>
+              <a:t>Webarchitektur</a:t>
+            </a:r>
+            <a:endParaRPr lang="de-AT" dirty="0"/>
+          </a:p>
+        </p:txBody>
+      </p:sp>
+      <p:sp>
+        <p:nvSpPr>
+          <p:cNvPr id="3" name="Inhaltsplatzhalter 2"/>
+          <p:cNvSpPr>
+            <a:spLocks noGrp="1"/>
+          </p:cNvSpPr>
+          <p:nvPr>
+            <p:ph idx="1"/>
+          </p:nvPr>
+        </p:nvSpPr>
+        <p:spPr>
+          <a:xfrm>
+            <a:off x="366223" y="1700808"/>
+            <a:ext cx="8219256" cy="532656"/>
+          </a:xfrm>
+        </p:spPr>
+        <p:txBody>
+          <a:bodyPr>
+            <a:normAutofit lnSpcReduction="10000"/>
+          </a:bodyPr>
+          <a:lstStyle/>
+          <a:p>
+            <a:r>
+              <a:rPr lang="de-AT" dirty="0" smtClean="0"/>
+              <a:t>Verteilte Präsentation</a:t>
+            </a:r>
+            <a:endParaRPr lang="de-AT" dirty="0"/>
+          </a:p>
+        </p:txBody>
+      </p:sp>
+      <p:sp>
+        <p:nvSpPr>
+          <p:cNvPr id="4" name="Datumsplatzhalter 3"/>
+          <p:cNvSpPr>
+            <a:spLocks noGrp="1"/>
+          </p:cNvSpPr>
+          <p:nvPr>
+            <p:ph type="dt" sz="half" idx="10"/>
+          </p:nvPr>
+        </p:nvSpPr>
+        <p:spPr/>
+        <p:txBody>
+          <a:bodyPr/>
+          <a:lstStyle/>
+          <a:p>
+            <a:r>
+              <a:rPr lang="de-AT" smtClean="0"/>
+              <a:t>10.06.2011</a:t>
+            </a:r>
+            <a:endParaRPr lang="de-AT"/>
+          </a:p>
+        </p:txBody>
+      </p:sp>
+      <p:sp>
+        <p:nvSpPr>
+          <p:cNvPr id="5" name="Fußzeilenplatzhalter 4"/>
+          <p:cNvSpPr>
+            <a:spLocks noGrp="1"/>
+          </p:cNvSpPr>
+          <p:nvPr>
+            <p:ph type="ftr" sz="quarter" idx="11"/>
+          </p:nvPr>
+        </p:nvSpPr>
+        <p:spPr/>
+        <p:txBody>
+          <a:bodyPr/>
+          <a:lstStyle/>
+          <a:p>
+            <a:r>
+              <a:rPr lang="de-AT" smtClean="0"/>
+              <a:t>Team C</a:t>
+            </a:r>
+            <a:endParaRPr lang="de-AT"/>
+          </a:p>
+        </p:txBody>
+      </p:sp>
+      <p:sp>
+        <p:nvSpPr>
+          <p:cNvPr id="6" name="Foliennummernplatzhalter 5"/>
+          <p:cNvSpPr>
+            <a:spLocks noGrp="1"/>
+          </p:cNvSpPr>
+          <p:nvPr>
+            <p:ph type="sldNum" sz="quarter" idx="12"/>
+          </p:nvPr>
+        </p:nvSpPr>
+        <p:spPr/>
+        <p:txBody>
+          <a:bodyPr/>
+          <a:lstStyle/>
+          <a:p>
+            <a:fld id="{D9B8EEEF-0262-404B-8336-1D8EA86285D0}" type="slidenum">
+              <a:rPr lang="de-AT" smtClean="0"/>
+              <a:t>21</a:t>
+            </a:fld>
+            <a:endParaRPr lang="de-AT"/>
+          </a:p>
+        </p:txBody>
+      </p:sp>
+      <p:pic>
+        <p:nvPicPr>
+          <p:cNvPr id="10" name="Picture 4"/>
+          <p:cNvPicPr>
+            <a:picLocks noChangeAspect="1" noChangeArrowheads="1"/>
+          </p:cNvPicPr>
+          <p:nvPr/>
+        </p:nvPicPr>
+        <p:blipFill rotWithShape="1">
+          <a:blip r:embed="rId2">
+            <a:extLst>
+              <a:ext uri="{28A0092B-C50C-407E-A947-70E740481C1C}">
+                <a14:useLocalDpi xmlns:a14="http://schemas.microsoft.com/office/drawing/2010/main" val="0"/>
+              </a:ext>
+            </a:extLst>
+          </a:blip>
+          <a:srcRect b="62480"/>
+          <a:stretch/>
+        </p:blipFill>
+        <p:spPr bwMode="auto">
+          <a:xfrm>
+            <a:off x="686723" y="2924944"/>
+            <a:ext cx="7440551" cy="1944216"/>
+          </a:xfrm>
+          <a:prstGeom prst="rect">
+            <a:avLst/>
+          </a:prstGeom>
+          <a:noFill/>
+          <a:ln>
+            <a:noFill/>
+          </a:ln>
+          <a:effectLst/>
+          <a:extLst>
+            <a:ext uri="{909E8E84-426E-40DD-AFC4-6F175D3DCCD1}">
+              <a14:hiddenFill xmlns:a14="http://schemas.microsoft.com/office/drawing/2010/main">
+                <a:solidFill>
+                  <a:schemeClr val="accent1"/>
+                </a:solidFill>
+              </a14:hiddenFill>
+            </a:ext>
+            <a:ext uri="{91240B29-F687-4F45-9708-019B960494DF}">
+              <a14:hiddenLine xmlns:a14="http://schemas.microsoft.com/office/drawing/2010/main" w="9525">
+                <a:solidFill>
+                  <a:schemeClr val="tx1"/>
+                </a:solidFill>
+                <a:miter lim="800000"/>
+                <a:headEnd/>
+                <a:tailEnd/>
+              </a14:hiddenLine>
+            </a:ext>
+            <a:ext uri="{AF507438-7753-43E0-B8FC-AC1667EBCBE1}">
+              <a14:hiddenEffects xmlns:a14="http://schemas.microsoft.com/office/drawing/2010/main">
+                <a:effectLst>
+                  <a:outerShdw dist="35921" dir="2700000" algn="ctr" rotWithShape="0">
+                    <a:schemeClr val="bg2"/>
+                  </a:outerShdw>
+                </a:effectLst>
+              </a14:hiddenEffects>
+            </a:ext>
+          </a:extLst>
+        </p:spPr>
+      </p:pic>
+    </p:spTree>
+    <p:extLst>
+      <p:ext uri="{BB962C8B-B14F-4D97-AF65-F5344CB8AC3E}">
+        <p14:creationId xmlns:p14="http://schemas.microsoft.com/office/powerpoint/2010/main" val="3258577172"/>
+      </p:ext>
+    </p:extLst>
+  </p:cSld>
+  <p:clrMapOvr>
+    <a:masterClrMapping/>
+  </p:clrMapOvr>
+  <p:timing>
+    <p:tnLst>
+      <p:par>
+        <p:cTn id="1" dur="indefinite" restart="never" nodeType="tmRoot"/>
+      </p:par>
+    </p:tnLst>
+  </p:timing>
+</p:sld>
+</file>
+
+<file path=ppt/slides/slide22.xml><?xml version="1.0" encoding="utf-8"?>
+<p:sld xmlns:a="http://schemas.openxmlformats.org/drawingml/2006/main" xmlns:r="http://schemas.openxmlformats.org/officeDocument/2006/relationships" xmlns:p="http://schemas.openxmlformats.org/presentationml/2006/main">
+  <p:cSld>
+    <p:spTree>
+      <p:nvGrpSpPr>
+        <p:cNvPr id="1" name=""/>
+        <p:cNvGrpSpPr/>
+        <p:nvPr/>
+      </p:nvGrpSpPr>
+      <p:grpSpPr>
+        <a:xfrm>
+          <a:off x="0" y="0"/>
+          <a:ext cx="0" cy="0"/>
+          <a:chOff x="0" y="0"/>
+          <a:chExt cx="0" cy="0"/>
+        </a:xfrm>
+      </p:grpSpPr>
+      <p:sp>
+        <p:nvSpPr>
+          <p:cNvPr id="2" name="Titel 1"/>
+          <p:cNvSpPr>
+            <a:spLocks noGrp="1"/>
+          </p:cNvSpPr>
+          <p:nvPr>
+            <p:ph type="title"/>
+          </p:nvPr>
+        </p:nvSpPr>
+        <p:spPr/>
+        <p:txBody>
+          <a:bodyPr/>
+          <a:lstStyle/>
+          <a:p>
+            <a:r>
+              <a:rPr lang="de-AT" dirty="0" smtClean="0"/>
+              <a:t>Webarchitektur</a:t>
+            </a:r>
+            <a:endParaRPr lang="de-AT" dirty="0"/>
+          </a:p>
+        </p:txBody>
+      </p:sp>
+      <p:sp>
+        <p:nvSpPr>
+          <p:cNvPr id="3" name="Inhaltsplatzhalter 2"/>
+          <p:cNvSpPr>
+            <a:spLocks noGrp="1"/>
+          </p:cNvSpPr>
+          <p:nvPr>
+            <p:ph idx="1"/>
+          </p:nvPr>
+        </p:nvSpPr>
+        <p:spPr/>
+        <p:txBody>
+          <a:bodyPr/>
+          <a:lstStyle/>
+          <a:p>
+            <a:r>
+              <a:rPr lang="de-AT" dirty="0" smtClean="0"/>
+              <a:t>Realisiert mit JSF</a:t>
+            </a:r>
+          </a:p>
+          <a:p>
+            <a:r>
+              <a:rPr lang="de-AT" dirty="0" smtClean="0"/>
+              <a:t>Webcontroller als </a:t>
+            </a:r>
+            <a:r>
+              <a:rPr lang="de-AT" dirty="0" err="1" smtClean="0"/>
+              <a:t>ManagedBean</a:t>
+            </a:r>
+            <a:endParaRPr lang="de-AT" dirty="0" smtClean="0"/>
+          </a:p>
+          <a:p>
+            <a:r>
+              <a:rPr lang="de-AT" dirty="0" smtClean="0"/>
+              <a:t>Vorhanden Architektur bleibt unberührt</a:t>
+            </a:r>
+            <a:endParaRPr lang="de-AT" dirty="0"/>
+          </a:p>
+        </p:txBody>
+      </p:sp>
+      <p:sp>
+        <p:nvSpPr>
+          <p:cNvPr id="4" name="Datumsplatzhalter 3"/>
+          <p:cNvSpPr>
+            <a:spLocks noGrp="1"/>
+          </p:cNvSpPr>
+          <p:nvPr>
+            <p:ph type="dt" sz="half" idx="10"/>
+          </p:nvPr>
+        </p:nvSpPr>
+        <p:spPr/>
+        <p:txBody>
+          <a:bodyPr/>
+          <a:lstStyle/>
+          <a:p>
+            <a:r>
+              <a:rPr lang="de-AT" smtClean="0"/>
+              <a:t>10.06.2011</a:t>
+            </a:r>
+            <a:endParaRPr lang="de-AT"/>
+          </a:p>
+        </p:txBody>
+      </p:sp>
+      <p:sp>
+        <p:nvSpPr>
+          <p:cNvPr id="5" name="Fußzeilenplatzhalter 4"/>
+          <p:cNvSpPr>
+            <a:spLocks noGrp="1"/>
+          </p:cNvSpPr>
+          <p:nvPr>
+            <p:ph type="ftr" sz="quarter" idx="11"/>
+          </p:nvPr>
+        </p:nvSpPr>
+        <p:spPr/>
+        <p:txBody>
+          <a:bodyPr/>
+          <a:lstStyle/>
+          <a:p>
+            <a:r>
+              <a:rPr lang="de-AT" smtClean="0"/>
+              <a:t>Team C</a:t>
+            </a:r>
+            <a:endParaRPr lang="de-AT"/>
+          </a:p>
+        </p:txBody>
+      </p:sp>
+      <p:sp>
+        <p:nvSpPr>
+          <p:cNvPr id="6" name="Foliennummernplatzhalter 5"/>
+          <p:cNvSpPr>
+            <a:spLocks noGrp="1"/>
+          </p:cNvSpPr>
+          <p:nvPr>
+            <p:ph type="sldNum" sz="quarter" idx="12"/>
+          </p:nvPr>
+        </p:nvSpPr>
+        <p:spPr/>
+        <p:txBody>
+          <a:bodyPr/>
+          <a:lstStyle/>
+          <a:p>
+            <a:fld id="{D9B8EEEF-0262-404B-8336-1D8EA86285D0}" type="slidenum">
+              <a:rPr lang="de-AT" smtClean="0"/>
+              <a:t>22</a:t>
+            </a:fld>
+            <a:endParaRPr lang="de-AT"/>
+          </a:p>
+        </p:txBody>
+      </p:sp>
+    </p:spTree>
+    <p:extLst>
+      <p:ext uri="{BB962C8B-B14F-4D97-AF65-F5344CB8AC3E}">
+        <p14:creationId xmlns:p14="http://schemas.microsoft.com/office/powerpoint/2010/main" val="1750150414"/>
+      </p:ext>
+    </p:extLst>
+  </p:cSld>
+  <p:clrMapOvr>
+    <a:masterClrMapping/>
+  </p:clrMapOvr>
+  <p:timing>
+    <p:tnLst>
+      <p:par>
+        <p:cTn id="1" dur="indefinite" restart="never" nodeType="tmRoot"/>
+      </p:par>
+    </p:tnLst>
+  </p:timing>
+</p:sld>
+</file>
+
+<file path=ppt/slides/slide23.xml><?xml version="1.0" encoding="utf-8"?>
+<p:sld xmlns:a="http://schemas.openxmlformats.org/drawingml/2006/main" xmlns:r="http://schemas.openxmlformats.org/officeDocument/2006/relationships" xmlns:p="http://schemas.openxmlformats.org/presentationml/2006/main">
+  <p:cSld>
+    <p:spTree>
+      <p:nvGrpSpPr>
+        <p:cNvPr id="1" name=""/>
+        <p:cNvGrpSpPr/>
+        <p:nvPr/>
+      </p:nvGrpSpPr>
+      <p:grpSpPr>
+        <a:xfrm>
+          <a:off x="0" y="0"/>
+          <a:ext cx="0" cy="0"/>
+          <a:chOff x="0" y="0"/>
+          <a:chExt cx="0" cy="0"/>
+        </a:xfrm>
+      </p:grpSpPr>
+      <p:sp>
+        <p:nvSpPr>
+          <p:cNvPr id="2" name="Titel 1"/>
+          <p:cNvSpPr>
+            <a:spLocks noGrp="1"/>
+          </p:cNvSpPr>
+          <p:nvPr>
+            <p:ph type="title"/>
+          </p:nvPr>
+        </p:nvSpPr>
+        <p:spPr/>
+        <p:txBody>
+          <a:bodyPr/>
+          <a:lstStyle/>
+          <a:p>
+            <a:r>
+              <a:rPr lang="de-AT" dirty="0"/>
+              <a:t>Webarchitektur</a:t>
+            </a:r>
+          </a:p>
+        </p:txBody>
+      </p:sp>
+      <p:sp>
+        <p:nvSpPr>
+          <p:cNvPr id="3" name="Inhaltsplatzhalter 2"/>
+          <p:cNvSpPr>
+            <a:spLocks noGrp="1"/>
+          </p:cNvSpPr>
+          <p:nvPr>
+            <p:ph idx="1"/>
+          </p:nvPr>
+        </p:nvSpPr>
+        <p:spPr/>
+        <p:txBody>
+          <a:bodyPr/>
+          <a:lstStyle/>
+          <a:p>
+            <a:r>
+              <a:rPr lang="de-AT" dirty="0" smtClean="0"/>
+              <a:t>Umsetzung mit JSF (</a:t>
+            </a:r>
+            <a:r>
+              <a:rPr lang="de-AT" dirty="0" err="1" smtClean="0"/>
+              <a:t>Primefaces</a:t>
+            </a:r>
+            <a:r>
+              <a:rPr lang="de-AT" dirty="0" smtClean="0"/>
+              <a:t>)</a:t>
+            </a:r>
+            <a:endParaRPr lang="de-AT" dirty="0"/>
+          </a:p>
+        </p:txBody>
+      </p:sp>
+      <p:sp>
+        <p:nvSpPr>
+          <p:cNvPr id="4" name="Datumsplatzhalter 3"/>
+          <p:cNvSpPr>
+            <a:spLocks noGrp="1"/>
+          </p:cNvSpPr>
+          <p:nvPr>
+            <p:ph type="dt" sz="half" idx="10"/>
+          </p:nvPr>
+        </p:nvSpPr>
+        <p:spPr/>
+        <p:txBody>
+          <a:bodyPr/>
+          <a:lstStyle/>
+          <a:p>
+            <a:r>
+              <a:rPr lang="de-AT" smtClean="0"/>
+              <a:t>10.06.2011</a:t>
+            </a:r>
+            <a:endParaRPr lang="de-AT"/>
+          </a:p>
+        </p:txBody>
+      </p:sp>
+      <p:sp>
+        <p:nvSpPr>
+          <p:cNvPr id="5" name="Fußzeilenplatzhalter 4"/>
+          <p:cNvSpPr>
+            <a:spLocks noGrp="1"/>
+          </p:cNvSpPr>
+          <p:nvPr>
+            <p:ph type="ftr" sz="quarter" idx="11"/>
+          </p:nvPr>
+        </p:nvSpPr>
+        <p:spPr/>
+        <p:txBody>
+          <a:bodyPr/>
+          <a:lstStyle/>
+          <a:p>
+            <a:r>
+              <a:rPr lang="de-AT" smtClean="0"/>
+              <a:t>Team C</a:t>
+            </a:r>
+            <a:endParaRPr lang="de-AT"/>
+          </a:p>
+        </p:txBody>
+      </p:sp>
+      <p:sp>
+        <p:nvSpPr>
+          <p:cNvPr id="6" name="Foliennummernplatzhalter 5"/>
+          <p:cNvSpPr>
+            <a:spLocks noGrp="1"/>
+          </p:cNvSpPr>
+          <p:nvPr>
+            <p:ph type="sldNum" sz="quarter" idx="12"/>
+          </p:nvPr>
+        </p:nvSpPr>
+        <p:spPr/>
+        <p:txBody>
+          <a:bodyPr/>
+          <a:lstStyle/>
+          <a:p>
+            <a:fld id="{D9B8EEEF-0262-404B-8336-1D8EA86285D0}" type="slidenum">
+              <a:rPr lang="de-AT" smtClean="0"/>
+              <a:t>23</a:t>
+            </a:fld>
+            <a:endParaRPr lang="de-AT"/>
+          </a:p>
+        </p:txBody>
+      </p:sp>
+      <p:pic>
+        <p:nvPicPr>
+          <p:cNvPr id="2051" name="Picture 3"/>
+          <p:cNvPicPr>
+            <a:picLocks noChangeAspect="1" noChangeArrowheads="1"/>
+          </p:cNvPicPr>
+          <p:nvPr/>
+        </p:nvPicPr>
+        <p:blipFill>
+          <a:blip r:embed="rId2">
+            <a:extLst>
+              <a:ext uri="{28A0092B-C50C-407E-A947-70E740481C1C}">
+                <a14:useLocalDpi xmlns:a14="http://schemas.microsoft.com/office/drawing/2010/main" val="0"/>
+              </a:ext>
+            </a:extLst>
+          </a:blip>
+          <a:srcRect/>
+          <a:stretch>
+            <a:fillRect/>
+          </a:stretch>
+        </p:blipFill>
+        <p:spPr bwMode="auto">
+          <a:xfrm>
+            <a:off x="755575" y="2564904"/>
+            <a:ext cx="6730665" cy="2808312"/>
+          </a:xfrm>
+          <a:prstGeom prst="rect">
+            <a:avLst/>
+          </a:prstGeom>
+          <a:noFill/>
+          <a:ln>
+            <a:noFill/>
+          </a:ln>
+          <a:effectLst/>
+          <a:extLst>
+            <a:ext uri="{909E8E84-426E-40DD-AFC4-6F175D3DCCD1}">
+              <a14:hiddenFill xmlns:a14="http://schemas.microsoft.com/office/drawing/2010/main">
+                <a:solidFill>
+                  <a:schemeClr val="accent1"/>
+                </a:solidFill>
+              </a14:hiddenFill>
+            </a:ext>
+            <a:ext uri="{91240B29-F687-4F45-9708-019B960494DF}">
+              <a14:hiddenLine xmlns:a14="http://schemas.microsoft.com/office/drawing/2010/main" w="9525">
+                <a:solidFill>
+                  <a:schemeClr val="tx1"/>
+                </a:solidFill>
+                <a:miter lim="800000"/>
+                <a:headEnd/>
+                <a:tailEnd/>
+              </a14:hiddenLine>
+            </a:ext>
+            <a:ext uri="{AF507438-7753-43E0-B8FC-AC1667EBCBE1}">
+              <a14:hiddenEffects xmlns:a14="http://schemas.microsoft.com/office/drawing/2010/main">
+                <a:effectLst>
+                  <a:outerShdw dist="35921" dir="2700000" algn="ctr" rotWithShape="0">
+                    <a:schemeClr val="bg2"/>
+                  </a:outerShdw>
+                </a:effectLst>
+              </a14:hiddenEffects>
+            </a:ext>
+          </a:extLst>
+        </p:spPr>
+      </p:pic>
+      <p:sp>
+        <p:nvSpPr>
+          <p:cNvPr id="8" name="Textfeld 7"/>
+          <p:cNvSpPr txBox="1"/>
+          <p:nvPr/>
+        </p:nvSpPr>
+        <p:spPr>
+          <a:xfrm>
+            <a:off x="5292080" y="3576256"/>
+            <a:ext cx="1944216" cy="400110"/>
+          </a:xfrm>
+          <a:prstGeom prst="rect">
+            <a:avLst/>
+          </a:prstGeom>
+          <a:noFill/>
+        </p:spPr>
+        <p:txBody>
+          <a:bodyPr wrap="square" rtlCol="0">
+            <a:spAutoFit/>
+          </a:bodyPr>
+          <a:lstStyle/>
+          <a:p>
+            <a:r>
+              <a:rPr lang="de-AT" sz="2000" b="1" i="1" dirty="0" smtClean="0">
+                <a:latin typeface="Comic Sans MS" pitchFamily="66" charset="0"/>
+              </a:rPr>
+              <a:t>Webcontroller</a:t>
+            </a:r>
+            <a:endParaRPr lang="de-AT" sz="2000" b="1" i="1" dirty="0">
+              <a:latin typeface="Comic Sans MS" pitchFamily="66" charset="0"/>
+            </a:endParaRPr>
+          </a:p>
+        </p:txBody>
+      </p:sp>
+    </p:spTree>
+    <p:extLst>
+      <p:ext uri="{BB962C8B-B14F-4D97-AF65-F5344CB8AC3E}">
+        <p14:creationId xmlns:p14="http://schemas.microsoft.com/office/powerpoint/2010/main" val="101772287"/>
+      </p:ext>
+    </p:extLst>
+  </p:cSld>
+  <p:clrMapOvr>
+    <a:masterClrMapping/>
+  </p:clrMapOvr>
+  <p:timing>
+    <p:tnLst>
+      <p:par>
+        <p:cTn id="1" dur="indefinite" restart="never" nodeType="tmRoot"/>
+      </p:par>
+    </p:tnLst>
+  </p:timing>
+</p:sld>
+</file>
+
+<file path=ppt/slides/slide24.xml><?xml version="1.0" encoding="utf-8"?>
+<p:sld xmlns:a="http://schemas.openxmlformats.org/drawingml/2006/main" xmlns:r="http://schemas.openxmlformats.org/officeDocument/2006/relationships" xmlns:p="http://schemas.openxmlformats.org/presentationml/2006/main">
+  <p:cSld>
+    <p:spTree>
+      <p:nvGrpSpPr>
+        <p:cNvPr id="1" name=""/>
+        <p:cNvGrpSpPr/>
+        <p:nvPr/>
+      </p:nvGrpSpPr>
+      <p:grpSpPr>
+        <a:xfrm>
+          <a:off x="0" y="0"/>
+          <a:ext cx="0" cy="0"/>
+          <a:chOff x="0" y="0"/>
+          <a:chExt cx="0" cy="0"/>
+        </a:xfrm>
+      </p:grpSpPr>
+      <p:sp>
+        <p:nvSpPr>
+          <p:cNvPr id="2" name="Titel 1"/>
+          <p:cNvSpPr>
+            <a:spLocks noGrp="1"/>
+          </p:cNvSpPr>
+          <p:nvPr>
+            <p:ph type="title"/>
+          </p:nvPr>
+        </p:nvSpPr>
+        <p:spPr/>
+        <p:txBody>
+          <a:bodyPr/>
+          <a:lstStyle/>
+          <a:p>
+            <a:r>
+              <a:rPr lang="de-AT" dirty="0"/>
+              <a:t>Webarchitektur</a:t>
+            </a:r>
+          </a:p>
+        </p:txBody>
+      </p:sp>
+      <p:pic>
+        <p:nvPicPr>
+          <p:cNvPr id="7" name="Inhaltsplatzhalter 6"/>
+          <p:cNvPicPr>
+            <a:picLocks noGrp="1" noChangeAspect="1"/>
+          </p:cNvPicPr>
+          <p:nvPr>
+            <p:ph idx="1"/>
+          </p:nvPr>
+        </p:nvPicPr>
+        <p:blipFill rotWithShape="1">
+          <a:blip r:embed="rId2">
+            <a:extLst>
+              <a:ext uri="{28A0092B-C50C-407E-A947-70E740481C1C}">
+                <a14:useLocalDpi xmlns:a14="http://schemas.microsoft.com/office/drawing/2010/main" val="0"/>
+              </a:ext>
+            </a:extLst>
+          </a:blip>
+          <a:srcRect t="8420" r="6937" b="11481"/>
+          <a:stretch/>
+        </p:blipFill>
+        <p:spPr>
+          <a:xfrm>
+            <a:off x="683568" y="1124744"/>
+            <a:ext cx="7920880" cy="5263992"/>
+          </a:xfrm>
+        </p:spPr>
+      </p:pic>
+      <p:sp>
+        <p:nvSpPr>
+          <p:cNvPr id="4" name="Datumsplatzhalter 3"/>
+          <p:cNvSpPr>
+            <a:spLocks noGrp="1"/>
+          </p:cNvSpPr>
+          <p:nvPr>
+            <p:ph type="dt" sz="half" idx="10"/>
+          </p:nvPr>
+        </p:nvSpPr>
+        <p:spPr/>
+        <p:txBody>
+          <a:bodyPr/>
+          <a:lstStyle/>
+          <a:p>
+            <a:r>
+              <a:rPr lang="de-AT" smtClean="0"/>
+              <a:t>10.06.2011</a:t>
+            </a:r>
+            <a:endParaRPr lang="de-AT"/>
+          </a:p>
+        </p:txBody>
+      </p:sp>
+      <p:sp>
+        <p:nvSpPr>
+          <p:cNvPr id="5" name="Fußzeilenplatzhalter 4"/>
+          <p:cNvSpPr>
+            <a:spLocks noGrp="1"/>
+          </p:cNvSpPr>
+          <p:nvPr>
+            <p:ph type="ftr" sz="quarter" idx="11"/>
+          </p:nvPr>
+        </p:nvSpPr>
+        <p:spPr/>
+        <p:txBody>
+          <a:bodyPr/>
+          <a:lstStyle/>
+          <a:p>
+            <a:r>
+              <a:rPr lang="de-AT" smtClean="0"/>
+              <a:t>Team C</a:t>
+            </a:r>
+            <a:endParaRPr lang="de-AT"/>
+          </a:p>
+        </p:txBody>
+      </p:sp>
+      <p:sp>
+        <p:nvSpPr>
+          <p:cNvPr id="6" name="Foliennummernplatzhalter 5"/>
+          <p:cNvSpPr>
+            <a:spLocks noGrp="1"/>
+          </p:cNvSpPr>
+          <p:nvPr>
+            <p:ph type="sldNum" sz="quarter" idx="12"/>
+          </p:nvPr>
+        </p:nvSpPr>
+        <p:spPr/>
+        <p:txBody>
+          <a:bodyPr/>
+          <a:lstStyle/>
+          <a:p>
+            <a:fld id="{D9B8EEEF-0262-404B-8336-1D8EA86285D0}" type="slidenum">
+              <a:rPr lang="de-AT" smtClean="0"/>
+              <a:t>24</a:t>
+            </a:fld>
+            <a:endParaRPr lang="de-AT"/>
+          </a:p>
+        </p:txBody>
+      </p:sp>
+    </p:spTree>
+    <p:extLst>
+      <p:ext uri="{BB962C8B-B14F-4D97-AF65-F5344CB8AC3E}">
+        <p14:creationId xmlns:p14="http://schemas.microsoft.com/office/powerpoint/2010/main" val="2873283054"/>
+      </p:ext>
+    </p:extLst>
+  </p:cSld>
+  <p:clrMapOvr>
+    <a:masterClrMapping/>
+  </p:clrMapOvr>
+  <p:timing>
+    <p:tnLst>
+      <p:par>
+        <p:cTn id="1" dur="indefinite" restart="never" nodeType="tmRoot"/>
+      </p:par>
+    </p:tnLst>
+  </p:timing>
+</p:sld>
+</file>
+
+<file path=ppt/slides/slide25.xml><?xml version="1.0" encoding="utf-8"?>
+<p:sld xmlns:a="http://schemas.openxmlformats.org/drawingml/2006/main" xmlns:r="http://schemas.openxmlformats.org/officeDocument/2006/relationships" xmlns:p="http://schemas.openxmlformats.org/presentationml/2006/main">
+  <p:cSld>
+    <p:spTree>
+      <p:nvGrpSpPr>
+        <p:cNvPr id="1" name=""/>
+        <p:cNvGrpSpPr/>
+        <p:nvPr/>
+      </p:nvGrpSpPr>
+      <p:grpSpPr>
+        <a:xfrm>
+          <a:off x="0" y="0"/>
+          <a:ext cx="0" cy="0"/>
+          <a:chOff x="0" y="0"/>
+          <a:chExt cx="0" cy="0"/>
+        </a:xfrm>
+      </p:grpSpPr>
+      <p:sp>
+        <p:nvSpPr>
+          <p:cNvPr id="2" name="Titel 1"/>
+          <p:cNvSpPr>
+            <a:spLocks noGrp="1"/>
+          </p:cNvSpPr>
+          <p:nvPr>
+            <p:ph type="title"/>
+          </p:nvPr>
+        </p:nvSpPr>
+        <p:spPr/>
+        <p:txBody>
+          <a:bodyPr/>
+          <a:lstStyle/>
+          <a:p>
+            <a:r>
+              <a:rPr lang="de-AT" dirty="0" smtClean="0"/>
+              <a:t>Verwendete Bibliotheken</a:t>
+            </a:r>
+            <a:endParaRPr lang="de-AT" dirty="0"/>
+          </a:p>
+        </p:txBody>
+      </p:sp>
+      <p:sp>
+        <p:nvSpPr>
+          <p:cNvPr id="3" name="Inhaltsplatzhalter 2"/>
+          <p:cNvSpPr>
+            <a:spLocks noGrp="1"/>
+          </p:cNvSpPr>
+          <p:nvPr>
+            <p:ph idx="1"/>
+          </p:nvPr>
+        </p:nvSpPr>
+        <p:spPr/>
+        <p:txBody>
+          <a:bodyPr>
+            <a:normAutofit/>
+          </a:bodyPr>
+          <a:lstStyle/>
+          <a:p>
+            <a:r>
+              <a:rPr lang="de-AT" dirty="0" smtClean="0"/>
+              <a:t>Apache Pivot (Desktop GUI)</a:t>
+            </a:r>
+          </a:p>
+          <a:p>
+            <a:pPr lvl="1"/>
+            <a:r>
+              <a:rPr lang="de-AT" dirty="0" smtClean="0"/>
+              <a:t>Einfache GUI Erstellung über XML Files, </a:t>
+            </a:r>
+            <a:r>
+              <a:rPr lang="de-AT" dirty="0" err="1" smtClean="0"/>
+              <a:t>Eclipse</a:t>
+            </a:r>
+            <a:r>
+              <a:rPr lang="de-AT" dirty="0" smtClean="0"/>
+              <a:t> </a:t>
+            </a:r>
+            <a:r>
+              <a:rPr lang="de-AT" dirty="0" err="1"/>
+              <a:t>P</a:t>
+            </a:r>
+            <a:r>
+              <a:rPr lang="de-AT" dirty="0" err="1" smtClean="0"/>
+              <a:t>lugin</a:t>
+            </a:r>
+            <a:r>
+              <a:rPr lang="de-AT" dirty="0" smtClean="0"/>
+              <a:t>, viele vorgefertigte Komponenten</a:t>
+            </a:r>
+            <a:endParaRPr lang="de-AT" dirty="0" smtClean="0"/>
+          </a:p>
+          <a:p>
+            <a:r>
+              <a:rPr lang="de-AT" dirty="0" err="1" smtClean="0"/>
+              <a:t>Primefaces</a:t>
+            </a:r>
+            <a:r>
+              <a:rPr lang="de-AT" dirty="0" smtClean="0"/>
+              <a:t> (Webinterface)</a:t>
+            </a:r>
+          </a:p>
+          <a:p>
+            <a:pPr lvl="1"/>
+            <a:r>
+              <a:rPr lang="de-AT" dirty="0" smtClean="0"/>
+              <a:t>AJAX Support, enthält gewünschte Komponenten, gute Dokumentation und Beispiele</a:t>
+            </a:r>
+          </a:p>
+        </p:txBody>
+      </p:sp>
+      <p:sp>
+        <p:nvSpPr>
+          <p:cNvPr id="4" name="Datumsplatzhalter 3"/>
+          <p:cNvSpPr>
+            <a:spLocks noGrp="1"/>
+          </p:cNvSpPr>
+          <p:nvPr>
+            <p:ph type="dt" sz="half" idx="10"/>
+          </p:nvPr>
+        </p:nvSpPr>
+        <p:spPr/>
+        <p:txBody>
+          <a:bodyPr/>
+          <a:lstStyle/>
+          <a:p>
+            <a:r>
+              <a:rPr lang="de-AT" smtClean="0"/>
+              <a:t>10.06.2011</a:t>
+            </a:r>
+            <a:endParaRPr lang="de-AT"/>
+          </a:p>
+        </p:txBody>
+      </p:sp>
+      <p:sp>
+        <p:nvSpPr>
+          <p:cNvPr id="5" name="Fußzeilenplatzhalter 4"/>
+          <p:cNvSpPr>
+            <a:spLocks noGrp="1"/>
+          </p:cNvSpPr>
+          <p:nvPr>
+            <p:ph type="ftr" sz="quarter" idx="11"/>
+          </p:nvPr>
+        </p:nvSpPr>
+        <p:spPr/>
+        <p:txBody>
+          <a:bodyPr/>
+          <a:lstStyle/>
+          <a:p>
+            <a:r>
+              <a:rPr lang="de-AT" smtClean="0"/>
+              <a:t>Team C</a:t>
+            </a:r>
+            <a:endParaRPr lang="de-AT"/>
+          </a:p>
+        </p:txBody>
+      </p:sp>
+      <p:sp>
+        <p:nvSpPr>
+          <p:cNvPr id="6" name="Foliennummernplatzhalter 5"/>
+          <p:cNvSpPr>
+            <a:spLocks noGrp="1"/>
+          </p:cNvSpPr>
+          <p:nvPr>
+            <p:ph type="sldNum" sz="quarter" idx="12"/>
+          </p:nvPr>
+        </p:nvSpPr>
+        <p:spPr/>
+        <p:txBody>
+          <a:bodyPr/>
+          <a:lstStyle/>
+          <a:p>
+            <a:fld id="{D9B8EEEF-0262-404B-8336-1D8EA86285D0}" type="slidenum">
+              <a:rPr lang="de-AT" smtClean="0"/>
+              <a:t>25</a:t>
+            </a:fld>
+            <a:endParaRPr lang="de-AT"/>
+          </a:p>
+        </p:txBody>
+      </p:sp>
+    </p:spTree>
+    <p:extLst>
+      <p:ext uri="{BB962C8B-B14F-4D97-AF65-F5344CB8AC3E}">
+        <p14:creationId xmlns:p14="http://schemas.microsoft.com/office/powerpoint/2010/main" val="281736455"/>
+      </p:ext>
+    </p:extLst>
+  </p:cSld>
+  <p:clrMapOvr>
+    <a:masterClrMapping/>
+  </p:clrMapOvr>
+  <p:timing>
+    <p:tnLst>
+      <p:par>
+        <p:cTn id="1" dur="indefinite" restart="never" nodeType="tmRoot"/>
+      </p:par>
+    </p:tnLst>
+  </p:timing>
+</p:sld>
+</file>
+
+<file path=ppt/slides/slide26.xml><?xml version="1.0" encoding="utf-8"?>
+<p:sld xmlns:a="http://schemas.openxmlformats.org/drawingml/2006/main" xmlns:r="http://schemas.openxmlformats.org/officeDocument/2006/relationships" xmlns:p="http://schemas.openxmlformats.org/presentationml/2006/main">
+  <p:cSld>
+    <p:spTree>
+      <p:nvGrpSpPr>
+        <p:cNvPr id="1" name=""/>
+        <p:cNvGrpSpPr/>
+        <p:nvPr/>
+      </p:nvGrpSpPr>
+      <p:grpSpPr>
+        <a:xfrm>
+          <a:off x="0" y="0"/>
+          <a:ext cx="0" cy="0"/>
+          <a:chOff x="0" y="0"/>
+          <a:chExt cx="0" cy="0"/>
+        </a:xfrm>
+      </p:grpSpPr>
+      <p:sp>
+        <p:nvSpPr>
+          <p:cNvPr id="2" name="Titel 1"/>
+          <p:cNvSpPr>
+            <a:spLocks noGrp="1"/>
+          </p:cNvSpPr>
+          <p:nvPr>
+            <p:ph type="title"/>
+          </p:nvPr>
+        </p:nvSpPr>
+        <p:spPr/>
+        <p:txBody>
+          <a:bodyPr/>
+          <a:lstStyle/>
+          <a:p>
+            <a:r>
+              <a:rPr lang="de-AT" dirty="0"/>
+              <a:t>Verwendete Bibliotheken</a:t>
+            </a:r>
+          </a:p>
+        </p:txBody>
+      </p:sp>
+      <p:sp>
+        <p:nvSpPr>
+          <p:cNvPr id="3" name="Inhaltsplatzhalter 2"/>
+          <p:cNvSpPr>
+            <a:spLocks noGrp="1"/>
+          </p:cNvSpPr>
+          <p:nvPr>
+            <p:ph idx="1"/>
+          </p:nvPr>
+        </p:nvSpPr>
+        <p:spPr/>
+        <p:txBody>
+          <a:bodyPr>
+            <a:normAutofit lnSpcReduction="10000"/>
+          </a:bodyPr>
+          <a:lstStyle/>
+          <a:p>
+            <a:r>
+              <a:rPr lang="de-AT" dirty="0" err="1"/>
+              <a:t>Hibernate</a:t>
+            </a:r>
+            <a:r>
+              <a:rPr lang="de-AT" dirty="0"/>
+              <a:t> (Datenbankanbindung)</a:t>
+            </a:r>
+          </a:p>
+          <a:p>
+            <a:pPr lvl="1"/>
+            <a:r>
+              <a:rPr lang="de-AT" dirty="0" smtClean="0"/>
+              <a:t>Objektorientierter Zugriff auf DB, sehr gute Dokumentation</a:t>
+            </a:r>
+            <a:endParaRPr lang="de-AT" dirty="0"/>
+          </a:p>
+          <a:p>
+            <a:r>
+              <a:rPr lang="de-AT" dirty="0"/>
+              <a:t>Log4j (</a:t>
+            </a:r>
+            <a:r>
+              <a:rPr lang="de-AT" dirty="0" err="1"/>
+              <a:t>Logging</a:t>
+            </a:r>
+            <a:r>
+              <a:rPr lang="de-AT" dirty="0"/>
+              <a:t>)</a:t>
+            </a:r>
+          </a:p>
+          <a:p>
+            <a:pPr lvl="1"/>
+            <a:r>
+              <a:rPr lang="de-AT" dirty="0" smtClean="0"/>
+              <a:t>Zur Analyse von Problemen während der Entwicklung</a:t>
+            </a:r>
+            <a:endParaRPr lang="de-AT" dirty="0"/>
+          </a:p>
+          <a:p>
+            <a:r>
+              <a:rPr lang="de-AT" dirty="0" err="1" smtClean="0"/>
+              <a:t>Junit</a:t>
+            </a:r>
+            <a:r>
+              <a:rPr lang="de-AT" dirty="0" smtClean="0"/>
+              <a:t> (</a:t>
+            </a:r>
+            <a:r>
+              <a:rPr lang="de-AT" dirty="0" err="1" smtClean="0"/>
+              <a:t>Testing</a:t>
+            </a:r>
+            <a:r>
+              <a:rPr lang="de-AT" dirty="0" smtClean="0"/>
+              <a:t>)</a:t>
+            </a:r>
+          </a:p>
+          <a:p>
+            <a:pPr lvl="1"/>
+            <a:r>
+              <a:rPr lang="de-AT" dirty="0" smtClean="0"/>
+              <a:t>Einfach zu bedienen, sehr gute Dokumentation, </a:t>
+            </a:r>
+            <a:r>
+              <a:rPr lang="de-AT" dirty="0" err="1" smtClean="0"/>
+              <a:t>Eclipse</a:t>
+            </a:r>
+            <a:r>
+              <a:rPr lang="de-AT" dirty="0" smtClean="0"/>
+              <a:t> </a:t>
+            </a:r>
+            <a:r>
+              <a:rPr lang="de-AT" dirty="0" err="1" smtClean="0"/>
+              <a:t>Plugin</a:t>
+            </a:r>
+            <a:endParaRPr lang="de-AT" dirty="0"/>
+          </a:p>
+          <a:p>
+            <a:endParaRPr lang="de-AT" dirty="0"/>
+          </a:p>
+        </p:txBody>
+      </p:sp>
+      <p:sp>
+        <p:nvSpPr>
+          <p:cNvPr id="4" name="Datumsplatzhalter 3"/>
+          <p:cNvSpPr>
+            <a:spLocks noGrp="1"/>
+          </p:cNvSpPr>
+          <p:nvPr>
+            <p:ph type="dt" sz="half" idx="10"/>
+          </p:nvPr>
+        </p:nvSpPr>
+        <p:spPr/>
+        <p:txBody>
+          <a:bodyPr/>
+          <a:lstStyle/>
+          <a:p>
+            <a:r>
+              <a:rPr lang="de-AT" smtClean="0"/>
+              <a:t>10.06.2011</a:t>
+            </a:r>
+            <a:endParaRPr lang="de-AT"/>
+          </a:p>
+        </p:txBody>
+      </p:sp>
+      <p:sp>
+        <p:nvSpPr>
+          <p:cNvPr id="5" name="Fußzeilenplatzhalter 4"/>
+          <p:cNvSpPr>
+            <a:spLocks noGrp="1"/>
+          </p:cNvSpPr>
+          <p:nvPr>
+            <p:ph type="ftr" sz="quarter" idx="11"/>
+          </p:nvPr>
+        </p:nvSpPr>
+        <p:spPr/>
+        <p:txBody>
+          <a:bodyPr/>
+          <a:lstStyle/>
+          <a:p>
+            <a:r>
+              <a:rPr lang="de-AT" smtClean="0"/>
+              <a:t>Team C</a:t>
+            </a:r>
+            <a:endParaRPr lang="de-AT"/>
+          </a:p>
+        </p:txBody>
+      </p:sp>
+      <p:sp>
+        <p:nvSpPr>
+          <p:cNvPr id="6" name="Foliennummernplatzhalter 5"/>
+          <p:cNvSpPr>
+            <a:spLocks noGrp="1"/>
+          </p:cNvSpPr>
+          <p:nvPr>
+            <p:ph type="sldNum" sz="quarter" idx="12"/>
+          </p:nvPr>
+        </p:nvSpPr>
+        <p:spPr/>
+        <p:txBody>
+          <a:bodyPr/>
+          <a:lstStyle/>
+          <a:p>
+            <a:fld id="{D9B8EEEF-0262-404B-8336-1D8EA86285D0}" type="slidenum">
+              <a:rPr lang="de-AT" smtClean="0"/>
+              <a:t>26</a:t>
+            </a:fld>
+            <a:endParaRPr lang="de-AT"/>
+          </a:p>
+        </p:txBody>
+      </p:sp>
+    </p:spTree>
+    <p:extLst>
+      <p:ext uri="{BB962C8B-B14F-4D97-AF65-F5344CB8AC3E}">
+        <p14:creationId xmlns:p14="http://schemas.microsoft.com/office/powerpoint/2010/main" val="3694131310"/>
       </p:ext>
     </p:extLst>
   </p:cSld>
@@ -4783,7 +7311,7 @@
           <a:p>
             <a:r>
               <a:rPr lang="de-AT" dirty="0" smtClean="0"/>
-              <a:t>Showcase - Szenario</a:t>
+              <a:t>Das Team</a:t>
             </a:r>
             <a:endParaRPr lang="de-AT" dirty="0"/>
           </a:p>
@@ -4804,6 +7332,34 @@
           <a:bodyPr/>
           <a:lstStyle/>
           <a:p>
+            <a:r>
+              <a:rPr lang="de-AT" dirty="0" smtClean="0"/>
+              <a:t>Manuel Tscholl (Projektleiter)</a:t>
+            </a:r>
+          </a:p>
+          <a:p>
+            <a:r>
+              <a:rPr lang="de-AT" dirty="0" smtClean="0"/>
+              <a:t>Fritz Bösch</a:t>
+            </a:r>
+          </a:p>
+          <a:p>
+            <a:r>
+              <a:rPr lang="de-AT" dirty="0" smtClean="0"/>
+              <a:t>Stephan Svoboda</a:t>
+            </a:r>
+          </a:p>
+          <a:p>
+            <a:r>
+              <a:rPr lang="de-AT" dirty="0" smtClean="0"/>
+              <a:t>Ali Gümüs</a:t>
+            </a:r>
+          </a:p>
+          <a:p>
+            <a:r>
+              <a:rPr lang="de-AT" dirty="0" smtClean="0"/>
+              <a:t>Michael Sieber</a:t>
+            </a:r>
             <a:endParaRPr lang="de-AT" dirty="0"/>
           </a:p>
         </p:txBody>
@@ -4880,7 +7436,7 @@
     </p:spTree>
     <p:extLst>
       <p:ext uri="{BB962C8B-B14F-4D97-AF65-F5344CB8AC3E}">
-        <p14:creationId xmlns:p14="http://schemas.microsoft.com/office/powerpoint/2010/main" val="2545950013"/>
+        <p14:creationId xmlns:p14="http://schemas.microsoft.com/office/powerpoint/2010/main" val="1732995238"/>
       </p:ext>
     </p:extLst>
   </p:cSld>
@@ -4931,7 +7487,7 @@
           <a:p>
             <a:r>
               <a:rPr lang="de-AT" dirty="0" smtClean="0"/>
-              <a:t>Das Team</a:t>
+              <a:t>Projektdetails</a:t>
             </a:r>
             <a:endParaRPr lang="de-AT" dirty="0"/>
           </a:p>
@@ -4954,33 +7510,35 @@
           <a:p>
             <a:r>
               <a:rPr lang="de-AT" dirty="0" smtClean="0"/>
-              <a:t>Manuel Tscholl (Projektleiter)</a:t>
-            </a:r>
-          </a:p>
-          <a:p>
-            <a:r>
-              <a:rPr lang="de-AT" dirty="0" smtClean="0"/>
-              <a:t>Fritz Bösch</a:t>
-            </a:r>
-          </a:p>
-          <a:p>
-            <a:r>
-              <a:rPr lang="de-AT" dirty="0" smtClean="0"/>
-              <a:t>Stephan Svoboda</a:t>
-            </a:r>
-          </a:p>
-          <a:p>
-            <a:r>
-              <a:rPr lang="de-AT" dirty="0" smtClean="0"/>
-              <a:t>Ali Gümüs</a:t>
-            </a:r>
-          </a:p>
-          <a:p>
-            <a:r>
-              <a:rPr lang="de-AT" dirty="0" smtClean="0"/>
-              <a:t>Michael Sieber</a:t>
-            </a:r>
-            <a:endParaRPr lang="de-AT" dirty="0"/>
+              <a:t>Aufwand: 360 Stunden</a:t>
+            </a:r>
+          </a:p>
+          <a:p>
+            <a:r>
+              <a:rPr lang="de-AT" dirty="0" smtClean="0"/>
+              <a:t>Geschätzter Restaufwand: 150 Stunden</a:t>
+            </a:r>
+          </a:p>
+          <a:p>
+            <a:r>
+              <a:rPr lang="de-AT" dirty="0" smtClean="0"/>
+              <a:t>Alle Meilensteine konnten eingehalten werden</a:t>
+            </a:r>
+          </a:p>
+          <a:p>
+            <a:r>
+              <a:rPr lang="de-AT" dirty="0" err="1" smtClean="0"/>
+              <a:t>UsabilityLab</a:t>
+            </a:r>
+            <a:r>
+              <a:rPr lang="de-AT" dirty="0" smtClean="0"/>
+              <a:t> </a:t>
+            </a:r>
+            <a:r>
+              <a:rPr lang="de-AT" dirty="0" err="1" smtClean="0"/>
+              <a:t>gestestet</a:t>
+            </a:r>
+            <a:endParaRPr lang="de-AT" dirty="0" smtClean="0"/>
           </a:p>
         </p:txBody>
       </p:sp>
@@ -5056,7 +7614,7 @@
     </p:spTree>
     <p:extLst>
       <p:ext uri="{BB962C8B-B14F-4D97-AF65-F5344CB8AC3E}">
-        <p14:creationId xmlns:p14="http://schemas.microsoft.com/office/powerpoint/2010/main" val="1732995238"/>
+        <p14:creationId xmlns:p14="http://schemas.microsoft.com/office/powerpoint/2010/main" val="2459943847"/>
       </p:ext>
     </p:extLst>
   </p:cSld>
@@ -5107,7 +7665,7 @@
           <a:p>
             <a:r>
               <a:rPr lang="de-AT" dirty="0" smtClean="0"/>
-              <a:t>Projektdetails</a:t>
+              <a:t>Systemvoraussetzungen</a:t>
             </a:r>
             <a:endParaRPr lang="de-AT" dirty="0"/>
           </a:p>
@@ -5128,7 +7686,53 @@
           <a:bodyPr/>
           <a:lstStyle/>
           <a:p>
-            <a:endParaRPr lang="de-AT"/>
+            <a:r>
+              <a:rPr lang="de-AT" dirty="0" smtClean="0"/>
+              <a:t>Client</a:t>
+            </a:r>
+          </a:p>
+          <a:p>
+            <a:pPr lvl="1"/>
+            <a:r>
+              <a:rPr lang="de-AT" dirty="0" smtClean="0"/>
+              <a:t>Prozessor mit 1,6 GHZ</a:t>
+            </a:r>
+          </a:p>
+          <a:p>
+            <a:pPr lvl="1"/>
+            <a:r>
+              <a:rPr lang="de-AT" dirty="0" smtClean="0"/>
+              <a:t>2GB RAM</a:t>
+            </a:r>
+          </a:p>
+          <a:p>
+            <a:pPr lvl="1"/>
+            <a:r>
+              <a:rPr lang="de-AT" dirty="0" smtClean="0"/>
+              <a:t>Min. 50MB Speicherplatz auf der Festplatte</a:t>
+            </a:r>
+          </a:p>
+          <a:p>
+            <a:pPr lvl="1"/>
+            <a:r>
+              <a:rPr lang="de-AT" dirty="0" smtClean="0"/>
+              <a:t>Tastatur und Maus</a:t>
+            </a:r>
+          </a:p>
+          <a:p>
+            <a:pPr lvl="1"/>
+            <a:r>
+              <a:rPr lang="de-AT" dirty="0" smtClean="0"/>
+              <a:t>Netzwerkverbindung (für Datenbank)</a:t>
+            </a:r>
+          </a:p>
+          <a:p>
+            <a:pPr lvl="1"/>
+            <a:r>
+              <a:rPr lang="de-AT" dirty="0" smtClean="0"/>
+              <a:t>Java VM 1.6 oder höher</a:t>
+            </a:r>
+            <a:endParaRPr lang="de-AT" dirty="0"/>
           </a:p>
         </p:txBody>
       </p:sp>
@@ -5204,7 +7808,7 @@
     </p:spTree>
     <p:extLst>
       <p:ext uri="{BB962C8B-B14F-4D97-AF65-F5344CB8AC3E}">
-        <p14:creationId xmlns:p14="http://schemas.microsoft.com/office/powerpoint/2010/main" val="2459943847"/>
+        <p14:creationId xmlns:p14="http://schemas.microsoft.com/office/powerpoint/2010/main" val="992586405"/>
       </p:ext>
     </p:extLst>
   </p:cSld>
@@ -5254,29 +7858,91 @@
           <a:lstStyle/>
           <a:p>
             <a:r>
-              <a:rPr lang="de-AT" dirty="0" smtClean="0"/>
+              <a:rPr lang="de-AT" dirty="0"/>
               <a:t>Systemvoraussetzungen</a:t>
             </a:r>
+          </a:p>
+        </p:txBody>
+      </p:sp>
+      <p:sp>
+        <p:nvSpPr>
+          <p:cNvPr id="3" name="Inhaltsplatzhalter 2"/>
+          <p:cNvSpPr>
+            <a:spLocks noGrp="1"/>
+          </p:cNvSpPr>
+          <p:nvPr>
+            <p:ph idx="1"/>
+          </p:nvPr>
+        </p:nvSpPr>
+        <p:spPr/>
+        <p:txBody>
+          <a:bodyPr>
+            <a:normAutofit lnSpcReduction="10000"/>
+          </a:bodyPr>
+          <a:lstStyle/>
+          <a:p>
+            <a:r>
+              <a:rPr lang="de-AT" dirty="0" smtClean="0"/>
+              <a:t>Webserver</a:t>
+            </a:r>
+          </a:p>
+          <a:p>
+            <a:pPr lvl="1"/>
+            <a:r>
+              <a:rPr lang="de-AT" dirty="0" smtClean="0"/>
+              <a:t>Apache </a:t>
+            </a:r>
+            <a:r>
+              <a:rPr lang="de-AT" dirty="0" err="1" smtClean="0"/>
+              <a:t>Tomcat</a:t>
+            </a:r>
+            <a:r>
+              <a:rPr lang="de-AT" dirty="0" smtClean="0"/>
+              <a:t> 7.0</a:t>
+            </a:r>
+          </a:p>
+          <a:p>
+            <a:pPr lvl="1"/>
+            <a:r>
+              <a:rPr lang="de-AT" dirty="0" smtClean="0"/>
+              <a:t>JRE 1.6 oder höher</a:t>
+            </a:r>
+          </a:p>
+          <a:p>
+            <a:pPr lvl="1"/>
+            <a:r>
+              <a:rPr lang="en-US" dirty="0"/>
+              <a:t>Linux (X Window System needs to be enabled), Windows Server 2003, Windows Server 2008</a:t>
+            </a:r>
+            <a:endParaRPr lang="de-AT" dirty="0" smtClean="0"/>
+          </a:p>
+          <a:p>
+            <a:r>
+              <a:rPr lang="de-AT" dirty="0" smtClean="0"/>
+              <a:t>Datenbankserver</a:t>
+            </a:r>
+          </a:p>
+          <a:p>
+            <a:pPr lvl="1"/>
+            <a:r>
+              <a:rPr lang="de-AT" dirty="0" smtClean="0"/>
+              <a:t>Prozessor mit 2GHZ</a:t>
+            </a:r>
+          </a:p>
+          <a:p>
+            <a:pPr lvl="1"/>
+            <a:r>
+              <a:rPr lang="de-AT" dirty="0" smtClean="0"/>
+              <a:t>512 MB RAM</a:t>
+            </a:r>
+          </a:p>
+          <a:p>
+            <a:pPr lvl="1"/>
+            <a:r>
+              <a:rPr lang="de-AT" dirty="0" smtClean="0"/>
+              <a:t>2GB freier Speicher auf der Festplatte</a:t>
+            </a:r>
             <a:endParaRPr lang="de-AT" dirty="0"/>
-          </a:p>
-        </p:txBody>
-      </p:sp>
-      <p:sp>
-        <p:nvSpPr>
-          <p:cNvPr id="3" name="Inhaltsplatzhalter 2"/>
-          <p:cNvSpPr>
-            <a:spLocks noGrp="1"/>
-          </p:cNvSpPr>
-          <p:nvPr>
-            <p:ph idx="1"/>
-          </p:nvPr>
-        </p:nvSpPr>
-        <p:spPr/>
-        <p:txBody>
-          <a:bodyPr/>
-          <a:lstStyle/>
-          <a:p>
-            <a:endParaRPr lang="de-AT"/>
           </a:p>
         </p:txBody>
       </p:sp>
@@ -5352,7 +8018,7 @@
     </p:spTree>
     <p:extLst>
       <p:ext uri="{BB962C8B-B14F-4D97-AF65-F5344CB8AC3E}">
-        <p14:creationId xmlns:p14="http://schemas.microsoft.com/office/powerpoint/2010/main" val="992586405"/>
+        <p14:creationId xmlns:p14="http://schemas.microsoft.com/office/powerpoint/2010/main" val="2666665484"/>
       </p:ext>
     </p:extLst>
   </p:cSld>
@@ -5403,7 +8069,7 @@
           <a:p>
             <a:r>
               <a:rPr lang="de-AT" dirty="0" smtClean="0"/>
-              <a:t>Funktionsüberblick</a:t>
+              <a:t>Funktionsumfang</a:t>
             </a:r>
             <a:endParaRPr lang="de-AT" dirty="0"/>
           </a:p>
@@ -5421,10 +8087,52 @@
         </p:nvSpPr>
         <p:spPr/>
         <p:txBody>
-          <a:bodyPr/>
-          <a:lstStyle/>
-          <a:p>
-            <a:endParaRPr lang="de-AT"/>
+          <a:bodyPr>
+            <a:normAutofit lnSpcReduction="10000"/>
+          </a:bodyPr>
+          <a:lstStyle/>
+          <a:p>
+            <a:r>
+              <a:rPr lang="de-AT" dirty="0" smtClean="0"/>
+              <a:t>Patienten suchen und anzeigen</a:t>
+            </a:r>
+          </a:p>
+          <a:p>
+            <a:r>
+              <a:rPr lang="de-AT" dirty="0" smtClean="0"/>
+              <a:t>Neue Patienten hinzufügen</a:t>
+            </a:r>
+          </a:p>
+          <a:p>
+            <a:r>
+              <a:rPr lang="de-AT" dirty="0" smtClean="0"/>
+              <a:t>Diätpläne für Patienten erstellen</a:t>
+            </a:r>
+          </a:p>
+          <a:p>
+            <a:r>
+              <a:rPr lang="de-AT" dirty="0" smtClean="0"/>
+              <a:t>Patientenstatus hinzufügen</a:t>
+            </a:r>
+          </a:p>
+          <a:p>
+            <a:r>
+              <a:rPr lang="de-AT" dirty="0" smtClean="0"/>
+              <a:t>Laborbefunde hinzufügen</a:t>
+            </a:r>
+          </a:p>
+          <a:p>
+            <a:r>
+              <a:rPr lang="de-AT" dirty="0" smtClean="0"/>
+              <a:t>Neue Rezepte hinzufügen</a:t>
+            </a:r>
+          </a:p>
+          <a:p>
+            <a:r>
+              <a:rPr lang="de-AT" dirty="0" smtClean="0"/>
+              <a:t>Eintragen von Ernährungsprotokollen über ein Webinterface mit Patientenlogin</a:t>
+            </a:r>
+            <a:endParaRPr lang="de-AT" dirty="0"/>
           </a:p>
         </p:txBody>
       </p:sp>
@@ -5541,57 +8249,83 @@
             <a:spLocks noGrp="1"/>
           </p:cNvSpPr>
           <p:nvPr>
-            <p:ph type="ctrTitle"/>
-          </p:nvPr>
-        </p:nvSpPr>
-        <p:spPr/>
-        <p:txBody>
-          <a:bodyPr/>
-          <a:lstStyle/>
-          <a:p>
+            <p:ph type="title"/>
+          </p:nvPr>
+        </p:nvSpPr>
+        <p:spPr/>
+        <p:txBody>
+          <a:bodyPr/>
+          <a:lstStyle/>
+          <a:p>
+            <a:r>
+              <a:rPr lang="de-AT" dirty="0"/>
+              <a:t>Funktionsumfang</a:t>
+            </a:r>
+          </a:p>
+        </p:txBody>
+      </p:sp>
+      <p:sp>
+        <p:nvSpPr>
+          <p:cNvPr id="3" name="Inhaltsplatzhalter 2"/>
+          <p:cNvSpPr>
+            <a:spLocks noGrp="1"/>
+          </p:cNvSpPr>
+          <p:nvPr>
+            <p:ph idx="1"/>
+          </p:nvPr>
+        </p:nvSpPr>
+        <p:spPr/>
+        <p:txBody>
+          <a:bodyPr/>
+          <a:lstStyle/>
+          <a:p>
+            <a:r>
+              <a:rPr lang="de-AT" dirty="0" smtClean="0"/>
+              <a:t>Nicht implementiert</a:t>
+            </a:r>
+          </a:p>
+          <a:p>
+            <a:pPr lvl="1"/>
+            <a:r>
+              <a:rPr lang="de-AT" dirty="0" smtClean="0"/>
+              <a:t>Systembenutzer anlegen</a:t>
+            </a:r>
+          </a:p>
+          <a:p>
+            <a:pPr lvl="1"/>
+            <a:r>
+              <a:rPr lang="de-AT" dirty="0" smtClean="0"/>
+              <a:t>Parametersets anlegen</a:t>
+            </a:r>
+          </a:p>
+          <a:p>
+            <a:pPr lvl="1"/>
+            <a:r>
+              <a:rPr lang="de-AT" dirty="0" smtClean="0"/>
+              <a:t>Diät im </a:t>
+            </a:r>
             <a:r>
               <a:rPr lang="de-AT" dirty="0" err="1" smtClean="0"/>
-              <a:t>EasyDiet</a:t>
-            </a:r>
-            <a:r>
-              <a:rPr lang="de-AT" dirty="0" smtClean="0"/>
-              <a:t/>
-            </a:r>
-            <a:br>
-              <a:rPr lang="de-AT" dirty="0" smtClean="0"/>
-            </a:br>
-            <a:r>
-              <a:rPr lang="de-AT" dirty="0" smtClean="0"/>
-              <a:t>Technische Dokumentation</a:t>
-            </a:r>
-            <a:endParaRPr lang="de-AT" dirty="0"/>
-          </a:p>
-        </p:txBody>
-      </p:sp>
-      <p:sp>
-        <p:nvSpPr>
-          <p:cNvPr id="3" name="Untertitel 2"/>
-          <p:cNvSpPr>
-            <a:spLocks noGrp="1"/>
-          </p:cNvSpPr>
-          <p:nvPr>
-            <p:ph type="subTitle" idx="1"/>
-          </p:nvPr>
-        </p:nvSpPr>
-        <p:spPr/>
-        <p:txBody>
-          <a:bodyPr/>
-          <a:lstStyle/>
-          <a:p>
-            <a:r>
-              <a:rPr lang="de-AT" dirty="0" smtClean="0"/>
-              <a:t>Team C</a:t>
-            </a:r>
-          </a:p>
-          <a:p>
-            <a:r>
-              <a:rPr lang="de-AT" dirty="0" smtClean="0"/>
-              <a:t>10.06.2011</a:t>
+              <a:t>Diätpool</a:t>
+            </a:r>
+            <a:r>
+              <a:rPr lang="de-AT" dirty="0" smtClean="0"/>
+              <a:t> anlegen</a:t>
+            </a:r>
+          </a:p>
+          <a:p>
+            <a:pPr lvl="1"/>
+            <a:r>
+              <a:rPr lang="de-AT" dirty="0" smtClean="0"/>
+              <a:t>Diätplan im </a:t>
+            </a:r>
+            <a:r>
+              <a:rPr lang="de-AT" dirty="0" err="1" smtClean="0"/>
+              <a:t>Diätpool</a:t>
+            </a:r>
+            <a:r>
+              <a:rPr lang="de-AT" dirty="0" smtClean="0"/>
+              <a:t> anlegen</a:t>
             </a:r>
             <a:endParaRPr lang="de-AT" dirty="0"/>
           </a:p>
@@ -5662,14 +8396,14 @@
               <a:rPr lang="de-AT" smtClean="0"/>
               <a:t>8</a:t>
             </a:fld>
-            <a:endParaRPr lang="de-AT" dirty="0"/>
+            <a:endParaRPr lang="de-AT"/>
           </a:p>
         </p:txBody>
       </p:sp>
     </p:spTree>
     <p:extLst>
       <p:ext uri="{BB962C8B-B14F-4D97-AF65-F5344CB8AC3E}">
-        <p14:creationId xmlns:p14="http://schemas.microsoft.com/office/powerpoint/2010/main" val="3869900920"/>
+        <p14:creationId xmlns:p14="http://schemas.microsoft.com/office/powerpoint/2010/main" val="3133304175"/>
       </p:ext>
     </p:extLst>
   </p:cSld>
@@ -5720,7 +8454,7 @@
           <a:p>
             <a:r>
               <a:rPr lang="de-AT" dirty="0" smtClean="0"/>
-              <a:t>Agenda</a:t>
+              <a:t>Showcase - Szenario</a:t>
             </a:r>
             <a:endParaRPr lang="de-AT" dirty="0"/>
           </a:p>
@@ -5738,52 +8472,34 @@
         </p:nvSpPr>
         <p:spPr/>
         <p:txBody>
-          <a:bodyPr/>
-          <a:lstStyle/>
-          <a:p>
-            <a:r>
-              <a:rPr lang="de-AT" dirty="0" smtClean="0"/>
-              <a:t>DB Modell</a:t>
-            </a:r>
-          </a:p>
-          <a:p>
-            <a:r>
-              <a:rPr lang="de-AT" dirty="0" smtClean="0"/>
-              <a:t>Schichtenarchitektur</a:t>
-            </a:r>
-          </a:p>
-          <a:p>
-            <a:r>
-              <a:rPr lang="de-AT" dirty="0" smtClean="0"/>
-              <a:t>Integration </a:t>
-            </a:r>
-            <a:r>
-              <a:rPr lang="de-AT" dirty="0" err="1" smtClean="0"/>
-              <a:t>Timebox</a:t>
-            </a:r>
-            <a:r>
-              <a:rPr lang="de-AT" dirty="0" smtClean="0"/>
-              <a:t> 2</a:t>
-            </a:r>
-          </a:p>
-          <a:p>
-            <a:r>
-              <a:rPr lang="de-AT" dirty="0" smtClean="0"/>
-              <a:t>Verwendete Bibliotheken</a:t>
-            </a:r>
-          </a:p>
-          <a:p>
-            <a:r>
-              <a:rPr lang="de-AT" dirty="0" smtClean="0"/>
-              <a:t>Webarchitektur</a:t>
-            </a:r>
-          </a:p>
-          <a:p>
-            <a:r>
-              <a:rPr lang="de-AT" dirty="0" smtClean="0"/>
-              <a:t>Allgemeine Designentscheidungen</a:t>
-            </a:r>
-            <a:endParaRPr lang="de-AT" dirty="0"/>
+          <a:bodyPr>
+            <a:normAutofit/>
+          </a:bodyPr>
+          <a:lstStyle/>
+          <a:p>
+            <a:r>
+              <a:rPr lang="de-AT" dirty="0" smtClean="0"/>
+              <a:t>Ein neuer Patient, der noch nicht erfasst wurde kommt zu Diätassistentin.</a:t>
+            </a:r>
+          </a:p>
+          <a:p>
+            <a:r>
+              <a:rPr lang="de-AT" dirty="0" smtClean="0"/>
+              <a:t>Die Diätassistentin erfasst die Patientendaten</a:t>
+            </a:r>
+          </a:p>
+          <a:p>
+            <a:r>
+              <a:rPr lang="de-AT" dirty="0" smtClean="0"/>
+              <a:t>Der Patient hat ein Rezept mitgebracht, welches er unbedingt in seiner Diät verwenden möchte.</a:t>
+            </a:r>
+          </a:p>
+          <a:p>
+            <a:r>
+              <a:rPr lang="de-AT" dirty="0" smtClean="0"/>
+              <a:t>Die Diätassistentin legt das neue Rezept an.</a:t>
+            </a:r>
+            <a:endParaRPr lang="de-AT" dirty="0" smtClean="0"/>
           </a:p>
         </p:txBody>
       </p:sp>
@@ -5859,7 +8575,7 @@
     </p:spTree>
     <p:extLst>
       <p:ext uri="{BB962C8B-B14F-4D97-AF65-F5344CB8AC3E}">
-        <p14:creationId xmlns:p14="http://schemas.microsoft.com/office/powerpoint/2010/main" val="3512179570"/>
+        <p14:creationId xmlns:p14="http://schemas.microsoft.com/office/powerpoint/2010/main" val="2545950013"/>
       </p:ext>
     </p:extLst>
   </p:cSld>

--- a/doc/Abschluss/EasyDiet.pptx
+++ b/doc/Abschluss/EasyDiet.pptx
@@ -4234,11 +4234,7 @@
           <a:p>
             <a:r>
               <a:rPr lang="de-AT" dirty="0" smtClean="0"/>
-              <a:t>DB </a:t>
-            </a:r>
-            <a:r>
-              <a:rPr lang="de-AT" dirty="0" smtClean="0"/>
-              <a:t>Modell</a:t>
+              <a:t>DB Modell</a:t>
             </a:r>
           </a:p>
           <a:p>
@@ -4250,7 +4246,6 @@
               <a:rPr lang="de-AT" dirty="0" smtClean="0"/>
               <a:t>Designentscheidungen</a:t>
             </a:r>
-            <a:endParaRPr lang="de-AT" dirty="0" smtClean="0"/>
           </a:p>
           <a:p>
             <a:r>
@@ -4269,11 +4264,7 @@
             </a:r>
             <a:r>
               <a:rPr lang="de-AT" dirty="0" smtClean="0"/>
-              <a:t> </a:t>
-            </a:r>
-            <a:r>
-              <a:rPr lang="de-AT" dirty="0" smtClean="0"/>
-              <a:t>2</a:t>
+              <a:t> 2</a:t>
             </a:r>
           </a:p>
           <a:p>
@@ -4281,18 +4272,12 @@
               <a:rPr lang="de-AT" dirty="0" smtClean="0"/>
               <a:t>Webarchitektur</a:t>
             </a:r>
-            <a:endParaRPr lang="de-AT" dirty="0" smtClean="0"/>
-          </a:p>
-          <a:p>
-            <a:r>
-              <a:rPr lang="de-AT" dirty="0" smtClean="0"/>
-              <a:t>Verwendete </a:t>
-            </a:r>
-            <a:r>
-              <a:rPr lang="de-AT" dirty="0" smtClean="0"/>
-              <a:t>Bibliotheken</a:t>
-            </a:r>
-            <a:endParaRPr lang="de-AT" dirty="0" smtClean="0"/>
+          </a:p>
+          <a:p>
+            <a:r>
+              <a:rPr lang="de-AT" dirty="0" smtClean="0"/>
+              <a:t>Verwendete Bibliotheken</a:t>
+            </a:r>
           </a:p>
         </p:txBody>
       </p:sp>
@@ -6940,7 +6925,6 @@
               <a:rPr lang="de-AT" dirty="0" smtClean="0"/>
               <a:t>, viele vorgefertigte Komponenten</a:t>
             </a:r>
-            <a:endParaRPr lang="de-AT" dirty="0" smtClean="0"/>
           </a:p>
           <a:p>
             <a:r>
@@ -7510,13 +7494,29 @@
           <a:p>
             <a:r>
               <a:rPr lang="de-AT" dirty="0" smtClean="0"/>
-              <a:t>Aufwand: 360 Stunden</a:t>
-            </a:r>
-          </a:p>
-          <a:p>
-            <a:r>
-              <a:rPr lang="de-AT" dirty="0" smtClean="0"/>
-              <a:t>Geschätzter Restaufwand: 150 Stunden</a:t>
+              <a:t>Aufwand: 1200 Stunden</a:t>
+            </a:r>
+          </a:p>
+          <a:p>
+            <a:r>
+              <a:rPr lang="de-AT" dirty="0" smtClean="0"/>
+              <a:t>Geschätzter Restaufwand</a:t>
+            </a:r>
+            <a:r>
+              <a:rPr lang="de-AT" smtClean="0"/>
+              <a:t>: </a:t>
+            </a:r>
+            <a:r>
+              <a:rPr lang="de-AT" smtClean="0"/>
+              <a:t>20</a:t>
+            </a:r>
+            <a:r>
+              <a:rPr lang="de-AT" smtClean="0"/>
+              <a:t>0 </a:t>
+            </a:r>
+            <a:r>
+              <a:rPr lang="de-AT" dirty="0" smtClean="0"/>
+              <a:t>Stunden</a:t>
             </a:r>
           </a:p>
           <a:p>
@@ -8499,7 +8499,6 @@
               <a:rPr lang="de-AT" dirty="0" smtClean="0"/>
               <a:t>Die Diätassistentin legt das neue Rezept an.</a:t>
             </a:r>
-            <a:endParaRPr lang="de-AT" dirty="0" smtClean="0"/>
           </a:p>
         </p:txBody>
       </p:sp>

--- a/doc/Abschluss/EasyDiet.pptx
+++ b/doc/Abschluss/EasyDiet.pptx
@@ -220,7 +220,8 @@
           <a:p>
             <a:fld id="{F7FC2DEE-D397-472A-A20C-7F02F2E59EC9}" type="datetimeFigureOut">
               <a:rPr lang="de-AT" smtClean="0"/>
-              <a:t>09.06.2011</a:t>
+              <a:pPr/>
+              <a:t>10.06.2011</a:t>
             </a:fld>
             <a:endParaRPr lang="de-AT"/>
           </a:p>
@@ -379,6 +380,7 @@
           <a:p>
             <a:fld id="{A07364B8-20F4-4E98-88EC-FD08B6D3700F}" type="slidenum">
               <a:rPr lang="de-AT" smtClean="0"/>
+              <a:pPr/>
               <a:t>‹Nr.›</a:t>
             </a:fld>
             <a:endParaRPr lang="de-AT"/>
@@ -388,7 +390,7 @@
     </p:spTree>
     <p:extLst>
       <p:ext uri="{BB962C8B-B14F-4D97-AF65-F5344CB8AC3E}">
-        <p14:creationId xmlns:p14="http://schemas.microsoft.com/office/powerpoint/2010/main" val="1470308792"/>
+        <p14:creationId xmlns:p14="http://schemas.microsoft.com/office/powerpoint/2010/main" xmlns="" val="1470308792"/>
       </p:ext>
     </p:extLst>
   </p:cSld>
@@ -2346,6 +2348,7 @@
           <a:p>
             <a:fld id="{D9B8EEEF-0262-404B-8336-1D8EA86285D0}" type="slidenum">
               <a:rPr lang="de-AT" smtClean="0"/>
+              <a:pPr/>
               <a:t>‹Nr.›</a:t>
             </a:fld>
             <a:endParaRPr lang="de-AT" dirty="0"/>
@@ -2531,6 +2534,7 @@
           <a:p>
             <a:fld id="{D9B8EEEF-0262-404B-8336-1D8EA86285D0}" type="slidenum">
               <a:rPr lang="de-AT" smtClean="0"/>
+              <a:pPr/>
               <a:t>‹Nr.›</a:t>
             </a:fld>
             <a:endParaRPr lang="de-AT"/>
@@ -2686,6 +2690,7 @@
           <a:p>
             <a:fld id="{D9B8EEEF-0262-404B-8336-1D8EA86285D0}" type="slidenum">
               <a:rPr lang="de-AT" smtClean="0"/>
+              <a:pPr/>
               <a:t>‹Nr.›</a:t>
             </a:fld>
             <a:endParaRPr lang="de-AT"/>
@@ -4516,6 +4521,7 @@
           <a:p>
             <a:fld id="{D9B8EEEF-0262-404B-8336-1D8EA86285D0}" type="slidenum">
               <a:rPr lang="de-AT" smtClean="0"/>
+              <a:pPr/>
               <a:t>‹Nr.›</a:t>
             </a:fld>
             <a:endParaRPr lang="de-AT"/>
@@ -6390,6 +6396,7 @@
           <a:p>
             <a:fld id="{D9B8EEEF-0262-404B-8336-1D8EA86285D0}" type="slidenum">
               <a:rPr lang="de-AT" smtClean="0"/>
+              <a:pPr/>
               <a:t>‹Nr.›</a:t>
             </a:fld>
             <a:endParaRPr lang="de-AT"/>
@@ -6507,6 +6514,7 @@
           <a:p>
             <a:fld id="{D9B8EEEF-0262-404B-8336-1D8EA86285D0}" type="slidenum">
               <a:rPr lang="de-AT" smtClean="0"/>
+              <a:pPr/>
               <a:t>‹Nr.›</a:t>
             </a:fld>
             <a:endParaRPr lang="de-AT"/>
@@ -7052,6 +7060,7 @@
           <a:p>
             <a:fld id="{D9B8EEEF-0262-404B-8336-1D8EA86285D0}" type="slidenum">
               <a:rPr lang="de-AT" smtClean="0"/>
+              <a:pPr/>
               <a:t>‹Nr.›</a:t>
             </a:fld>
             <a:endParaRPr lang="de-AT"/>
@@ -7169,6 +7178,7 @@
           <a:p>
             <a:fld id="{D9B8EEEF-0262-404B-8336-1D8EA86285D0}" type="slidenum">
               <a:rPr lang="de-AT" smtClean="0"/>
+              <a:pPr/>
               <a:t>‹Nr.›</a:t>
             </a:fld>
             <a:endParaRPr lang="de-AT"/>
@@ -8884,6 +8894,7 @@
           <a:p>
             <a:fld id="{D9B8EEEF-0262-404B-8336-1D8EA86285D0}" type="slidenum">
               <a:rPr lang="de-AT" smtClean="0"/>
+              <a:pPr/>
               <a:t>‹Nr.›</a:t>
             </a:fld>
             <a:endParaRPr lang="de-AT"/>
@@ -9039,6 +9050,7 @@
           <a:p>
             <a:fld id="{D9B8EEEF-0262-404B-8336-1D8EA86285D0}" type="slidenum">
               <a:rPr lang="de-AT" smtClean="0"/>
+              <a:pPr/>
               <a:t>‹Nr.›</a:t>
             </a:fld>
             <a:endParaRPr lang="de-AT"/>
@@ -12658,6 +12670,7 @@
           <a:p>
             <a:fld id="{D9B8EEEF-0262-404B-8336-1D8EA86285D0}" type="slidenum">
               <a:rPr lang="de-AT" smtClean="0"/>
+              <a:pPr/>
               <a:t>‹Nr.›</a:t>
             </a:fld>
             <a:endParaRPr lang="de-AT"/>
@@ -14553,6 +14566,7 @@
           <a:p>
             <a:fld id="{D9B8EEEF-0262-404B-8336-1D8EA86285D0}" type="slidenum">
               <a:rPr lang="de-AT" smtClean="0"/>
+              <a:pPr/>
               <a:t>‹Nr.›</a:t>
             </a:fld>
             <a:endParaRPr lang="de-AT"/>
@@ -15113,6 +15127,7 @@
           <a:p>
             <a:fld id="{D9B8EEEF-0262-404B-8336-1D8EA86285D0}" type="slidenum">
               <a:rPr lang="de-AT" smtClean="0"/>
+              <a:pPr/>
               <a:t>1</a:t>
             </a:fld>
             <a:endParaRPr lang="de-AT" dirty="0"/>
@@ -15122,7 +15137,7 @@
     </p:spTree>
     <p:extLst>
       <p:ext uri="{BB962C8B-B14F-4D97-AF65-F5344CB8AC3E}">
-        <p14:creationId xmlns:p14="http://schemas.microsoft.com/office/powerpoint/2010/main" val="2443532795"/>
+        <p14:creationId xmlns:p14="http://schemas.microsoft.com/office/powerpoint/2010/main" xmlns="" val="2443532795"/>
       </p:ext>
     </p:extLst>
   </p:cSld>
@@ -15180,13 +15195,16 @@
             </a:pPr>
             <a:r>
               <a:rPr lang="de-AT" b="1" dirty="0" smtClean="0"/>
-              <a:t>Ein neuer Patient, </a:t>
+              <a:t>Ein neuer </a:t>
+            </a:r>
+            <a:r>
+              <a:rPr lang="de-AT" b="1" dirty="0" smtClean="0"/>
+              <a:t>Patient </a:t>
             </a:r>
             <a:r>
               <a:rPr lang="de-AT" b="1" dirty="0" smtClean="0"/>
               <a:t>wird erfasst</a:t>
             </a:r>
-            <a:endParaRPr lang="de-AT" b="1" dirty="0" smtClean="0"/>
           </a:p>
           <a:p>
             <a:pPr>
@@ -15196,11 +15214,7 @@
             </a:pPr>
             <a:r>
               <a:rPr lang="de-AT" b="1" dirty="0" smtClean="0"/>
-              <a:t>Der </a:t>
-            </a:r>
-            <a:r>
-              <a:rPr lang="de-AT" b="1" dirty="0" smtClean="0"/>
-              <a:t>Patient hat ein Rezept mitgebracht, welches er unbedingt in seiner Diät verwenden möchte.</a:t>
+              <a:t>Der Patient hat ein Rezept mitgebracht, welches er unbedingt in seiner Diät verwenden möchte.</a:t>
             </a:r>
           </a:p>
           <a:p>
@@ -15279,6 +15293,7 @@
           <a:p>
             <a:fld id="{D9B8EEEF-0262-404B-8336-1D8EA86285D0}" type="slidenum">
               <a:rPr lang="de-AT" smtClean="0"/>
+              <a:pPr/>
               <a:t>10</a:t>
             </a:fld>
             <a:endParaRPr lang="de-AT"/>
@@ -15311,7 +15326,7 @@
     </p:spTree>
     <p:extLst>
       <p:ext uri="{BB962C8B-B14F-4D97-AF65-F5344CB8AC3E}">
-        <p14:creationId xmlns:p14="http://schemas.microsoft.com/office/powerpoint/2010/main" val="2545950013"/>
+        <p14:creationId xmlns:p14="http://schemas.microsoft.com/office/powerpoint/2010/main" xmlns="" val="2545950013"/>
       </p:ext>
     </p:extLst>
   </p:cSld>
@@ -15368,7 +15383,6 @@
               <a:rPr lang="de-AT" b="1" dirty="0" smtClean="0"/>
               <a:t>erstellt Diätplan für neuen Patient</a:t>
             </a:r>
-            <a:endParaRPr lang="de-AT" b="1" dirty="0" smtClean="0"/>
           </a:p>
           <a:p>
             <a:endParaRPr lang="de-AT" b="1" dirty="0"/>
@@ -15448,6 +15462,7 @@
           <a:p>
             <a:fld id="{D9B8EEEF-0262-404B-8336-1D8EA86285D0}" type="slidenum">
               <a:rPr lang="de-AT" smtClean="0"/>
+              <a:pPr/>
               <a:t>11</a:t>
             </a:fld>
             <a:endParaRPr lang="de-AT"/>
@@ -15479,7 +15494,7 @@
     </p:spTree>
     <p:extLst>
       <p:ext uri="{BB962C8B-B14F-4D97-AF65-F5344CB8AC3E}">
-        <p14:creationId xmlns:p14="http://schemas.microsoft.com/office/powerpoint/2010/main" val="1275319372"/>
+        <p14:creationId xmlns:p14="http://schemas.microsoft.com/office/powerpoint/2010/main" xmlns="" val="1275319372"/>
       </p:ext>
     </p:extLst>
   </p:cSld>
@@ -15530,11 +15545,7 @@
           <a:p>
             <a:r>
               <a:rPr lang="de-AT" b="1" dirty="0" smtClean="0"/>
-              <a:t>Der Patient kommt wieder zur Diätassistentin</a:t>
-            </a:r>
-            <a:r>
-              <a:rPr lang="de-AT" b="1" dirty="0" smtClean="0"/>
-              <a:t>.</a:t>
+              <a:t>Der Patient kommt wieder zur Diätassistentin.</a:t>
             </a:r>
           </a:p>
           <a:p>
@@ -15612,6 +15623,7 @@
           <a:p>
             <a:fld id="{D9B8EEEF-0262-404B-8336-1D8EA86285D0}" type="slidenum">
               <a:rPr lang="de-AT" smtClean="0"/>
+              <a:pPr/>
               <a:t>12</a:t>
             </a:fld>
             <a:endParaRPr lang="de-AT"/>
@@ -15643,7 +15655,7 @@
     </p:spTree>
     <p:extLst>
       <p:ext uri="{BB962C8B-B14F-4D97-AF65-F5344CB8AC3E}">
-        <p14:creationId xmlns:p14="http://schemas.microsoft.com/office/powerpoint/2010/main" val="2141006577"/>
+        <p14:creationId xmlns:p14="http://schemas.microsoft.com/office/powerpoint/2010/main" xmlns="" val="2141006577"/>
       </p:ext>
     </p:extLst>
   </p:cSld>
@@ -15807,6 +15819,7 @@
           <a:p>
             <a:fld id="{D9B8EEEF-0262-404B-8336-1D8EA86285D0}" type="slidenum">
               <a:rPr lang="de-AT" smtClean="0"/>
+              <a:pPr/>
               <a:t>13</a:t>
             </a:fld>
             <a:endParaRPr lang="de-AT" dirty="0"/>
@@ -15816,7 +15829,7 @@
     </p:spTree>
     <p:extLst>
       <p:ext uri="{BB962C8B-B14F-4D97-AF65-F5344CB8AC3E}">
-        <p14:creationId xmlns:p14="http://schemas.microsoft.com/office/powerpoint/2010/main" val="3869900920"/>
+        <p14:creationId xmlns:p14="http://schemas.microsoft.com/office/powerpoint/2010/main" xmlns="" val="3869900920"/>
       </p:ext>
     </p:extLst>
   </p:cSld>
@@ -16014,6 +16027,7 @@
           <a:p>
             <a:fld id="{D9B8EEEF-0262-404B-8336-1D8EA86285D0}" type="slidenum">
               <a:rPr lang="de-AT" smtClean="0"/>
+              <a:pPr/>
               <a:t>14</a:t>
             </a:fld>
             <a:endParaRPr lang="de-AT"/>
@@ -16046,7 +16060,7 @@
     </p:spTree>
     <p:extLst>
       <p:ext uri="{BB962C8B-B14F-4D97-AF65-F5344CB8AC3E}">
-        <p14:creationId xmlns:p14="http://schemas.microsoft.com/office/powerpoint/2010/main" val="3512179570"/>
+        <p14:creationId xmlns:p14="http://schemas.microsoft.com/office/powerpoint/2010/main" xmlns="" val="3512179570"/>
       </p:ext>
     </p:extLst>
   </p:cSld>
@@ -16218,6 +16232,7 @@
           <a:p>
             <a:fld id="{D9B8EEEF-0262-404B-8336-1D8EA86285D0}" type="slidenum">
               <a:rPr lang="de-AT" smtClean="0"/>
+              <a:pPr/>
               <a:t>15</a:t>
             </a:fld>
             <a:endParaRPr lang="de-AT"/>
@@ -16257,7 +16272,7 @@
     </p:spTree>
     <p:extLst>
       <p:ext uri="{BB962C8B-B14F-4D97-AF65-F5344CB8AC3E}">
-        <p14:creationId xmlns:p14="http://schemas.microsoft.com/office/powerpoint/2010/main" val="3074831565"/>
+        <p14:creationId xmlns:p14="http://schemas.microsoft.com/office/powerpoint/2010/main" xmlns="" val="3074831565"/>
       </p:ext>
     </p:extLst>
   </p:cSld>
@@ -16332,11 +16347,7 @@
             </a:pPr>
             <a:r>
               <a:rPr lang="de-AT" dirty="0" smtClean="0"/>
-              <a:t>Als „Zwischencontroller“ </a:t>
-            </a:r>
-            <a:r>
-              <a:rPr lang="de-AT" dirty="0" smtClean="0"/>
-              <a:t>für </a:t>
+              <a:t>Als „Zwischencontroller“ für </a:t>
             </a:r>
             <a:r>
               <a:rPr lang="de-AT" dirty="0" err="1" smtClean="0"/>
@@ -16480,6 +16491,7 @@
           <a:p>
             <a:fld id="{D9B8EEEF-0262-404B-8336-1D8EA86285D0}" type="slidenum">
               <a:rPr lang="de-AT" smtClean="0"/>
+              <a:pPr/>
               <a:t>16</a:t>
             </a:fld>
             <a:endParaRPr lang="de-AT"/>
@@ -16514,7 +16526,7 @@
     </p:spTree>
     <p:extLst>
       <p:ext uri="{BB962C8B-B14F-4D97-AF65-F5344CB8AC3E}">
-        <p14:creationId xmlns:p14="http://schemas.microsoft.com/office/powerpoint/2010/main" val="177768872"/>
+        <p14:creationId xmlns:p14="http://schemas.microsoft.com/office/powerpoint/2010/main" xmlns="" val="177768872"/>
       </p:ext>
     </p:extLst>
   </p:cSld>
@@ -16692,6 +16704,7 @@
           <a:p>
             <a:fld id="{D9B8EEEF-0262-404B-8336-1D8EA86285D0}" type="slidenum">
               <a:rPr lang="de-AT" smtClean="0"/>
+              <a:pPr/>
               <a:t>17</a:t>
             </a:fld>
             <a:endParaRPr lang="de-AT"/>
@@ -16725,7 +16738,7 @@
     </p:spTree>
     <p:extLst>
       <p:ext uri="{BB962C8B-B14F-4D97-AF65-F5344CB8AC3E}">
-        <p14:creationId xmlns:p14="http://schemas.microsoft.com/office/powerpoint/2010/main" val="3115238746"/>
+        <p14:creationId xmlns:p14="http://schemas.microsoft.com/office/powerpoint/2010/main" xmlns="" val="3115238746"/>
       </p:ext>
     </p:extLst>
   </p:cSld>
@@ -16773,7 +16786,7 @@
           <a:blip r:embed="rId2" cstate="print">
             <a:extLst>
               <a:ext uri="{28A0092B-C50C-407E-A947-70E740481C1C}">
-                <a14:useLocalDpi xmlns:a14="http://schemas.microsoft.com/office/drawing/2010/main" val="0"/>
+                <a14:useLocalDpi xmlns:a14="http://schemas.microsoft.com/office/drawing/2010/main" xmlns="" val="0"/>
               </a:ext>
             </a:extLst>
           </a:blip>
@@ -16850,6 +16863,7 @@
           <a:p>
             <a:fld id="{D9B8EEEF-0262-404B-8336-1D8EA86285D0}" type="slidenum">
               <a:rPr lang="de-AT" smtClean="0"/>
+              <a:pPr/>
               <a:t>18</a:t>
             </a:fld>
             <a:endParaRPr lang="de-AT"/>
@@ -16896,7 +16910,7 @@
           <a:blip r:embed="rId3" cstate="print">
             <a:extLst>
               <a:ext uri="{28A0092B-C50C-407E-A947-70E740481C1C}">
-                <a14:useLocalDpi xmlns:a14="http://schemas.microsoft.com/office/drawing/2010/main" val="0"/>
+                <a14:useLocalDpi xmlns:a14="http://schemas.microsoft.com/office/drawing/2010/main" xmlns="" val="0"/>
               </a:ext>
             </a:extLst>
           </a:blip>
@@ -16960,7 +16974,7 @@
     </p:spTree>
     <p:extLst>
       <p:ext uri="{BB962C8B-B14F-4D97-AF65-F5344CB8AC3E}">
-        <p14:creationId xmlns:p14="http://schemas.microsoft.com/office/powerpoint/2010/main" val="1294282150"/>
+        <p14:creationId xmlns:p14="http://schemas.microsoft.com/office/powerpoint/2010/main" xmlns="" val="1294282150"/>
       </p:ext>
     </p:extLst>
   </p:cSld>
@@ -17008,7 +17022,7 @@
           <a:blip r:embed="rId2" cstate="print">
             <a:extLst>
               <a:ext uri="{28A0092B-C50C-407E-A947-70E740481C1C}">
-                <a14:useLocalDpi xmlns:a14="http://schemas.microsoft.com/office/drawing/2010/main" val="0"/>
+                <a14:useLocalDpi xmlns:a14="http://schemas.microsoft.com/office/drawing/2010/main" xmlns="" val="0"/>
               </a:ext>
             </a:extLst>
           </a:blip>
@@ -17088,6 +17102,7 @@
           <a:p>
             <a:fld id="{D9B8EEEF-0262-404B-8336-1D8EA86285D0}" type="slidenum">
               <a:rPr lang="de-AT" smtClean="0"/>
+              <a:pPr/>
               <a:t>19</a:t>
             </a:fld>
             <a:endParaRPr lang="de-AT"/>
@@ -17134,7 +17149,7 @@
           <a:blip r:embed="rId3" cstate="print">
             <a:extLst>
               <a:ext uri="{28A0092B-C50C-407E-A947-70E740481C1C}">
-                <a14:useLocalDpi xmlns:a14="http://schemas.microsoft.com/office/drawing/2010/main" val="0"/>
+                <a14:useLocalDpi xmlns:a14="http://schemas.microsoft.com/office/drawing/2010/main" xmlns="" val="0"/>
               </a:ext>
             </a:extLst>
           </a:blip>
@@ -17198,7 +17213,7 @@
     </p:spTree>
     <p:extLst>
       <p:ext uri="{BB962C8B-B14F-4D97-AF65-F5344CB8AC3E}">
-        <p14:creationId xmlns:p14="http://schemas.microsoft.com/office/powerpoint/2010/main" val="185064288"/>
+        <p14:creationId xmlns:p14="http://schemas.microsoft.com/office/powerpoint/2010/main" xmlns="" val="185064288"/>
       </p:ext>
     </p:extLst>
   </p:cSld>
@@ -17367,6 +17382,7 @@
           <a:p>
             <a:fld id="{D9B8EEEF-0262-404B-8336-1D8EA86285D0}" type="slidenum">
               <a:rPr lang="de-AT" smtClean="0"/>
+              <a:pPr/>
               <a:t>2</a:t>
             </a:fld>
             <a:endParaRPr lang="de-AT"/>
@@ -17399,7 +17415,7 @@
     </p:spTree>
     <p:extLst>
       <p:ext uri="{BB962C8B-B14F-4D97-AF65-F5344CB8AC3E}">
-        <p14:creationId xmlns:p14="http://schemas.microsoft.com/office/powerpoint/2010/main" val="3202374599"/>
+        <p14:creationId xmlns:p14="http://schemas.microsoft.com/office/powerpoint/2010/main" xmlns="" val="3202374599"/>
       </p:ext>
     </p:extLst>
   </p:cSld>
@@ -17447,7 +17463,7 @@
           <a:blip r:embed="rId2" cstate="print">
             <a:extLst>
               <a:ext uri="{28A0092B-C50C-407E-A947-70E740481C1C}">
-                <a14:useLocalDpi xmlns:a14="http://schemas.microsoft.com/office/drawing/2010/main" val="0"/>
+                <a14:useLocalDpi xmlns:a14="http://schemas.microsoft.com/office/drawing/2010/main" xmlns="" val="0"/>
               </a:ext>
             </a:extLst>
           </a:blip>
@@ -17524,6 +17540,7 @@
           <a:p>
             <a:fld id="{D9B8EEEF-0262-404B-8336-1D8EA86285D0}" type="slidenum">
               <a:rPr lang="de-AT" smtClean="0"/>
+              <a:pPr/>
               <a:t>20</a:t>
             </a:fld>
             <a:endParaRPr lang="de-AT"/>
@@ -17569,7 +17586,7 @@
           <a:blip r:embed="rId3" cstate="print">
             <a:extLst>
               <a:ext uri="{28A0092B-C50C-407E-A947-70E740481C1C}">
-                <a14:useLocalDpi xmlns:a14="http://schemas.microsoft.com/office/drawing/2010/main" val="0"/>
+                <a14:useLocalDpi xmlns:a14="http://schemas.microsoft.com/office/drawing/2010/main" xmlns="" val="0"/>
               </a:ext>
             </a:extLst>
           </a:blip>
@@ -17633,7 +17650,7 @@
     </p:spTree>
     <p:extLst>
       <p:ext uri="{BB962C8B-B14F-4D97-AF65-F5344CB8AC3E}">
-        <p14:creationId xmlns:p14="http://schemas.microsoft.com/office/powerpoint/2010/main" val="3704971952"/>
+        <p14:creationId xmlns:p14="http://schemas.microsoft.com/office/powerpoint/2010/main" xmlns="" val="3704971952"/>
       </p:ext>
     </p:extLst>
   </p:cSld>
@@ -17730,6 +17747,7 @@
           <a:p>
             <a:fld id="{D9B8EEEF-0262-404B-8336-1D8EA86285D0}" type="slidenum">
               <a:rPr lang="de-AT" smtClean="0"/>
+              <a:pPr/>
               <a:t>21</a:t>
             </a:fld>
             <a:endParaRPr lang="de-AT"/>
@@ -17776,7 +17794,7 @@
           <a:blip r:embed="rId2" cstate="print">
             <a:extLst>
               <a:ext uri="{28A0092B-C50C-407E-A947-70E740481C1C}">
-                <a14:useLocalDpi xmlns:a14="http://schemas.microsoft.com/office/drawing/2010/main" val="0"/>
+                <a14:useLocalDpi xmlns:a14="http://schemas.microsoft.com/office/drawing/2010/main" xmlns="" val="0"/>
               </a:ext>
             </a:extLst>
           </a:blip>
@@ -17849,7 +17867,7 @@
           <a:blip r:embed="rId3" cstate="print">
             <a:extLst>
               <a:ext uri="{28A0092B-C50C-407E-A947-70E740481C1C}">
-                <a14:useLocalDpi xmlns:a14="http://schemas.microsoft.com/office/drawing/2010/main" val="0"/>
+                <a14:useLocalDpi xmlns:a14="http://schemas.microsoft.com/office/drawing/2010/main" xmlns="" val="0"/>
               </a:ext>
             </a:extLst>
           </a:blip>
@@ -17869,7 +17887,7 @@
     </p:spTree>
     <p:extLst>
       <p:ext uri="{BB962C8B-B14F-4D97-AF65-F5344CB8AC3E}">
-        <p14:creationId xmlns:p14="http://schemas.microsoft.com/office/powerpoint/2010/main" val="3336280054"/>
+        <p14:creationId xmlns:p14="http://schemas.microsoft.com/office/powerpoint/2010/main" xmlns="" val="3336280054"/>
       </p:ext>
     </p:extLst>
   </p:cSld>
@@ -17927,11 +17945,7 @@
             </a:pPr>
             <a:r>
               <a:rPr lang="de-AT" b="1" dirty="0" smtClean="0"/>
-              <a:t>Integration </a:t>
-            </a:r>
-            <a:r>
-              <a:rPr lang="de-AT" b="1" dirty="0" smtClean="0"/>
-              <a:t>der </a:t>
+              <a:t>Integration der </a:t>
             </a:r>
             <a:r>
               <a:rPr lang="de-AT" b="1" dirty="0" err="1" smtClean="0"/>
@@ -17949,7 +17963,6 @@
               <a:rPr lang="de-AT" b="1" dirty="0" smtClean="0"/>
               <a:t>:</a:t>
             </a:r>
-            <a:endParaRPr lang="de-AT" b="1" dirty="0" smtClean="0"/>
           </a:p>
           <a:p>
             <a:pPr lvl="1">
@@ -18050,6 +18063,7 @@
           <a:p>
             <a:fld id="{D9B8EEEF-0262-404B-8336-1D8EA86285D0}" type="slidenum">
               <a:rPr lang="de-AT" smtClean="0"/>
+              <a:pPr/>
               <a:t>22</a:t>
             </a:fld>
             <a:endParaRPr lang="de-AT"/>
@@ -18090,7 +18104,7 @@
     </p:spTree>
     <p:extLst>
       <p:ext uri="{BB962C8B-B14F-4D97-AF65-F5344CB8AC3E}">
-        <p14:creationId xmlns:p14="http://schemas.microsoft.com/office/powerpoint/2010/main" val="4096138688"/>
+        <p14:creationId xmlns:p14="http://schemas.microsoft.com/office/powerpoint/2010/main" xmlns="" val="4096138688"/>
       </p:ext>
     </p:extLst>
   </p:cSld>
@@ -18236,6 +18250,7 @@
           <a:p>
             <a:fld id="{D9B8EEEF-0262-404B-8336-1D8EA86285D0}" type="slidenum">
               <a:rPr lang="de-AT" smtClean="0"/>
+              <a:pPr/>
               <a:t>23</a:t>
             </a:fld>
             <a:endParaRPr lang="de-AT"/>
@@ -18281,10 +18296,10 @@
           <p:nvPr/>
         </p:nvPicPr>
         <p:blipFill>
-          <a:blip r:embed="rId2">
+          <a:blip r:embed="rId2" cstate="print">
             <a:extLst>
               <a:ext uri="{28A0092B-C50C-407E-A947-70E740481C1C}">
-                <a14:useLocalDpi xmlns:a14="http://schemas.microsoft.com/office/drawing/2010/main" val="0"/>
+                <a14:useLocalDpi xmlns:a14="http://schemas.microsoft.com/office/drawing/2010/main" xmlns="" val="0"/>
               </a:ext>
             </a:extLst>
           </a:blip>
@@ -18308,14 +18323,14 @@
           <a:effectLst/>
           <a:extLst>
             <a:ext uri="{909E8E84-426E-40DD-AFC4-6F175D3DCCD1}">
-              <a14:hiddenFill xmlns:a14="http://schemas.microsoft.com/office/drawing/2010/main">
+              <a14:hiddenFill xmlns:a14="http://schemas.microsoft.com/office/drawing/2010/main" xmlns="">
                 <a:solidFill>
                   <a:schemeClr val="accent1"/>
                 </a:solidFill>
               </a14:hiddenFill>
             </a:ext>
             <a:ext uri="{91240B29-F687-4F45-9708-019B960494DF}">
-              <a14:hiddenLine xmlns:a14="http://schemas.microsoft.com/office/drawing/2010/main" w="9525">
+              <a14:hiddenLine xmlns:a14="http://schemas.microsoft.com/office/drawing/2010/main" xmlns="" w="9525">
                 <a:solidFill>
                   <a:schemeClr val="tx1"/>
                 </a:solidFill>
@@ -18325,7 +18340,7 @@
               </a14:hiddenLine>
             </a:ext>
             <a:ext uri="{AF507438-7753-43E0-B8FC-AC1667EBCBE1}">
-              <a14:hiddenEffects xmlns:a14="http://schemas.microsoft.com/office/drawing/2010/main">
+              <a14:hiddenEffects xmlns:a14="http://schemas.microsoft.com/office/drawing/2010/main" xmlns="">
                 <a:effectLst>
                   <a:outerShdw dist="35921" dir="2700000" algn="ctr" rotWithShape="0">
                     <a:schemeClr val="bg2"/>
@@ -18339,7 +18354,7 @@
     </p:spTree>
     <p:extLst>
       <p:ext uri="{BB962C8B-B14F-4D97-AF65-F5344CB8AC3E}">
-        <p14:creationId xmlns:p14="http://schemas.microsoft.com/office/powerpoint/2010/main" val="2011316899"/>
+        <p14:creationId xmlns:p14="http://schemas.microsoft.com/office/powerpoint/2010/main" xmlns="" val="2011316899"/>
       </p:ext>
     </p:extLst>
   </p:cSld>
@@ -18466,6 +18481,7 @@
           <a:p>
             <a:fld id="{D9B8EEEF-0262-404B-8336-1D8EA86285D0}" type="slidenum">
               <a:rPr lang="de-AT" smtClean="0"/>
+              <a:pPr/>
               <a:t>24</a:t>
             </a:fld>
             <a:endParaRPr lang="de-AT"/>
@@ -18504,10 +18520,10 @@
           <p:nvPr/>
         </p:nvPicPr>
         <p:blipFill rotWithShape="1">
-          <a:blip r:embed="rId2">
+          <a:blip r:embed="rId2" cstate="print">
             <a:extLst>
               <a:ext uri="{28A0092B-C50C-407E-A947-70E740481C1C}">
-                <a14:useLocalDpi xmlns:a14="http://schemas.microsoft.com/office/drawing/2010/main" val="0"/>
+                <a14:useLocalDpi xmlns:a14="http://schemas.microsoft.com/office/drawing/2010/main" xmlns="" val="0"/>
               </a:ext>
             </a:extLst>
           </a:blip>
@@ -18529,14 +18545,14 @@
           <a:effectLst/>
           <a:extLst>
             <a:ext uri="{909E8E84-426E-40DD-AFC4-6F175D3DCCD1}">
-              <a14:hiddenFill xmlns:a14="http://schemas.microsoft.com/office/drawing/2010/main">
+              <a14:hiddenFill xmlns:a14="http://schemas.microsoft.com/office/drawing/2010/main" xmlns="">
                 <a:solidFill>
                   <a:schemeClr val="accent1"/>
                 </a:solidFill>
               </a14:hiddenFill>
             </a:ext>
             <a:ext uri="{91240B29-F687-4F45-9708-019B960494DF}">
-              <a14:hiddenLine xmlns:a14="http://schemas.microsoft.com/office/drawing/2010/main" w="9525">
+              <a14:hiddenLine xmlns:a14="http://schemas.microsoft.com/office/drawing/2010/main" xmlns="" w="9525">
                 <a:solidFill>
                   <a:schemeClr val="tx1"/>
                 </a:solidFill>
@@ -18546,7 +18562,7 @@
               </a14:hiddenLine>
             </a:ext>
             <a:ext uri="{AF507438-7753-43E0-B8FC-AC1667EBCBE1}">
-              <a14:hiddenEffects xmlns:a14="http://schemas.microsoft.com/office/drawing/2010/main">
+              <a14:hiddenEffects xmlns:a14="http://schemas.microsoft.com/office/drawing/2010/main" xmlns="">
                 <a:effectLst>
                   <a:outerShdw dist="35921" dir="2700000" algn="ctr" rotWithShape="0">
                     <a:schemeClr val="bg2"/>
@@ -18560,7 +18576,7 @@
     </p:spTree>
     <p:extLst>
       <p:ext uri="{BB962C8B-B14F-4D97-AF65-F5344CB8AC3E}">
-        <p14:creationId xmlns:p14="http://schemas.microsoft.com/office/powerpoint/2010/main" val="3258577172"/>
+        <p14:creationId xmlns:p14="http://schemas.microsoft.com/office/powerpoint/2010/main" xmlns="" val="3258577172"/>
       </p:ext>
     </p:extLst>
   </p:cSld>
@@ -18712,6 +18728,7 @@
           <a:p>
             <a:fld id="{D9B8EEEF-0262-404B-8336-1D8EA86285D0}" type="slidenum">
               <a:rPr lang="de-AT" smtClean="0"/>
+              <a:pPr/>
               <a:t>25</a:t>
             </a:fld>
             <a:endParaRPr lang="de-AT"/>
@@ -18744,7 +18761,7 @@
     </p:spTree>
     <p:extLst>
       <p:ext uri="{BB962C8B-B14F-4D97-AF65-F5344CB8AC3E}">
-        <p14:creationId xmlns:p14="http://schemas.microsoft.com/office/powerpoint/2010/main" val="1750150414"/>
+        <p14:creationId xmlns:p14="http://schemas.microsoft.com/office/powerpoint/2010/main" xmlns="" val="1750150414"/>
       </p:ext>
     </p:extLst>
   </p:cSld>
@@ -18872,6 +18889,7 @@
           <a:p>
             <a:fld id="{D9B8EEEF-0262-404B-8336-1D8EA86285D0}" type="slidenum">
               <a:rPr lang="de-AT" smtClean="0"/>
+              <a:pPr/>
               <a:t>26</a:t>
             </a:fld>
             <a:endParaRPr lang="de-AT"/>
@@ -18909,10 +18927,10 @@
           <p:nvPr/>
         </p:nvPicPr>
         <p:blipFill>
-          <a:blip r:embed="rId2">
+          <a:blip r:embed="rId2" cstate="print">
             <a:extLst>
               <a:ext uri="{28A0092B-C50C-407E-A947-70E740481C1C}">
-                <a14:useLocalDpi xmlns:a14="http://schemas.microsoft.com/office/drawing/2010/main" val="0"/>
+                <a14:useLocalDpi xmlns:a14="http://schemas.microsoft.com/office/drawing/2010/main" xmlns="" val="0"/>
               </a:ext>
             </a:extLst>
           </a:blip>
@@ -18936,14 +18954,14 @@
           <a:effectLst/>
           <a:extLst>
             <a:ext uri="{909E8E84-426E-40DD-AFC4-6F175D3DCCD1}">
-              <a14:hiddenFill xmlns:a14="http://schemas.microsoft.com/office/drawing/2010/main">
+              <a14:hiddenFill xmlns:a14="http://schemas.microsoft.com/office/drawing/2010/main" xmlns="">
                 <a:solidFill>
                   <a:schemeClr val="accent1"/>
                 </a:solidFill>
               </a14:hiddenFill>
             </a:ext>
             <a:ext uri="{91240B29-F687-4F45-9708-019B960494DF}">
-              <a14:hiddenLine xmlns:a14="http://schemas.microsoft.com/office/drawing/2010/main" w="9525">
+              <a14:hiddenLine xmlns:a14="http://schemas.microsoft.com/office/drawing/2010/main" xmlns="" w="9525">
                 <a:solidFill>
                   <a:schemeClr val="tx1"/>
                 </a:solidFill>
@@ -18953,7 +18971,7 @@
               </a14:hiddenLine>
             </a:ext>
             <a:ext uri="{AF507438-7753-43E0-B8FC-AC1667EBCBE1}">
-              <a14:hiddenEffects xmlns:a14="http://schemas.microsoft.com/office/drawing/2010/main">
+              <a14:hiddenEffects xmlns:a14="http://schemas.microsoft.com/office/drawing/2010/main" xmlns="">
                 <a:effectLst>
                   <a:outerShdw dist="35921" dir="2700000" algn="ctr" rotWithShape="0">
                     <a:schemeClr val="bg2"/>
@@ -19001,7 +19019,7 @@
     </p:spTree>
     <p:extLst>
       <p:ext uri="{BB962C8B-B14F-4D97-AF65-F5344CB8AC3E}">
-        <p14:creationId xmlns:p14="http://schemas.microsoft.com/office/powerpoint/2010/main" val="101772287"/>
+        <p14:creationId xmlns:p14="http://schemas.microsoft.com/office/powerpoint/2010/main" xmlns="" val="101772287"/>
       </p:ext>
     </p:extLst>
   </p:cSld>
@@ -19098,6 +19116,7 @@
           <a:p>
             <a:fld id="{D9B8EEEF-0262-404B-8336-1D8EA86285D0}" type="slidenum">
               <a:rPr lang="de-AT" smtClean="0"/>
+              <a:pPr/>
               <a:t>27</a:t>
             </a:fld>
             <a:endParaRPr lang="de-AT"/>
@@ -19173,7 +19192,7 @@
     </p:spTree>
     <p:extLst>
       <p:ext uri="{BB962C8B-B14F-4D97-AF65-F5344CB8AC3E}">
-        <p14:creationId xmlns:p14="http://schemas.microsoft.com/office/powerpoint/2010/main" val="2873283054"/>
+        <p14:creationId xmlns:p14="http://schemas.microsoft.com/office/powerpoint/2010/main" xmlns="" val="2873283054"/>
       </p:ext>
     </p:extLst>
   </p:cSld>
@@ -19247,11 +19266,7 @@
             </a:pPr>
             <a:r>
               <a:rPr lang="de-AT" dirty="0" smtClean="0"/>
-              <a:t>Konfiguration über </a:t>
-            </a:r>
-            <a:r>
-              <a:rPr lang="de-AT" dirty="0" smtClean="0"/>
-              <a:t>XML Files, </a:t>
+              <a:t>Konfiguration über XML Files, </a:t>
             </a:r>
             <a:r>
               <a:rPr lang="de-AT" dirty="0" err="1" smtClean="0"/>
@@ -19271,13 +19286,8 @@
             </a:r>
             <a:r>
               <a:rPr lang="de-AT" dirty="0" smtClean="0"/>
-              <a:t>, viele vorgefertigte </a:t>
-            </a:r>
-            <a:r>
-              <a:rPr lang="de-AT" dirty="0" smtClean="0"/>
-              <a:t>Komponenten</a:t>
-            </a:r>
-            <a:endParaRPr lang="de-AT" dirty="0" smtClean="0"/>
+              <a:t>, viele vorgefertigte Komponenten</a:t>
+            </a:r>
           </a:p>
           <a:p>
             <a:pPr>
@@ -19302,15 +19312,7 @@
             </a:pPr>
             <a:r>
               <a:rPr lang="de-AT" dirty="0" smtClean="0"/>
-              <a:t>AJAX Support, </a:t>
-            </a:r>
-            <a:r>
-              <a:rPr lang="de-AT" dirty="0" smtClean="0"/>
-              <a:t>vorgefertigte Komponenten</a:t>
-            </a:r>
-            <a:r>
-              <a:rPr lang="de-AT" dirty="0" smtClean="0"/>
-              <a:t>, gute Dokumentation und Beispiele</a:t>
+              <a:t>AJAX Support, vorgefertigte Komponenten, gute Dokumentation und Beispiele</a:t>
             </a:r>
           </a:p>
         </p:txBody>
@@ -19378,6 +19380,7 @@
           <a:p>
             <a:fld id="{D9B8EEEF-0262-404B-8336-1D8EA86285D0}" type="slidenum">
               <a:rPr lang="de-AT" smtClean="0"/>
+              <a:pPr/>
               <a:t>28</a:t>
             </a:fld>
             <a:endParaRPr lang="de-AT"/>
@@ -19410,7 +19413,7 @@
     </p:spTree>
     <p:extLst>
       <p:ext uri="{BB962C8B-B14F-4D97-AF65-F5344CB8AC3E}">
-        <p14:creationId xmlns:p14="http://schemas.microsoft.com/office/powerpoint/2010/main" val="281736455"/>
+        <p14:creationId xmlns:p14="http://schemas.microsoft.com/office/powerpoint/2010/main" xmlns="" val="281736455"/>
       </p:ext>
     </p:extLst>
   </p:cSld>
@@ -19638,6 +19641,7 @@
           <a:p>
             <a:fld id="{D9B8EEEF-0262-404B-8336-1D8EA86285D0}" type="slidenum">
               <a:rPr lang="de-AT" smtClean="0"/>
+              <a:pPr/>
               <a:t>29</a:t>
             </a:fld>
             <a:endParaRPr lang="de-AT"/>
@@ -19669,7 +19673,7 @@
     </p:spTree>
     <p:extLst>
       <p:ext uri="{BB962C8B-B14F-4D97-AF65-F5344CB8AC3E}">
-        <p14:creationId xmlns:p14="http://schemas.microsoft.com/office/powerpoint/2010/main" val="3694131310"/>
+        <p14:creationId xmlns:p14="http://schemas.microsoft.com/office/powerpoint/2010/main" xmlns="" val="3694131310"/>
       </p:ext>
     </p:extLst>
   </p:cSld>
@@ -19838,6 +19842,7 @@
           <a:p>
             <a:fld id="{D9B8EEEF-0262-404B-8336-1D8EA86285D0}" type="slidenum">
               <a:rPr lang="de-AT" smtClean="0"/>
+              <a:pPr/>
               <a:t>3</a:t>
             </a:fld>
             <a:endParaRPr lang="de-AT"/>
@@ -19870,7 +19875,7 @@
     </p:spTree>
     <p:extLst>
       <p:ext uri="{BB962C8B-B14F-4D97-AF65-F5344CB8AC3E}">
-        <p14:creationId xmlns:p14="http://schemas.microsoft.com/office/powerpoint/2010/main" val="1732995238"/>
+        <p14:creationId xmlns:p14="http://schemas.microsoft.com/office/powerpoint/2010/main" xmlns="" val="1732995238"/>
       </p:ext>
     </p:extLst>
   </p:cSld>
@@ -20043,6 +20048,7 @@
           <a:p>
             <a:fld id="{D9B8EEEF-0262-404B-8336-1D8EA86285D0}" type="slidenum">
               <a:rPr lang="de-AT" smtClean="0"/>
+              <a:pPr/>
               <a:t>4</a:t>
             </a:fld>
             <a:endParaRPr lang="de-AT"/>
@@ -20075,7 +20081,7 @@
     </p:spTree>
     <p:extLst>
       <p:ext uri="{BB962C8B-B14F-4D97-AF65-F5344CB8AC3E}">
-        <p14:creationId xmlns:p14="http://schemas.microsoft.com/office/powerpoint/2010/main" val="2459943847"/>
+        <p14:creationId xmlns:p14="http://schemas.microsoft.com/office/powerpoint/2010/main" xmlns="" val="2459943847"/>
       </p:ext>
     </p:extLst>
   </p:cSld>
@@ -20206,7 +20212,6 @@
               <a:rPr lang="de-AT" b="1" dirty="0"/>
               <a:t>Java VM 1.6 oder höher</a:t>
             </a:r>
-            <a:endParaRPr lang="de-AT" b="1" dirty="0"/>
           </a:p>
         </p:txBody>
       </p:sp>
@@ -20273,6 +20278,7 @@
           <a:p>
             <a:fld id="{D9B8EEEF-0262-404B-8336-1D8EA86285D0}" type="slidenum">
               <a:rPr lang="de-AT" smtClean="0"/>
+              <a:pPr/>
               <a:t>5</a:t>
             </a:fld>
             <a:endParaRPr lang="de-AT"/>
@@ -20305,7 +20311,7 @@
     </p:spTree>
     <p:extLst>
       <p:ext uri="{BB962C8B-B14F-4D97-AF65-F5344CB8AC3E}">
-        <p14:creationId xmlns:p14="http://schemas.microsoft.com/office/powerpoint/2010/main" val="992586405"/>
+        <p14:creationId xmlns:p14="http://schemas.microsoft.com/office/powerpoint/2010/main" xmlns="" val="992586405"/>
       </p:ext>
     </p:extLst>
   </p:cSld>
@@ -20482,6 +20488,7 @@
           <a:p>
             <a:fld id="{D9B8EEEF-0262-404B-8336-1D8EA86285D0}" type="slidenum">
               <a:rPr lang="de-AT" smtClean="0"/>
+              <a:pPr/>
               <a:t>6</a:t>
             </a:fld>
             <a:endParaRPr lang="de-AT"/>
@@ -20513,7 +20520,7 @@
     </p:spTree>
     <p:extLst>
       <p:ext uri="{BB962C8B-B14F-4D97-AF65-F5344CB8AC3E}">
-        <p14:creationId xmlns:p14="http://schemas.microsoft.com/office/powerpoint/2010/main" val="2666665484"/>
+        <p14:creationId xmlns:p14="http://schemas.microsoft.com/office/powerpoint/2010/main" xmlns="" val="2666665484"/>
       </p:ext>
     </p:extLst>
   </p:cSld>
@@ -20678,6 +20685,7 @@
           <a:p>
             <a:fld id="{D9B8EEEF-0262-404B-8336-1D8EA86285D0}" type="slidenum">
               <a:rPr lang="de-AT" smtClean="0"/>
+              <a:pPr/>
               <a:t>7</a:t>
             </a:fld>
             <a:endParaRPr lang="de-AT"/>
@@ -20710,7 +20718,7 @@
     </p:spTree>
     <p:extLst>
       <p:ext uri="{BB962C8B-B14F-4D97-AF65-F5344CB8AC3E}">
-        <p14:creationId xmlns:p14="http://schemas.microsoft.com/office/powerpoint/2010/main" val="758492816"/>
+        <p14:creationId xmlns:p14="http://schemas.microsoft.com/office/powerpoint/2010/main" xmlns="" val="758492816"/>
       </p:ext>
     </p:extLst>
   </p:cSld>
@@ -20839,11 +20847,7 @@
             </a:pPr>
             <a:r>
               <a:rPr lang="de-AT" b="1" dirty="0" smtClean="0"/>
-              <a:t>Eintragen von </a:t>
-            </a:r>
-            <a:r>
-              <a:rPr lang="de-AT" b="1" dirty="0" smtClean="0"/>
-              <a:t>Ernährungsprotokollen</a:t>
+              <a:t>Eintragen von Ernährungsprotokollen</a:t>
             </a:r>
             <a:endParaRPr lang="de-AT" b="1" dirty="0"/>
           </a:p>
@@ -20912,6 +20916,7 @@
           <a:p>
             <a:fld id="{D9B8EEEF-0262-404B-8336-1D8EA86285D0}" type="slidenum">
               <a:rPr lang="de-AT" smtClean="0"/>
+              <a:pPr/>
               <a:t>8</a:t>
             </a:fld>
             <a:endParaRPr lang="de-AT"/>
@@ -20944,7 +20949,7 @@
     </p:spTree>
     <p:extLst>
       <p:ext uri="{BB962C8B-B14F-4D97-AF65-F5344CB8AC3E}">
-        <p14:creationId xmlns:p14="http://schemas.microsoft.com/office/powerpoint/2010/main" val="67235004"/>
+        <p14:creationId xmlns:p14="http://schemas.microsoft.com/office/powerpoint/2010/main" xmlns="" val="67235004"/>
       </p:ext>
     </p:extLst>
   </p:cSld>
@@ -21129,6 +21134,7 @@
           <a:p>
             <a:fld id="{D9B8EEEF-0262-404B-8336-1D8EA86285D0}" type="slidenum">
               <a:rPr lang="de-AT" smtClean="0"/>
+              <a:pPr/>
               <a:t>9</a:t>
             </a:fld>
             <a:endParaRPr lang="de-AT"/>
@@ -21160,7 +21166,7 @@
     </p:spTree>
     <p:extLst>
       <p:ext uri="{BB962C8B-B14F-4D97-AF65-F5344CB8AC3E}">
-        <p14:creationId xmlns:p14="http://schemas.microsoft.com/office/powerpoint/2010/main" val="3133304175"/>
+        <p14:creationId xmlns:p14="http://schemas.microsoft.com/office/powerpoint/2010/main" xmlns="" val="3133304175"/>
       </p:ext>
     </p:extLst>
   </p:cSld>

--- a/doc/Abschluss/EasyDiet.pptx
+++ b/doc/Abschluss/EasyDiet.pptx
@@ -390,7 +390,7 @@
     </p:spTree>
     <p:extLst>
       <p:ext uri="{BB962C8B-B14F-4D97-AF65-F5344CB8AC3E}">
-        <p14:creationId xmlns:p14="http://schemas.microsoft.com/office/powerpoint/2010/main" xmlns="" val="1470308792"/>
+        <p14:creationId xmlns="" xmlns:p14="http://schemas.microsoft.com/office/powerpoint/2010/main" val="1470308792"/>
       </p:ext>
     </p:extLst>
   </p:cSld>
@@ -15137,7 +15137,7 @@
     </p:spTree>
     <p:extLst>
       <p:ext uri="{BB962C8B-B14F-4D97-AF65-F5344CB8AC3E}">
-        <p14:creationId xmlns:p14="http://schemas.microsoft.com/office/powerpoint/2010/main" xmlns="" val="2443532795"/>
+        <p14:creationId xmlns="" xmlns:p14="http://schemas.microsoft.com/office/powerpoint/2010/main" val="2443532795"/>
       </p:ext>
     </p:extLst>
   </p:cSld>
@@ -15195,15 +15195,7 @@
             </a:pPr>
             <a:r>
               <a:rPr lang="de-AT" b="1" dirty="0" smtClean="0"/>
-              <a:t>Ein neuer </a:t>
-            </a:r>
-            <a:r>
-              <a:rPr lang="de-AT" b="1" dirty="0" smtClean="0"/>
-              <a:t>Patient </a:t>
-            </a:r>
-            <a:r>
-              <a:rPr lang="de-AT" b="1" dirty="0" smtClean="0"/>
-              <a:t>wird erfasst</a:t>
+              <a:t>Ein neuer Patient wird erfasst</a:t>
             </a:r>
           </a:p>
           <a:p>
@@ -15326,7 +15318,7 @@
     </p:spTree>
     <p:extLst>
       <p:ext uri="{BB962C8B-B14F-4D97-AF65-F5344CB8AC3E}">
-        <p14:creationId xmlns:p14="http://schemas.microsoft.com/office/powerpoint/2010/main" xmlns="" val="2545950013"/>
+        <p14:creationId xmlns="" xmlns:p14="http://schemas.microsoft.com/office/powerpoint/2010/main" val="2545950013"/>
       </p:ext>
     </p:extLst>
   </p:cSld>
@@ -15381,8 +15373,13 @@
             </a:r>
             <a:r>
               <a:rPr lang="de-AT" b="1" dirty="0" smtClean="0"/>
-              <a:t>erstellt Diätplan für neuen Patient</a:t>
-            </a:r>
+              <a:t>erstellt Diätplan für </a:t>
+            </a:r>
+            <a:r>
+              <a:rPr lang="de-AT" b="1" smtClean="0"/>
+              <a:t>einen bestehenden Patienten</a:t>
+            </a:r>
+            <a:endParaRPr lang="de-AT" b="1" dirty="0" smtClean="0"/>
           </a:p>
           <a:p>
             <a:endParaRPr lang="de-AT" b="1" dirty="0"/>
@@ -15494,7 +15491,7 @@
     </p:spTree>
     <p:extLst>
       <p:ext uri="{BB962C8B-B14F-4D97-AF65-F5344CB8AC3E}">
-        <p14:creationId xmlns:p14="http://schemas.microsoft.com/office/powerpoint/2010/main" xmlns="" val="1275319372"/>
+        <p14:creationId xmlns="" xmlns:p14="http://schemas.microsoft.com/office/powerpoint/2010/main" val="1275319372"/>
       </p:ext>
     </p:extLst>
   </p:cSld>
@@ -15655,7 +15652,7 @@
     </p:spTree>
     <p:extLst>
       <p:ext uri="{BB962C8B-B14F-4D97-AF65-F5344CB8AC3E}">
-        <p14:creationId xmlns:p14="http://schemas.microsoft.com/office/powerpoint/2010/main" xmlns="" val="2141006577"/>
+        <p14:creationId xmlns="" xmlns:p14="http://schemas.microsoft.com/office/powerpoint/2010/main" val="2141006577"/>
       </p:ext>
     </p:extLst>
   </p:cSld>
@@ -15829,7 +15826,7 @@
     </p:spTree>
     <p:extLst>
       <p:ext uri="{BB962C8B-B14F-4D97-AF65-F5344CB8AC3E}">
-        <p14:creationId xmlns:p14="http://schemas.microsoft.com/office/powerpoint/2010/main" xmlns="" val="3869900920"/>
+        <p14:creationId xmlns="" xmlns:p14="http://schemas.microsoft.com/office/powerpoint/2010/main" val="3869900920"/>
       </p:ext>
     </p:extLst>
   </p:cSld>
@@ -16060,7 +16057,7 @@
     </p:spTree>
     <p:extLst>
       <p:ext uri="{BB962C8B-B14F-4D97-AF65-F5344CB8AC3E}">
-        <p14:creationId xmlns:p14="http://schemas.microsoft.com/office/powerpoint/2010/main" xmlns="" val="3512179570"/>
+        <p14:creationId xmlns="" xmlns:p14="http://schemas.microsoft.com/office/powerpoint/2010/main" val="3512179570"/>
       </p:ext>
     </p:extLst>
   </p:cSld>
@@ -16272,7 +16269,7 @@
     </p:spTree>
     <p:extLst>
       <p:ext uri="{BB962C8B-B14F-4D97-AF65-F5344CB8AC3E}">
-        <p14:creationId xmlns:p14="http://schemas.microsoft.com/office/powerpoint/2010/main" xmlns="" val="3074831565"/>
+        <p14:creationId xmlns="" xmlns:p14="http://schemas.microsoft.com/office/powerpoint/2010/main" val="3074831565"/>
       </p:ext>
     </p:extLst>
   </p:cSld>
@@ -16526,7 +16523,7 @@
     </p:spTree>
     <p:extLst>
       <p:ext uri="{BB962C8B-B14F-4D97-AF65-F5344CB8AC3E}">
-        <p14:creationId xmlns:p14="http://schemas.microsoft.com/office/powerpoint/2010/main" xmlns="" val="177768872"/>
+        <p14:creationId xmlns="" xmlns:p14="http://schemas.microsoft.com/office/powerpoint/2010/main" val="177768872"/>
       </p:ext>
     </p:extLst>
   </p:cSld>
@@ -16738,7 +16735,7 @@
     </p:spTree>
     <p:extLst>
       <p:ext uri="{BB962C8B-B14F-4D97-AF65-F5344CB8AC3E}">
-        <p14:creationId xmlns:p14="http://schemas.microsoft.com/office/powerpoint/2010/main" xmlns="" val="3115238746"/>
+        <p14:creationId xmlns="" xmlns:p14="http://schemas.microsoft.com/office/powerpoint/2010/main" val="3115238746"/>
       </p:ext>
     </p:extLst>
   </p:cSld>
@@ -16786,7 +16783,7 @@
           <a:blip r:embed="rId2" cstate="print">
             <a:extLst>
               <a:ext uri="{28A0092B-C50C-407E-A947-70E740481C1C}">
-                <a14:useLocalDpi xmlns:a14="http://schemas.microsoft.com/office/drawing/2010/main" xmlns="" val="0"/>
+                <a14:useLocalDpi xmlns="" xmlns:a14="http://schemas.microsoft.com/office/drawing/2010/main" val="0"/>
               </a:ext>
             </a:extLst>
           </a:blip>
@@ -16910,7 +16907,7 @@
           <a:blip r:embed="rId3" cstate="print">
             <a:extLst>
               <a:ext uri="{28A0092B-C50C-407E-A947-70E740481C1C}">
-                <a14:useLocalDpi xmlns:a14="http://schemas.microsoft.com/office/drawing/2010/main" xmlns="" val="0"/>
+                <a14:useLocalDpi xmlns="" xmlns:a14="http://schemas.microsoft.com/office/drawing/2010/main" val="0"/>
               </a:ext>
             </a:extLst>
           </a:blip>
@@ -16974,7 +16971,7 @@
     </p:spTree>
     <p:extLst>
       <p:ext uri="{BB962C8B-B14F-4D97-AF65-F5344CB8AC3E}">
-        <p14:creationId xmlns:p14="http://schemas.microsoft.com/office/powerpoint/2010/main" xmlns="" val="1294282150"/>
+        <p14:creationId xmlns="" xmlns:p14="http://schemas.microsoft.com/office/powerpoint/2010/main" val="1294282150"/>
       </p:ext>
     </p:extLst>
   </p:cSld>
@@ -17022,7 +17019,7 @@
           <a:blip r:embed="rId2" cstate="print">
             <a:extLst>
               <a:ext uri="{28A0092B-C50C-407E-A947-70E740481C1C}">
-                <a14:useLocalDpi xmlns:a14="http://schemas.microsoft.com/office/drawing/2010/main" xmlns="" val="0"/>
+                <a14:useLocalDpi xmlns="" xmlns:a14="http://schemas.microsoft.com/office/drawing/2010/main" val="0"/>
               </a:ext>
             </a:extLst>
           </a:blip>
@@ -17149,7 +17146,7 @@
           <a:blip r:embed="rId3" cstate="print">
             <a:extLst>
               <a:ext uri="{28A0092B-C50C-407E-A947-70E740481C1C}">
-                <a14:useLocalDpi xmlns:a14="http://schemas.microsoft.com/office/drawing/2010/main" xmlns="" val="0"/>
+                <a14:useLocalDpi xmlns="" xmlns:a14="http://schemas.microsoft.com/office/drawing/2010/main" val="0"/>
               </a:ext>
             </a:extLst>
           </a:blip>
@@ -17213,7 +17210,7 @@
     </p:spTree>
     <p:extLst>
       <p:ext uri="{BB962C8B-B14F-4D97-AF65-F5344CB8AC3E}">
-        <p14:creationId xmlns:p14="http://schemas.microsoft.com/office/powerpoint/2010/main" xmlns="" val="185064288"/>
+        <p14:creationId xmlns="" xmlns:p14="http://schemas.microsoft.com/office/powerpoint/2010/main" val="185064288"/>
       </p:ext>
     </p:extLst>
   </p:cSld>
@@ -17415,7 +17412,7 @@
     </p:spTree>
     <p:extLst>
       <p:ext uri="{BB962C8B-B14F-4D97-AF65-F5344CB8AC3E}">
-        <p14:creationId xmlns:p14="http://schemas.microsoft.com/office/powerpoint/2010/main" xmlns="" val="3202374599"/>
+        <p14:creationId xmlns="" xmlns:p14="http://schemas.microsoft.com/office/powerpoint/2010/main" val="3202374599"/>
       </p:ext>
     </p:extLst>
   </p:cSld>
@@ -17463,7 +17460,7 @@
           <a:blip r:embed="rId2" cstate="print">
             <a:extLst>
               <a:ext uri="{28A0092B-C50C-407E-A947-70E740481C1C}">
-                <a14:useLocalDpi xmlns:a14="http://schemas.microsoft.com/office/drawing/2010/main" xmlns="" val="0"/>
+                <a14:useLocalDpi xmlns="" xmlns:a14="http://schemas.microsoft.com/office/drawing/2010/main" val="0"/>
               </a:ext>
             </a:extLst>
           </a:blip>
@@ -17586,7 +17583,7 @@
           <a:blip r:embed="rId3" cstate="print">
             <a:extLst>
               <a:ext uri="{28A0092B-C50C-407E-A947-70E740481C1C}">
-                <a14:useLocalDpi xmlns:a14="http://schemas.microsoft.com/office/drawing/2010/main" xmlns="" val="0"/>
+                <a14:useLocalDpi xmlns="" xmlns:a14="http://schemas.microsoft.com/office/drawing/2010/main" val="0"/>
               </a:ext>
             </a:extLst>
           </a:blip>
@@ -17650,7 +17647,7 @@
     </p:spTree>
     <p:extLst>
       <p:ext uri="{BB962C8B-B14F-4D97-AF65-F5344CB8AC3E}">
-        <p14:creationId xmlns:p14="http://schemas.microsoft.com/office/powerpoint/2010/main" xmlns="" val="3704971952"/>
+        <p14:creationId xmlns="" xmlns:p14="http://schemas.microsoft.com/office/powerpoint/2010/main" val="3704971952"/>
       </p:ext>
     </p:extLst>
   </p:cSld>
@@ -17794,7 +17791,7 @@
           <a:blip r:embed="rId2" cstate="print">
             <a:extLst>
               <a:ext uri="{28A0092B-C50C-407E-A947-70E740481C1C}">
-                <a14:useLocalDpi xmlns:a14="http://schemas.microsoft.com/office/drawing/2010/main" xmlns="" val="0"/>
+                <a14:useLocalDpi xmlns="" xmlns:a14="http://schemas.microsoft.com/office/drawing/2010/main" val="0"/>
               </a:ext>
             </a:extLst>
           </a:blip>
@@ -17867,7 +17864,7 @@
           <a:blip r:embed="rId3" cstate="print">
             <a:extLst>
               <a:ext uri="{28A0092B-C50C-407E-A947-70E740481C1C}">
-                <a14:useLocalDpi xmlns:a14="http://schemas.microsoft.com/office/drawing/2010/main" xmlns="" val="0"/>
+                <a14:useLocalDpi xmlns="" xmlns:a14="http://schemas.microsoft.com/office/drawing/2010/main" val="0"/>
               </a:ext>
             </a:extLst>
           </a:blip>
@@ -17887,7 +17884,7 @@
     </p:spTree>
     <p:extLst>
       <p:ext uri="{BB962C8B-B14F-4D97-AF65-F5344CB8AC3E}">
-        <p14:creationId xmlns:p14="http://schemas.microsoft.com/office/powerpoint/2010/main" xmlns="" val="3336280054"/>
+        <p14:creationId xmlns="" xmlns:p14="http://schemas.microsoft.com/office/powerpoint/2010/main" val="3336280054"/>
       </p:ext>
     </p:extLst>
   </p:cSld>
@@ -18104,7 +18101,7 @@
     </p:spTree>
     <p:extLst>
       <p:ext uri="{BB962C8B-B14F-4D97-AF65-F5344CB8AC3E}">
-        <p14:creationId xmlns:p14="http://schemas.microsoft.com/office/powerpoint/2010/main" xmlns="" val="4096138688"/>
+        <p14:creationId xmlns="" xmlns:p14="http://schemas.microsoft.com/office/powerpoint/2010/main" val="4096138688"/>
       </p:ext>
     </p:extLst>
   </p:cSld>
@@ -18299,7 +18296,7 @@
           <a:blip r:embed="rId2" cstate="print">
             <a:extLst>
               <a:ext uri="{28A0092B-C50C-407E-A947-70E740481C1C}">
-                <a14:useLocalDpi xmlns:a14="http://schemas.microsoft.com/office/drawing/2010/main" xmlns="" val="0"/>
+                <a14:useLocalDpi xmlns="" xmlns:a14="http://schemas.microsoft.com/office/drawing/2010/main" val="0"/>
               </a:ext>
             </a:extLst>
           </a:blip>
@@ -18323,14 +18320,14 @@
           <a:effectLst/>
           <a:extLst>
             <a:ext uri="{909E8E84-426E-40DD-AFC4-6F175D3DCCD1}">
-              <a14:hiddenFill xmlns:a14="http://schemas.microsoft.com/office/drawing/2010/main" xmlns="">
+              <a14:hiddenFill xmlns="" xmlns:a14="http://schemas.microsoft.com/office/drawing/2010/main">
                 <a:solidFill>
                   <a:schemeClr val="accent1"/>
                 </a:solidFill>
               </a14:hiddenFill>
             </a:ext>
             <a:ext uri="{91240B29-F687-4F45-9708-019B960494DF}">
-              <a14:hiddenLine xmlns:a14="http://schemas.microsoft.com/office/drawing/2010/main" xmlns="" w="9525">
+              <a14:hiddenLine xmlns="" xmlns:a14="http://schemas.microsoft.com/office/drawing/2010/main" w="9525">
                 <a:solidFill>
                   <a:schemeClr val="tx1"/>
                 </a:solidFill>
@@ -18340,7 +18337,7 @@
               </a14:hiddenLine>
             </a:ext>
             <a:ext uri="{AF507438-7753-43E0-B8FC-AC1667EBCBE1}">
-              <a14:hiddenEffects xmlns:a14="http://schemas.microsoft.com/office/drawing/2010/main" xmlns="">
+              <a14:hiddenEffects xmlns="" xmlns:a14="http://schemas.microsoft.com/office/drawing/2010/main">
                 <a:effectLst>
                   <a:outerShdw dist="35921" dir="2700000" algn="ctr" rotWithShape="0">
                     <a:schemeClr val="bg2"/>
@@ -18354,7 +18351,7 @@
     </p:spTree>
     <p:extLst>
       <p:ext uri="{BB962C8B-B14F-4D97-AF65-F5344CB8AC3E}">
-        <p14:creationId xmlns:p14="http://schemas.microsoft.com/office/powerpoint/2010/main" xmlns="" val="2011316899"/>
+        <p14:creationId xmlns="" xmlns:p14="http://schemas.microsoft.com/office/powerpoint/2010/main" val="2011316899"/>
       </p:ext>
     </p:extLst>
   </p:cSld>
@@ -18523,7 +18520,7 @@
           <a:blip r:embed="rId2" cstate="print">
             <a:extLst>
               <a:ext uri="{28A0092B-C50C-407E-A947-70E740481C1C}">
-                <a14:useLocalDpi xmlns:a14="http://schemas.microsoft.com/office/drawing/2010/main" xmlns="" val="0"/>
+                <a14:useLocalDpi xmlns="" xmlns:a14="http://schemas.microsoft.com/office/drawing/2010/main" val="0"/>
               </a:ext>
             </a:extLst>
           </a:blip>
@@ -18545,14 +18542,14 @@
           <a:effectLst/>
           <a:extLst>
             <a:ext uri="{909E8E84-426E-40DD-AFC4-6F175D3DCCD1}">
-              <a14:hiddenFill xmlns:a14="http://schemas.microsoft.com/office/drawing/2010/main" xmlns="">
+              <a14:hiddenFill xmlns="" xmlns:a14="http://schemas.microsoft.com/office/drawing/2010/main">
                 <a:solidFill>
                   <a:schemeClr val="accent1"/>
                 </a:solidFill>
               </a14:hiddenFill>
             </a:ext>
             <a:ext uri="{91240B29-F687-4F45-9708-019B960494DF}">
-              <a14:hiddenLine xmlns:a14="http://schemas.microsoft.com/office/drawing/2010/main" xmlns="" w="9525">
+              <a14:hiddenLine xmlns="" xmlns:a14="http://schemas.microsoft.com/office/drawing/2010/main" w="9525">
                 <a:solidFill>
                   <a:schemeClr val="tx1"/>
                 </a:solidFill>
@@ -18562,7 +18559,7 @@
               </a14:hiddenLine>
             </a:ext>
             <a:ext uri="{AF507438-7753-43E0-B8FC-AC1667EBCBE1}">
-              <a14:hiddenEffects xmlns:a14="http://schemas.microsoft.com/office/drawing/2010/main" xmlns="">
+              <a14:hiddenEffects xmlns="" xmlns:a14="http://schemas.microsoft.com/office/drawing/2010/main">
                 <a:effectLst>
                   <a:outerShdw dist="35921" dir="2700000" algn="ctr" rotWithShape="0">
                     <a:schemeClr val="bg2"/>
@@ -18576,7 +18573,7 @@
     </p:spTree>
     <p:extLst>
       <p:ext uri="{BB962C8B-B14F-4D97-AF65-F5344CB8AC3E}">
-        <p14:creationId xmlns:p14="http://schemas.microsoft.com/office/powerpoint/2010/main" xmlns="" val="3258577172"/>
+        <p14:creationId xmlns="" xmlns:p14="http://schemas.microsoft.com/office/powerpoint/2010/main" val="3258577172"/>
       </p:ext>
     </p:extLst>
   </p:cSld>
@@ -18761,7 +18758,7 @@
     </p:spTree>
     <p:extLst>
       <p:ext uri="{BB962C8B-B14F-4D97-AF65-F5344CB8AC3E}">
-        <p14:creationId xmlns:p14="http://schemas.microsoft.com/office/powerpoint/2010/main" xmlns="" val="1750150414"/>
+        <p14:creationId xmlns="" xmlns:p14="http://schemas.microsoft.com/office/powerpoint/2010/main" val="1750150414"/>
       </p:ext>
     </p:extLst>
   </p:cSld>
@@ -18930,7 +18927,7 @@
           <a:blip r:embed="rId2" cstate="print">
             <a:extLst>
               <a:ext uri="{28A0092B-C50C-407E-A947-70E740481C1C}">
-                <a14:useLocalDpi xmlns:a14="http://schemas.microsoft.com/office/drawing/2010/main" xmlns="" val="0"/>
+                <a14:useLocalDpi xmlns="" xmlns:a14="http://schemas.microsoft.com/office/drawing/2010/main" val="0"/>
               </a:ext>
             </a:extLst>
           </a:blip>
@@ -18954,14 +18951,14 @@
           <a:effectLst/>
           <a:extLst>
             <a:ext uri="{909E8E84-426E-40DD-AFC4-6F175D3DCCD1}">
-              <a14:hiddenFill xmlns:a14="http://schemas.microsoft.com/office/drawing/2010/main" xmlns="">
+              <a14:hiddenFill xmlns="" xmlns:a14="http://schemas.microsoft.com/office/drawing/2010/main">
                 <a:solidFill>
                   <a:schemeClr val="accent1"/>
                 </a:solidFill>
               </a14:hiddenFill>
             </a:ext>
             <a:ext uri="{91240B29-F687-4F45-9708-019B960494DF}">
-              <a14:hiddenLine xmlns:a14="http://schemas.microsoft.com/office/drawing/2010/main" xmlns="" w="9525">
+              <a14:hiddenLine xmlns="" xmlns:a14="http://schemas.microsoft.com/office/drawing/2010/main" w="9525">
                 <a:solidFill>
                   <a:schemeClr val="tx1"/>
                 </a:solidFill>
@@ -18971,7 +18968,7 @@
               </a14:hiddenLine>
             </a:ext>
             <a:ext uri="{AF507438-7753-43E0-B8FC-AC1667EBCBE1}">
-              <a14:hiddenEffects xmlns:a14="http://schemas.microsoft.com/office/drawing/2010/main" xmlns="">
+              <a14:hiddenEffects xmlns="" xmlns:a14="http://schemas.microsoft.com/office/drawing/2010/main">
                 <a:effectLst>
                   <a:outerShdw dist="35921" dir="2700000" algn="ctr" rotWithShape="0">
                     <a:schemeClr val="bg2"/>
@@ -19019,7 +19016,7 @@
     </p:spTree>
     <p:extLst>
       <p:ext uri="{BB962C8B-B14F-4D97-AF65-F5344CB8AC3E}">
-        <p14:creationId xmlns:p14="http://schemas.microsoft.com/office/powerpoint/2010/main" xmlns="" val="101772287"/>
+        <p14:creationId xmlns="" xmlns:p14="http://schemas.microsoft.com/office/powerpoint/2010/main" val="101772287"/>
       </p:ext>
     </p:extLst>
   </p:cSld>
@@ -19192,7 +19189,7 @@
     </p:spTree>
     <p:extLst>
       <p:ext uri="{BB962C8B-B14F-4D97-AF65-F5344CB8AC3E}">
-        <p14:creationId xmlns:p14="http://schemas.microsoft.com/office/powerpoint/2010/main" xmlns="" val="2873283054"/>
+        <p14:creationId xmlns="" xmlns:p14="http://schemas.microsoft.com/office/powerpoint/2010/main" val="2873283054"/>
       </p:ext>
     </p:extLst>
   </p:cSld>
@@ -19413,7 +19410,7 @@
     </p:spTree>
     <p:extLst>
       <p:ext uri="{BB962C8B-B14F-4D97-AF65-F5344CB8AC3E}">
-        <p14:creationId xmlns:p14="http://schemas.microsoft.com/office/powerpoint/2010/main" xmlns="" val="281736455"/>
+        <p14:creationId xmlns="" xmlns:p14="http://schemas.microsoft.com/office/powerpoint/2010/main" val="281736455"/>
       </p:ext>
     </p:extLst>
   </p:cSld>
@@ -19673,7 +19670,7 @@
     </p:spTree>
     <p:extLst>
       <p:ext uri="{BB962C8B-B14F-4D97-AF65-F5344CB8AC3E}">
-        <p14:creationId xmlns:p14="http://schemas.microsoft.com/office/powerpoint/2010/main" xmlns="" val="3694131310"/>
+        <p14:creationId xmlns="" xmlns:p14="http://schemas.microsoft.com/office/powerpoint/2010/main" val="3694131310"/>
       </p:ext>
     </p:extLst>
   </p:cSld>
@@ -19875,7 +19872,7 @@
     </p:spTree>
     <p:extLst>
       <p:ext uri="{BB962C8B-B14F-4D97-AF65-F5344CB8AC3E}">
-        <p14:creationId xmlns:p14="http://schemas.microsoft.com/office/powerpoint/2010/main" xmlns="" val="1732995238"/>
+        <p14:creationId xmlns="" xmlns:p14="http://schemas.microsoft.com/office/powerpoint/2010/main" val="1732995238"/>
       </p:ext>
     </p:extLst>
   </p:cSld>
@@ -20081,7 +20078,7 @@
     </p:spTree>
     <p:extLst>
       <p:ext uri="{BB962C8B-B14F-4D97-AF65-F5344CB8AC3E}">
-        <p14:creationId xmlns:p14="http://schemas.microsoft.com/office/powerpoint/2010/main" xmlns="" val="2459943847"/>
+        <p14:creationId xmlns="" xmlns:p14="http://schemas.microsoft.com/office/powerpoint/2010/main" val="2459943847"/>
       </p:ext>
     </p:extLst>
   </p:cSld>
@@ -20311,7 +20308,7 @@
     </p:spTree>
     <p:extLst>
       <p:ext uri="{BB962C8B-B14F-4D97-AF65-F5344CB8AC3E}">
-        <p14:creationId xmlns:p14="http://schemas.microsoft.com/office/powerpoint/2010/main" xmlns="" val="992586405"/>
+        <p14:creationId xmlns="" xmlns:p14="http://schemas.microsoft.com/office/powerpoint/2010/main" val="992586405"/>
       </p:ext>
     </p:extLst>
   </p:cSld>
@@ -20520,7 +20517,7 @@
     </p:spTree>
     <p:extLst>
       <p:ext uri="{BB962C8B-B14F-4D97-AF65-F5344CB8AC3E}">
-        <p14:creationId xmlns:p14="http://schemas.microsoft.com/office/powerpoint/2010/main" xmlns="" val="2666665484"/>
+        <p14:creationId xmlns="" xmlns:p14="http://schemas.microsoft.com/office/powerpoint/2010/main" val="2666665484"/>
       </p:ext>
     </p:extLst>
   </p:cSld>
@@ -20718,7 +20715,7 @@
     </p:spTree>
     <p:extLst>
       <p:ext uri="{BB962C8B-B14F-4D97-AF65-F5344CB8AC3E}">
-        <p14:creationId xmlns:p14="http://schemas.microsoft.com/office/powerpoint/2010/main" xmlns="" val="758492816"/>
+        <p14:creationId xmlns="" xmlns:p14="http://schemas.microsoft.com/office/powerpoint/2010/main" val="758492816"/>
       </p:ext>
     </p:extLst>
   </p:cSld>
@@ -20949,7 +20946,7 @@
     </p:spTree>
     <p:extLst>
       <p:ext uri="{BB962C8B-B14F-4D97-AF65-F5344CB8AC3E}">
-        <p14:creationId xmlns:p14="http://schemas.microsoft.com/office/powerpoint/2010/main" xmlns="" val="67235004"/>
+        <p14:creationId xmlns="" xmlns:p14="http://schemas.microsoft.com/office/powerpoint/2010/main" val="67235004"/>
       </p:ext>
     </p:extLst>
   </p:cSld>
@@ -21166,7 +21163,7 @@
     </p:spTree>
     <p:extLst>
       <p:ext uri="{BB962C8B-B14F-4D97-AF65-F5344CB8AC3E}">
-        <p14:creationId xmlns:p14="http://schemas.microsoft.com/office/powerpoint/2010/main" xmlns="" val="3133304175"/>
+        <p14:creationId xmlns="" xmlns:p14="http://schemas.microsoft.com/office/powerpoint/2010/main" val="3133304175"/>
       </p:ext>
     </p:extLst>
   </p:cSld>
